--- a/miniproject-campsites-docs/[별첨3] 팀별 프로젝트 수행 결과 작성 양식.pptx
+++ b/miniproject-campsites-docs/[별첨3] 팀별 프로젝트 수행 결과 작성 양식.pptx
@@ -38,21 +38,21 @@
       <p:italic r:id="rId21"/>
     </p:embeddedFont>
     <p:embeddedFont>
-      <p:font typeface="휴먼둥근헤드라인" panose="02030504000101010101" pitchFamily="18" charset="-127"/>
+      <p:font typeface="HY견고딕" panose="02030600000101010101" pitchFamily="18" charset="-127"/>
       <p:regular r:id="rId22"/>
     </p:embeddedFont>
     <p:embeddedFont>
-      <p:font typeface="HY견고딕" panose="02030600000101010101" pitchFamily="18" charset="-127"/>
+      <p:font typeface="맑은 고딕" panose="020B0503020000020004" pitchFamily="50" charset="-127"/>
       <p:regular r:id="rId23"/>
+      <p:bold r:id="rId24"/>
+    </p:embeddedFont>
+    <p:embeddedFont>
+      <p:font typeface="휴먼둥근헤드라인" panose="02030504000101010101" pitchFamily="18" charset="-127"/>
+      <p:regular r:id="rId25"/>
     </p:embeddedFont>
     <p:embeddedFont>
       <p:font typeface="휴먼모음T" panose="02030504000101010101" pitchFamily="18" charset="-127"/>
-      <p:regular r:id="rId24"/>
-    </p:embeddedFont>
-    <p:embeddedFont>
-      <p:font typeface="맑은 고딕" panose="020B0503020000020004" pitchFamily="50" charset="-127"/>
-      <p:regular r:id="rId25"/>
-      <p:bold r:id="rId26"/>
+      <p:regular r:id="rId26"/>
     </p:embeddedFont>
   </p:embeddedFontLst>
   <p:defaultTextStyle>
@@ -1314,14 +1314,6 @@
         </dgm:presLayoutVars>
       </dgm:prSet>
       <dgm:spPr/>
-      <dgm:t>
-        <a:bodyPr/>
-        <a:lstStyle/>
-        <a:p>
-          <a:pPr latinLnBrk="1"/>
-          <a:endParaRPr lang="ko-KR" altLang="en-US"/>
-        </a:p>
-      </dgm:t>
     </dgm:pt>
     <dgm:pt modelId="{FDA340C9-AC86-4436-A9B3-206541B62C7F}" type="pres">
       <dgm:prSet presAssocID="{FCE2B9B3-5839-4633-9DDC-3F88FD05EB1C}" presName="Accent1" presStyleCnt="0"/>
@@ -1340,14 +1332,6 @@
         </dgm:presLayoutVars>
       </dgm:prSet>
       <dgm:spPr/>
-      <dgm:t>
-        <a:bodyPr/>
-        <a:lstStyle/>
-        <a:p>
-          <a:pPr latinLnBrk="1"/>
-          <a:endParaRPr lang="ko-KR" altLang="en-US"/>
-        </a:p>
-      </dgm:t>
     </dgm:pt>
     <dgm:pt modelId="{45920A26-5F2E-4456-A023-EBCE81E761C6}" type="pres">
       <dgm:prSet presAssocID="{36707158-2A7F-4470-8614-D2441D89B8CC}" presName="Accent2" presStyleCnt="0"/>
@@ -1366,14 +1350,6 @@
         </dgm:presLayoutVars>
       </dgm:prSet>
       <dgm:spPr/>
-      <dgm:t>
-        <a:bodyPr/>
-        <a:lstStyle/>
-        <a:p>
-          <a:pPr latinLnBrk="1"/>
-          <a:endParaRPr lang="ko-KR" altLang="en-US"/>
-        </a:p>
-      </dgm:t>
     </dgm:pt>
     <dgm:pt modelId="{C10C2065-26FA-431E-BD65-750695532E6C}" type="pres">
       <dgm:prSet presAssocID="{95092794-8EB8-4866-8BC4-19AB699FD825}" presName="Accent3" presStyleCnt="0"/>
@@ -1392,24 +1368,16 @@
         </dgm:presLayoutVars>
       </dgm:prSet>
       <dgm:spPr/>
-      <dgm:t>
-        <a:bodyPr/>
-        <a:lstStyle/>
-        <a:p>
-          <a:pPr latinLnBrk="1"/>
-          <a:endParaRPr lang="ko-KR" altLang="en-US"/>
-        </a:p>
-      </dgm:t>
     </dgm:pt>
   </dgm:ptLst>
   <dgm:cxnLst>
+    <dgm:cxn modelId="{DE151355-14E1-452E-A737-D44F39230893}" type="presOf" srcId="{36707158-2A7F-4470-8614-D2441D89B8CC}" destId="{B9307846-3968-4351-B217-FDF007BAED2E}" srcOrd="0" destOrd="0" presId="urn:microsoft.com/office/officeart/2009/layout/CircleArrowProcess"/>
     <dgm:cxn modelId="{96906AC7-7F8B-468C-9BD7-C3DABE97B889}" srcId="{40C0D4F4-D202-4046-AC90-B9F2B28A3ACB}" destId="{36707158-2A7F-4470-8614-D2441D89B8CC}" srcOrd="1" destOrd="0" parTransId="{4EFA4F70-896C-4CA5-A09B-466B6E504898}" sibTransId="{91A5F8D8-3FE3-4D01-8378-915C11054DA2}"/>
     <dgm:cxn modelId="{C43DB9C8-C4BC-40EA-B856-FDF33A96E9EE}" srcId="{40C0D4F4-D202-4046-AC90-B9F2B28A3ACB}" destId="{FCE2B9B3-5839-4633-9DDC-3F88FD05EB1C}" srcOrd="0" destOrd="0" parTransId="{3352EDB2-1A05-40DB-B30C-CC98DE54BD66}" sibTransId="{F46956F1-8138-4CFE-8639-198587CC3422}"/>
+    <dgm:cxn modelId="{5B9A1BD0-C5F3-4E28-98BA-4E08BB81764E}" srcId="{40C0D4F4-D202-4046-AC90-B9F2B28A3ACB}" destId="{95092794-8EB8-4866-8BC4-19AB699FD825}" srcOrd="2" destOrd="0" parTransId="{EFEF8832-0B33-43B0-A1C7-D1A8062E965F}" sibTransId="{99B373BD-ED5E-4E00-B551-F4E545897374}"/>
     <dgm:cxn modelId="{A41C0DDB-9FE0-4BA9-9FF7-35F56BED49CF}" type="presOf" srcId="{40C0D4F4-D202-4046-AC90-B9F2B28A3ACB}" destId="{C4CC960A-5D7A-4DB8-8237-ABDAA6AF78B8}" srcOrd="0" destOrd="0" presId="urn:microsoft.com/office/officeart/2009/layout/CircleArrowProcess"/>
     <dgm:cxn modelId="{2DB76FE0-623A-4CBB-B812-0D199BFBC86A}" type="presOf" srcId="{FCE2B9B3-5839-4633-9DDC-3F88FD05EB1C}" destId="{547C904A-46B4-45FF-8979-DF14C85D56EE}" srcOrd="0" destOrd="0" presId="urn:microsoft.com/office/officeart/2009/layout/CircleArrowProcess"/>
-    <dgm:cxn modelId="{DE151355-14E1-452E-A737-D44F39230893}" type="presOf" srcId="{36707158-2A7F-4470-8614-D2441D89B8CC}" destId="{B9307846-3968-4351-B217-FDF007BAED2E}" srcOrd="0" destOrd="0" presId="urn:microsoft.com/office/officeart/2009/layout/CircleArrowProcess"/>
     <dgm:cxn modelId="{019A69F5-93E8-4054-A429-CC05F675103D}" type="presOf" srcId="{95092794-8EB8-4866-8BC4-19AB699FD825}" destId="{DDA678BF-1C7B-4ACE-B0E0-9CFC49D0B901}" srcOrd="0" destOrd="0" presId="urn:microsoft.com/office/officeart/2009/layout/CircleArrowProcess"/>
-    <dgm:cxn modelId="{5B9A1BD0-C5F3-4E28-98BA-4E08BB81764E}" srcId="{40C0D4F4-D202-4046-AC90-B9F2B28A3ACB}" destId="{95092794-8EB8-4866-8BC4-19AB699FD825}" srcOrd="2" destOrd="0" parTransId="{EFEF8832-0B33-43B0-A1C7-D1A8062E965F}" sibTransId="{99B373BD-ED5E-4E00-B551-F4E545897374}"/>
     <dgm:cxn modelId="{3B011010-047B-4E98-925B-ADC462542974}" type="presParOf" srcId="{C4CC960A-5D7A-4DB8-8237-ABDAA6AF78B8}" destId="{FDA340C9-AC86-4436-A9B3-206541B62C7F}" srcOrd="0" destOrd="0" presId="urn:microsoft.com/office/officeart/2009/layout/CircleArrowProcess"/>
     <dgm:cxn modelId="{1A53849B-35C7-4C24-B8FB-C5FE567044E0}" type="presParOf" srcId="{FDA340C9-AC86-4436-A9B3-206541B62C7F}" destId="{A7B6F021-9AEB-45D4-9BAE-06BB7CBFD746}" srcOrd="0" destOrd="0" presId="urn:microsoft.com/office/officeart/2009/layout/CircleArrowProcess"/>
     <dgm:cxn modelId="{28183D85-2E51-4F49-B39C-48359D75C129}" type="presParOf" srcId="{C4CC960A-5D7A-4DB8-8237-ABDAA6AF78B8}" destId="{547C904A-46B4-45FF-8979-DF14C85D56EE}" srcOrd="1" destOrd="0" presId="urn:microsoft.com/office/officeart/2009/layout/CircleArrowProcess"/>
@@ -1531,7 +1499,7 @@
         </a:bodyPr>
         <a:lstStyle/>
         <a:p>
-          <a:pPr lvl="0" algn="ctr" defTabSz="622300" latinLnBrk="1">
+          <a:pPr marL="0" lvl="0" indent="0" algn="ctr" defTabSz="622300" latinLnBrk="1">
             <a:lnSpc>
               <a:spcPct val="90000"/>
             </a:lnSpc>
@@ -1541,6 +1509,7 @@
             <a:spcAft>
               <a:spcPct val="35000"/>
             </a:spcAft>
+            <a:buNone/>
           </a:pPr>
           <a:r>
             <a:rPr lang="ko-KR" altLang="en-US" sz="1400" kern="1200" dirty="0"/>
@@ -1549,7 +1518,7 @@
           <a:endParaRPr lang="en-US" altLang="ko-KR" sz="1400" kern="1200" dirty="0"/>
         </a:p>
         <a:p>
-          <a:pPr lvl="0" algn="ctr" defTabSz="622300" latinLnBrk="1">
+          <a:pPr marL="0" lvl="0" indent="0" algn="ctr" defTabSz="622300" latinLnBrk="1">
             <a:lnSpc>
               <a:spcPct val="90000"/>
             </a:lnSpc>
@@ -1559,6 +1528,7 @@
             <a:spcAft>
               <a:spcPct val="35000"/>
             </a:spcAft>
+            <a:buNone/>
           </a:pPr>
           <a:r>
             <a:rPr lang="ko-KR" altLang="en-US" sz="1400" kern="1200" dirty="0"/>
@@ -1567,7 +1537,7 @@
           <a:endParaRPr lang="en-US" altLang="ko-KR" sz="1400" kern="1200" dirty="0"/>
         </a:p>
         <a:p>
-          <a:pPr lvl="0" algn="ctr" defTabSz="622300" latinLnBrk="1">
+          <a:pPr marL="0" lvl="0" indent="0" algn="ctr" defTabSz="622300" latinLnBrk="1">
             <a:lnSpc>
               <a:spcPct val="90000"/>
             </a:lnSpc>
@@ -1577,6 +1547,7 @@
             <a:spcAft>
               <a:spcPct val="35000"/>
             </a:spcAft>
+            <a:buNone/>
           </a:pPr>
           <a:r>
             <a:rPr lang="en-US" altLang="ko-KR" sz="1400" kern="1200" dirty="0"/>
@@ -1690,7 +1661,7 @@
         </a:bodyPr>
         <a:lstStyle/>
         <a:p>
-          <a:pPr lvl="0" algn="ctr" defTabSz="622300" latinLnBrk="1">
+          <a:pPr marL="0" lvl="0" indent="0" algn="ctr" defTabSz="622300" latinLnBrk="1">
             <a:lnSpc>
               <a:spcPct val="90000"/>
             </a:lnSpc>
@@ -1700,6 +1671,7 @@
             <a:spcAft>
               <a:spcPct val="35000"/>
             </a:spcAft>
+            <a:buNone/>
           </a:pPr>
           <a:r>
             <a:rPr lang="ko-KR" altLang="en-US" sz="1400" kern="1200" dirty="0"/>
@@ -1803,7 +1775,7 @@
         </a:bodyPr>
         <a:lstStyle/>
         <a:p>
-          <a:pPr lvl="0" algn="ctr" defTabSz="622300" latinLnBrk="1">
+          <a:pPr marL="0" lvl="0" indent="0" algn="ctr" defTabSz="622300" latinLnBrk="1">
             <a:lnSpc>
               <a:spcPct val="90000"/>
             </a:lnSpc>
@@ -1813,6 +1785,7 @@
             <a:spcAft>
               <a:spcPct val="35000"/>
             </a:spcAft>
+            <a:buNone/>
           </a:pPr>
           <a:r>
             <a:rPr lang="ko-KR" altLang="en-US" sz="1400" kern="1200" dirty="0"/>
@@ -1821,7 +1794,7 @@
           <a:endParaRPr lang="en-US" altLang="ko-KR" sz="1400" kern="1200" dirty="0"/>
         </a:p>
         <a:p>
-          <a:pPr lvl="0" algn="ctr" defTabSz="622300" latinLnBrk="1">
+          <a:pPr marL="0" lvl="0" indent="0" algn="ctr" defTabSz="622300" latinLnBrk="1">
             <a:lnSpc>
               <a:spcPct val="90000"/>
             </a:lnSpc>
@@ -1831,6 +1804,7 @@
             <a:spcAft>
               <a:spcPct val="35000"/>
             </a:spcAft>
+            <a:buNone/>
           </a:pPr>
           <a:r>
             <a:rPr lang="en-US" altLang="ko-KR" sz="1400" kern="1200" dirty="0"/>
@@ -5072,7 +5046,7 @@
               <a:pPr>
                 <a:defRPr/>
               </a:pPr>
-              <a:t>2022-06-24</a:t>
+              <a:t>2023-12-07</a:t>
             </a:fld>
             <a:endParaRPr lang="ko-KR" altLang="en-US"/>
           </a:p>
@@ -5860,13 +5834,6 @@
     <p:sldLayoutId id="2147483822" r:id="rId2"/>
     <p:sldLayoutId id="2147483823" r:id="rId3"/>
   </p:sldLayoutIdLst>
-  <p:timing>
-    <p:tnLst>
-      <p:par>
-        <p:cTn id="1" dur="indefinite" restart="never" nodeType="tmRoot"/>
-      </p:par>
-    </p:tnLst>
-  </p:timing>
   <p:txStyles>
     <p:titleStyle>
       <a:lvl1pPr algn="l" rtl="0" eaLnBrk="0" fontAlgn="base" latinLnBrk="1" hangingPunct="0">
@@ -6343,7 +6310,7 @@
         <p:spPr>
           <a:xfrm>
             <a:off x="6708068" y="4149070"/>
-            <a:ext cx="5158567" cy="1015663"/>
+            <a:ext cx="5158567" cy="956159"/>
           </a:xfrm>
           <a:prstGeom prst="rect">
             <a:avLst/>
@@ -6379,7 +6346,7 @@
                 <a:latin typeface="+mj-ea"/>
                 <a:ea typeface="+mj-ea"/>
               </a:rPr>
-              <a:t>TEAM 1</a:t>
+              <a:t>TEAM 5</a:t>
             </a:r>
             <a:r>
               <a:rPr lang="ko-KR" altLang="en-US" sz="2400" b="1" dirty="0">
@@ -6392,73 +6359,18 @@
                 <a:latin typeface="+mj-ea"/>
                 <a:ea typeface="+mj-ea"/>
               </a:rPr>
-              <a:t>조 </a:t>
-            </a:r>
-            <a:r>
-              <a:rPr lang="ko-KR" altLang="en-US" sz="2400" b="1" dirty="0" err="1" smtClean="0">
-                <a:solidFill>
-                  <a:schemeClr val="tx1">
-                    <a:lumMod val="75000"/>
-                    <a:lumOff val="25000"/>
-                  </a:schemeClr>
-                </a:solidFill>
-                <a:latin typeface="+mj-ea"/>
-                <a:ea typeface="+mj-ea"/>
-              </a:rPr>
-              <a:t>어벤져스</a:t>
-            </a:r>
-            <a:r>
-              <a:rPr lang="ko-KR" altLang="en-US" sz="2400" b="1" dirty="0" smtClean="0">
-                <a:solidFill>
-                  <a:schemeClr val="tx1">
-                    <a:lumMod val="75000"/>
-                    <a:lumOff val="25000"/>
-                  </a:schemeClr>
-                </a:solidFill>
-                <a:latin typeface="+mj-ea"/>
-                <a:ea typeface="+mj-ea"/>
-              </a:rPr>
-              <a:t> </a:t>
-            </a:r>
-            <a:r>
-              <a:rPr lang="en-US" altLang="ko-KR" sz="2400" b="1" dirty="0">
-                <a:solidFill>
-                  <a:schemeClr val="tx1">
-                    <a:lumMod val="75000"/>
-                    <a:lumOff val="25000"/>
-                  </a:schemeClr>
-                </a:solidFill>
-                <a:latin typeface="+mj-ea"/>
-                <a:ea typeface="+mj-ea"/>
-              </a:rPr>
-              <a:t>(</a:t>
-            </a:r>
-            <a:r>
-              <a:rPr lang="ko-KR" altLang="en-US" sz="2400" b="1" dirty="0" err="1">
-                <a:solidFill>
-                  <a:schemeClr val="tx1">
-                    <a:lumMod val="75000"/>
-                    <a:lumOff val="25000"/>
-                  </a:schemeClr>
-                </a:solidFill>
-                <a:latin typeface="+mj-ea"/>
-                <a:ea typeface="+mj-ea"/>
-              </a:rPr>
-              <a:t>팀명</a:t>
-            </a:r>
-            <a:r>
-              <a:rPr lang="en-US" altLang="ko-KR" sz="2400" b="1" dirty="0" smtClean="0">
-                <a:solidFill>
-                  <a:schemeClr val="tx1">
-                    <a:lumMod val="75000"/>
-                    <a:lumOff val="25000"/>
-                  </a:schemeClr>
-                </a:solidFill>
-                <a:latin typeface="+mj-ea"/>
-                <a:ea typeface="+mj-ea"/>
-              </a:rPr>
-              <a:t>)</a:t>
-            </a:r>
+              <a:t>조</a:t>
+            </a:r>
+            <a:endParaRPr lang="en-US" altLang="ko-KR" sz="2400" b="1" dirty="0">
+              <a:solidFill>
+                <a:schemeClr val="tx1">
+                  <a:lumMod val="75000"/>
+                  <a:lumOff val="25000"/>
+                </a:schemeClr>
+              </a:solidFill>
+              <a:latin typeface="+mj-ea"/>
+              <a:ea typeface="+mj-ea"/>
+            </a:endParaRPr>
           </a:p>
           <a:p>
             <a:pPr algn="r" eaLnBrk="1" fontAlgn="auto" latinLnBrk="1" hangingPunct="1">
@@ -6474,7 +6386,7 @@
               <a:defRPr/>
             </a:pPr>
             <a:r>
-              <a:rPr lang="ko-KR" altLang="en-US" sz="2000" b="1" dirty="0" smtClean="0">
+              <a:rPr lang="ko-KR" altLang="en-US" sz="2000" b="1" dirty="0">
                 <a:solidFill>
                   <a:schemeClr val="tx1">
                     <a:lumMod val="75000"/>
@@ -6484,124 +6396,7 @@
                 <a:latin typeface="+mj-ea"/>
                 <a:ea typeface="+mj-ea"/>
               </a:rPr>
-              <a:t>김</a:t>
-            </a:r>
-            <a:r>
-              <a:rPr lang="ko-KR" altLang="en-US" sz="2000" b="1" dirty="0">
-                <a:solidFill>
-                  <a:schemeClr val="tx1">
-                    <a:lumMod val="75000"/>
-                    <a:lumOff val="25000"/>
-                  </a:schemeClr>
-                </a:solidFill>
-                <a:latin typeface="+mj-ea"/>
-                <a:ea typeface="+mj-ea"/>
-              </a:rPr>
-              <a:t>○○</a:t>
-            </a:r>
-            <a:r>
-              <a:rPr lang="en-US" altLang="ko-KR" sz="2000" b="1" dirty="0">
-                <a:solidFill>
-                  <a:schemeClr val="tx1">
-                    <a:lumMod val="75000"/>
-                    <a:lumOff val="25000"/>
-                  </a:schemeClr>
-                </a:solidFill>
-                <a:latin typeface="+mj-ea"/>
-                <a:ea typeface="+mj-ea"/>
-              </a:rPr>
-              <a:t>, </a:t>
-            </a:r>
-            <a:r>
-              <a:rPr lang="ko-KR" altLang="en-US" sz="2000" b="1" dirty="0">
-                <a:solidFill>
-                  <a:schemeClr val="tx1">
-                    <a:lumMod val="75000"/>
-                    <a:lumOff val="25000"/>
-                  </a:schemeClr>
-                </a:solidFill>
-                <a:latin typeface="+mj-ea"/>
-                <a:ea typeface="+mj-ea"/>
-              </a:rPr>
-              <a:t>박○○</a:t>
-            </a:r>
-            <a:r>
-              <a:rPr lang="en-US" altLang="ko-KR" sz="2000" b="1" dirty="0">
-                <a:solidFill>
-                  <a:schemeClr val="tx1">
-                    <a:lumMod val="75000"/>
-                    <a:lumOff val="25000"/>
-                  </a:schemeClr>
-                </a:solidFill>
-                <a:latin typeface="+mj-ea"/>
-                <a:ea typeface="+mj-ea"/>
-              </a:rPr>
-              <a:t>, </a:t>
-            </a:r>
-            <a:r>
-              <a:rPr lang="ko-KR" altLang="en-US" sz="2000" b="1" dirty="0">
-                <a:solidFill>
-                  <a:schemeClr val="tx1">
-                    <a:lumMod val="75000"/>
-                    <a:lumOff val="25000"/>
-                  </a:schemeClr>
-                </a:solidFill>
-                <a:latin typeface="+mj-ea"/>
-                <a:ea typeface="+mj-ea"/>
-              </a:rPr>
-              <a:t>이○○</a:t>
-            </a:r>
-            <a:r>
-              <a:rPr lang="en-US" altLang="ko-KR" sz="2000" b="1" dirty="0">
-                <a:solidFill>
-                  <a:schemeClr val="tx1">
-                    <a:lumMod val="75000"/>
-                    <a:lumOff val="25000"/>
-                  </a:schemeClr>
-                </a:solidFill>
-                <a:latin typeface="+mj-ea"/>
-                <a:ea typeface="+mj-ea"/>
-              </a:rPr>
-              <a:t>, </a:t>
-            </a:r>
-            <a:r>
-              <a:rPr lang="ko-KR" altLang="en-US" sz="2000" b="1" dirty="0">
-                <a:solidFill>
-                  <a:schemeClr val="tx1">
-                    <a:lumMod val="75000"/>
-                    <a:lumOff val="25000"/>
-                  </a:schemeClr>
-                </a:solidFill>
-                <a:latin typeface="+mj-ea"/>
-                <a:ea typeface="+mj-ea"/>
-              </a:rPr>
-              <a:t>최○○</a:t>
-            </a:r>
-            <a:r>
-              <a:rPr lang="en-US" altLang="ko-KR" sz="2000" b="1" dirty="0">
-                <a:solidFill>
-                  <a:schemeClr val="tx1">
-                    <a:lumMod val="75000"/>
-                    <a:lumOff val="25000"/>
-                  </a:schemeClr>
-                </a:solidFill>
-                <a:latin typeface="+mj-ea"/>
-                <a:ea typeface="+mj-ea"/>
-              </a:rPr>
-              <a:t>, </a:t>
-            </a:r>
-            <a:r>
-              <a:rPr lang="ko-KR" altLang="en-US" sz="2000" b="1" dirty="0">
-                <a:solidFill>
-                  <a:schemeClr val="tx1">
-                    <a:lumMod val="75000"/>
-                    <a:lumOff val="25000"/>
-                  </a:schemeClr>
-                </a:solidFill>
-                <a:latin typeface="+mj-ea"/>
-                <a:ea typeface="+mj-ea"/>
-              </a:rPr>
-              <a:t>정○○</a:t>
+              <a:t>김지훈</a:t>
             </a:r>
             <a:endParaRPr lang="en-US" altLang="ko-KR" sz="2000" b="1" dirty="0">
               <a:solidFill>
@@ -6722,18 +6517,7 @@
                   </a:schemeClr>
                 </a:solidFill>
               </a:rPr>
-              <a:t>목차 안에 구성된 내용은 포함되도록 </a:t>
-            </a:r>
-            <a:r>
-              <a:rPr lang="ko-KR" altLang="en-US" b="1" dirty="0" smtClean="0">
-                <a:solidFill>
-                  <a:schemeClr val="tx1">
-                    <a:lumMod val="75000"/>
-                    <a:lumOff val="25000"/>
-                  </a:schemeClr>
-                </a:solidFill>
-              </a:rPr>
-              <a:t>작성</a:t>
+              <a:t>목차 안에 구성된 내용은 포함되도록 작성</a:t>
             </a:r>
             <a:r>
               <a:rPr lang="en-US" altLang="ko-KR" b="1" dirty="0">
@@ -6868,7 +6652,7 @@
               <a:defRPr/>
             </a:pPr>
             <a:r>
-              <a:rPr lang="ko-KR" altLang="en-US" sz="1600" b="1" dirty="0">
+              <a:rPr lang="en-US" altLang="ko-KR" sz="1600" b="1" dirty="0">
                 <a:solidFill>
                   <a:schemeClr val="tx1">
                     <a:lumMod val="75000"/>
@@ -6877,10 +6661,10 @@
                 </a:solidFill>
                 <a:latin typeface="맑은 고딕" panose="020B0503020000020004" pitchFamily="50" charset="-127"/>
               </a:rPr>
-              <a:t>○○아카데미</a:t>
-            </a:r>
-            <a:r>
-              <a:rPr lang="en-US" altLang="ko-KR" sz="1600" b="1" dirty="0">
+              <a:t>K-digital 4</a:t>
+            </a:r>
+            <a:r>
+              <a:rPr lang="ko-KR" altLang="en-US" sz="1600" b="1" dirty="0">
                 <a:solidFill>
                   <a:schemeClr val="tx1">
                     <a:lumMod val="75000"/>
@@ -6889,10 +6673,10 @@
                 </a:solidFill>
                 <a:latin typeface="맑은 고딕" panose="020B0503020000020004" pitchFamily="50" charset="-127"/>
               </a:rPr>
-              <a:t>(</a:t>
-            </a:r>
-            <a:r>
-              <a:rPr lang="ko-KR" altLang="en-US" sz="1600" b="1" dirty="0" err="1">
+              <a:t>기</a:t>
+            </a:r>
+            <a:r>
+              <a:rPr lang="en-US" altLang="ko-KR" sz="1600" b="1" dirty="0">
                 <a:solidFill>
                   <a:schemeClr val="tx1">
                     <a:lumMod val="75000"/>
@@ -6901,7 +6685,19 @@
                 </a:solidFill>
                 <a:latin typeface="맑은 고딕" panose="020B0503020000020004" pitchFamily="50" charset="-127"/>
               </a:rPr>
-              <a:t>훈련기관명</a:t>
+              <a:t>(</a:t>
+            </a:r>
+            <a:r>
+              <a:rPr lang="ko-KR" altLang="en-US" sz="1600" b="1" dirty="0">
+                <a:solidFill>
+                  <a:schemeClr val="tx1">
+                    <a:lumMod val="75000"/>
+                    <a:lumOff val="25000"/>
+                  </a:schemeClr>
+                </a:solidFill>
+                <a:latin typeface="맑은 고딕" panose="020B0503020000020004" pitchFamily="50" charset="-127"/>
+              </a:rPr>
+              <a:t>부산대학교</a:t>
             </a:r>
             <a:r>
               <a:rPr lang="en-US" altLang="ko-KR" sz="1600" b="1" dirty="0">
@@ -7172,83 +6968,8 @@
                 <a:latin typeface="+mj-ea"/>
                 <a:ea typeface="+mj-ea"/>
               </a:rPr>
-              <a:t>팀 </a:t>
-            </a:r>
-            <a:r>
-              <a:rPr lang="ko-KR" altLang="en-US" sz="4000" b="1" dirty="0" smtClean="0">
-                <a:solidFill>
-                  <a:schemeClr val="tx1">
-                    <a:lumMod val="75000"/>
-                    <a:lumOff val="25000"/>
-                  </a:schemeClr>
-                </a:solidFill>
-                <a:latin typeface="+mj-ea"/>
-                <a:ea typeface="+mj-ea"/>
-              </a:rPr>
-              <a:t>프로젝트 </a:t>
-            </a:r>
-            <a:r>
-              <a:rPr lang="ko-KR" altLang="en-US" sz="4000" b="1" dirty="0">
-                <a:solidFill>
-                  <a:schemeClr val="tx1">
-                    <a:lumMod val="75000"/>
-                    <a:lumOff val="25000"/>
-                  </a:schemeClr>
-                </a:solidFill>
-                <a:latin typeface="+mj-ea"/>
-                <a:ea typeface="+mj-ea"/>
-              </a:rPr>
-              <a:t>명 </a:t>
-            </a:r>
-            <a:r>
-              <a:rPr lang="en-US" altLang="ko-KR" sz="4000" b="1" dirty="0">
-                <a:solidFill>
-                  <a:schemeClr val="tx1">
-                    <a:lumMod val="75000"/>
-                    <a:lumOff val="25000"/>
-                  </a:schemeClr>
-                </a:solidFill>
-                <a:latin typeface="+mj-ea"/>
-                <a:ea typeface="+mj-ea"/>
-              </a:rPr>
-              <a:t>(</a:t>
-            </a:r>
-            <a:r>
-              <a:rPr lang="ko-KR" altLang="en-US" sz="4000" b="1" dirty="0">
-                <a:solidFill>
-                  <a:schemeClr val="tx1">
-                    <a:lumMod val="75000"/>
-                    <a:lumOff val="25000"/>
-                  </a:schemeClr>
-                </a:solidFill>
-                <a:latin typeface="+mj-ea"/>
-                <a:ea typeface="+mj-ea"/>
-              </a:rPr>
-              <a:t>주제</a:t>
-            </a:r>
-            <a:r>
-              <a:rPr lang="en-US" altLang="ko-KR" sz="4000" b="1" dirty="0">
-                <a:solidFill>
-                  <a:schemeClr val="tx1">
-                    <a:lumMod val="75000"/>
-                    <a:lumOff val="25000"/>
-                  </a:schemeClr>
-                </a:solidFill>
-                <a:latin typeface="+mj-ea"/>
-                <a:ea typeface="+mj-ea"/>
-              </a:rPr>
-              <a:t>)</a:t>
-            </a:r>
-            <a:endParaRPr lang="ko-KR" altLang="en-US" sz="4000" b="1" dirty="0">
-              <a:solidFill>
-                <a:schemeClr val="tx1">
-                  <a:lumMod val="75000"/>
-                  <a:lumOff val="25000"/>
-                </a:schemeClr>
-              </a:solidFill>
-              <a:latin typeface="+mj-ea"/>
-              <a:ea typeface="+mj-ea"/>
-            </a:endParaRPr>
+              <a:t>전국 야영장 등록 현황</a:t>
+            </a:r>
           </a:p>
         </p:txBody>
       </p:sp>
@@ -7285,7 +7006,7 @@
           <a:p>
             <a:pPr algn="ctr"/>
             <a:r>
-              <a:rPr lang="en-US" altLang="ko-KR" sz="1600" spc="600" dirty="0" smtClean="0">
+              <a:rPr lang="en-US" altLang="ko-KR" sz="1600" spc="600" dirty="0">
                 <a:solidFill>
                   <a:schemeClr val="bg2">
                     <a:lumMod val="10000"/>
@@ -7294,10 +7015,10 @@
                 <a:latin typeface="+mj-ea"/>
                 <a:ea typeface="+mj-ea"/>
               </a:rPr>
-              <a:t>2022</a:t>
-            </a:r>
-            <a:r>
-              <a:rPr lang="ko-KR" altLang="en-US" sz="1600" spc="600" dirty="0" smtClean="0">
+              <a:t>2023</a:t>
+            </a:r>
+            <a:r>
+              <a:rPr lang="ko-KR" altLang="en-US" sz="1600" spc="600" dirty="0">
                 <a:solidFill>
                   <a:schemeClr val="bg2">
                     <a:lumMod val="10000"/>
@@ -7309,7 +7030,7 @@
               <a:t>년도 </a:t>
             </a:r>
             <a:r>
-              <a:rPr lang="en-US" altLang="ko-KR" sz="1600" spc="600" dirty="0" smtClean="0">
+              <a:rPr lang="en-US" altLang="ko-KR" sz="1600" spc="600" dirty="0">
                 <a:solidFill>
                   <a:schemeClr val="bg2">
                     <a:lumMod val="10000"/>
@@ -7321,7 +7042,7 @@
               <a:t>K-</a:t>
             </a:r>
             <a:r>
-              <a:rPr lang="ko-KR" altLang="en-US" sz="1600" spc="600" dirty="0" smtClean="0">
+              <a:rPr lang="ko-KR" altLang="en-US" sz="1600" spc="600" dirty="0">
                 <a:solidFill>
                   <a:schemeClr val="bg2">
                     <a:lumMod val="10000"/>
@@ -7333,7 +7054,7 @@
               <a:t>디지털 트레이닝 성과평가</a:t>
             </a:r>
             <a:r>
-              <a:rPr lang="en-US" altLang="ko-KR" sz="1600" spc="600" dirty="0" smtClean="0">
+              <a:rPr lang="en-US" altLang="ko-KR" sz="1600" spc="600" dirty="0">
                 <a:solidFill>
                   <a:schemeClr val="bg2">
                     <a:lumMod val="10000"/>
@@ -7345,7 +7066,7 @@
               <a:t>(</a:t>
             </a:r>
             <a:r>
-              <a:rPr lang="ko-KR" altLang="en-US" sz="1600" spc="600" dirty="0" smtClean="0">
+              <a:rPr lang="ko-KR" altLang="en-US" sz="1600" spc="600" dirty="0">
                 <a:solidFill>
                   <a:schemeClr val="bg2">
                     <a:lumMod val="10000"/>
@@ -7357,7 +7078,7 @@
               <a:t>조정</a:t>
             </a:r>
             <a:r>
-              <a:rPr lang="en-US" altLang="ko-KR" sz="1600" spc="600" dirty="0" smtClean="0">
+              <a:rPr lang="en-US" altLang="ko-KR" sz="1600" spc="600" dirty="0">
                 <a:solidFill>
                   <a:schemeClr val="bg2">
                     <a:lumMod val="10000"/>
@@ -7434,13 +7155,6 @@
   <p:clrMapOvr>
     <a:masterClrMapping/>
   </p:clrMapOvr>
-  <p:timing>
-    <p:tnLst>
-      <p:par>
-        <p:cTn id="1" dur="indefinite" restart="never" nodeType="tmRoot"/>
-      </p:par>
-    </p:tnLst>
-  </p:timing>
 </p:sld>
 </file>
 
@@ -7578,29 +7292,8 @@
                 <a:latin typeface="+mn-ea"/>
                 <a:ea typeface="+mn-ea"/>
               </a:rPr>
-              <a:t>LSTM(Long short-term memory</a:t>
-            </a:r>
-            <a:r>
-              <a:rPr lang="en-US" altLang="ko-KR" b="1" spc="-100" dirty="0" smtClean="0">
-                <a:solidFill>
-                  <a:schemeClr val="bg2">
-                    <a:lumMod val="25000"/>
-                  </a:schemeClr>
-                </a:solidFill>
-                <a:latin typeface="+mn-ea"/>
-                <a:ea typeface="+mn-ea"/>
-              </a:rPr>
-              <a:t>)</a:t>
-            </a:r>
-            <a:endParaRPr lang="en-US" altLang="ko-KR" b="1" spc="-100" dirty="0">
-              <a:solidFill>
-                <a:schemeClr val="bg2">
-                  <a:lumMod val="25000"/>
-                </a:schemeClr>
-              </a:solidFill>
-              <a:latin typeface="+mn-ea"/>
-              <a:ea typeface="+mn-ea"/>
-            </a:endParaRPr>
+              <a:t>LSTM(Long short-term memory)</a:t>
+            </a:r>
           </a:p>
         </p:txBody>
       </p:sp>
@@ -7728,7 +7421,7 @@
           <a:lstStyle/>
           <a:p>
             <a:r>
-              <a:rPr lang="ko-KR" altLang="en-US" sz="2800" b="1" dirty="0" smtClean="0">
+              <a:rPr lang="ko-KR" altLang="en-US" sz="2800" b="1" dirty="0">
                 <a:ln w="12700">
                   <a:solidFill>
                     <a:srgbClr val="939597"/>
@@ -7755,31 +7448,6 @@
               </a:rPr>
               <a:t>▶</a:t>
             </a:r>
-            <a:endParaRPr lang="ko-KR" altLang="en-US" sz="2800" b="1" dirty="0">
-              <a:ln w="12700">
-                <a:solidFill>
-                  <a:srgbClr val="939597"/>
-                </a:solidFill>
-                <a:prstDash val="solid"/>
-              </a:ln>
-              <a:pattFill prst="dkUpDiag">
-                <a:fgClr>
-                  <a:srgbClr val="939597"/>
-                </a:fgClr>
-                <a:bgClr>
-                  <a:schemeClr val="bg2">
-                    <a:lumMod val="90000"/>
-                  </a:schemeClr>
-                </a:bgClr>
-              </a:pattFill>
-              <a:effectLst>
-                <a:outerShdw dist="38100" dir="2640000" algn="bl" rotWithShape="0">
-                  <a:srgbClr val="939597"/>
-                </a:outerShdw>
-              </a:effectLst>
-              <a:latin typeface="HY견고딕" panose="02030600000101010101" pitchFamily="18" charset="-127"/>
-              <a:ea typeface="HY견고딕" panose="02030600000101010101" pitchFamily="18" charset="-127"/>
-            </a:endParaRPr>
           </a:p>
         </p:txBody>
       </p:sp>
@@ -7869,10 +7537,10 @@
                 <a:latin typeface="+mn-ea"/>
                 <a:ea typeface="+mn-ea"/>
               </a:rPr>
-              <a:t>결과 제시 </a:t>
-            </a:r>
-            <a:r>
-              <a:rPr lang="ko-KR" altLang="en-US" sz="1400" b="1" spc="-100" dirty="0" smtClean="0">
+              <a:t>결과 제시 ③</a:t>
+            </a:r>
+            <a:r>
+              <a:rPr lang="en-US" altLang="ko-KR" sz="1400" b="1" spc="-100" dirty="0">
                 <a:solidFill>
                   <a:schemeClr val="bg2">
                     <a:lumMod val="25000"/>
@@ -7881,10 +7549,10 @@
                 <a:latin typeface="+mn-ea"/>
                 <a:ea typeface="+mn-ea"/>
               </a:rPr>
-              <a:t>③</a:t>
-            </a:r>
-            <a:r>
-              <a:rPr lang="en-US" altLang="ko-KR" sz="1400" b="1" spc="-100" dirty="0" smtClean="0">
+              <a:t> </a:t>
+            </a:r>
+            <a:r>
+              <a:rPr lang="ko-KR" altLang="en-US" sz="1400" b="1" spc="-100" dirty="0">
                 <a:solidFill>
                   <a:schemeClr val="bg2">
                     <a:lumMod val="25000"/>
@@ -7893,29 +7561,8 @@
                 <a:latin typeface="+mn-ea"/>
                 <a:ea typeface="+mn-ea"/>
               </a:rPr>
-              <a:t> </a:t>
-            </a:r>
-            <a:r>
-              <a:rPr lang="ko-KR" altLang="en-US" sz="1400" b="1" spc="-100" dirty="0" smtClean="0">
-                <a:solidFill>
-                  <a:schemeClr val="bg2">
-                    <a:lumMod val="25000"/>
-                  </a:schemeClr>
-                </a:solidFill>
-                <a:latin typeface="+mn-ea"/>
-                <a:ea typeface="+mn-ea"/>
-              </a:rPr>
               <a:t>모델 선정 및 분석</a:t>
             </a:r>
-            <a:endParaRPr lang="ko-KR" altLang="en-US" sz="1400" b="1" spc="-100" dirty="0">
-              <a:solidFill>
-                <a:schemeClr val="bg2">
-                  <a:lumMod val="25000"/>
-                </a:schemeClr>
-              </a:solidFill>
-              <a:latin typeface="+mn-ea"/>
-              <a:ea typeface="+mn-ea"/>
-            </a:endParaRPr>
           </a:p>
         </p:txBody>
       </p:sp>
@@ -8095,7 +7742,7 @@
               <a:t>04</a:t>
             </a:r>
             <a:r>
-              <a:rPr lang="en-US" altLang="ko-KR" sz="4000" b="1" dirty="0" smtClean="0">
+              <a:rPr lang="en-US" altLang="ko-KR" sz="4000" b="1" dirty="0">
                 <a:solidFill>
                   <a:srgbClr val="445569"/>
                 </a:solidFill>
@@ -8326,13 +7973,6 @@
   <p:clrMapOvr>
     <a:masterClrMapping/>
   </p:clrMapOvr>
-  <p:timing>
-    <p:tnLst>
-      <p:par>
-        <p:cTn id="1" dur="indefinite" restart="never" nodeType="tmRoot"/>
-      </p:par>
-    </p:tnLst>
-  </p:timing>
 </p:sld>
 </file>
 
@@ -8470,29 +8110,8 @@
                 <a:latin typeface="+mn-ea"/>
                 <a:ea typeface="+mn-ea"/>
               </a:rPr>
-              <a:t>LSTM(Long short-term memory</a:t>
-            </a:r>
-            <a:r>
-              <a:rPr lang="en-US" altLang="ko-KR" b="1" spc="-100" dirty="0" smtClean="0">
-                <a:solidFill>
-                  <a:schemeClr val="bg2">
-                    <a:lumMod val="25000"/>
-                  </a:schemeClr>
-                </a:solidFill>
-                <a:latin typeface="+mn-ea"/>
-                <a:ea typeface="+mn-ea"/>
-              </a:rPr>
-              <a:t>)</a:t>
-            </a:r>
-            <a:endParaRPr lang="en-US" altLang="ko-KR" b="1" spc="-100" dirty="0">
-              <a:solidFill>
-                <a:schemeClr val="bg2">
-                  <a:lumMod val="25000"/>
-                </a:schemeClr>
-              </a:solidFill>
-              <a:latin typeface="+mn-ea"/>
-              <a:ea typeface="+mn-ea"/>
-            </a:endParaRPr>
+              <a:t>LSTM(Long short-term memory)</a:t>
+            </a:r>
           </a:p>
         </p:txBody>
       </p:sp>
@@ -8639,7 +8258,7 @@
           <a:lstStyle/>
           <a:p>
             <a:r>
-              <a:rPr lang="ko-KR" altLang="en-US" sz="2800" b="1" dirty="0" smtClean="0">
+              <a:rPr lang="ko-KR" altLang="en-US" sz="2800" b="1" dirty="0">
                 <a:ln w="12700">
                   <a:solidFill>
                     <a:srgbClr val="939597"/>
@@ -8666,31 +8285,6 @@
               </a:rPr>
               <a:t>▶</a:t>
             </a:r>
-            <a:endParaRPr lang="ko-KR" altLang="en-US" sz="2800" b="1" dirty="0">
-              <a:ln w="12700">
-                <a:solidFill>
-                  <a:srgbClr val="939597"/>
-                </a:solidFill>
-                <a:prstDash val="solid"/>
-              </a:ln>
-              <a:pattFill prst="dkUpDiag">
-                <a:fgClr>
-                  <a:srgbClr val="939597"/>
-                </a:fgClr>
-                <a:bgClr>
-                  <a:schemeClr val="bg2">
-                    <a:lumMod val="90000"/>
-                  </a:schemeClr>
-                </a:bgClr>
-              </a:pattFill>
-              <a:effectLst>
-                <a:outerShdw dist="38100" dir="2640000" algn="bl" rotWithShape="0">
-                  <a:srgbClr val="939597"/>
-                </a:outerShdw>
-              </a:effectLst>
-              <a:latin typeface="HY견고딕" panose="02030600000101010101" pitchFamily="18" charset="-127"/>
-              <a:ea typeface="HY견고딕" panose="02030600000101010101" pitchFamily="18" charset="-127"/>
-            </a:endParaRPr>
           </a:p>
         </p:txBody>
       </p:sp>
@@ -8780,10 +8374,10 @@
                 <a:latin typeface="+mn-ea"/>
                 <a:ea typeface="+mn-ea"/>
               </a:rPr>
-              <a:t>결과 제시 </a:t>
-            </a:r>
-            <a:r>
-              <a:rPr lang="ko-KR" altLang="en-US" sz="1400" b="1" spc="-100" dirty="0" smtClean="0">
+              <a:t>결과 제시 ④</a:t>
+            </a:r>
+            <a:r>
+              <a:rPr lang="en-US" altLang="ko-KR" sz="1400" b="1" spc="-100" dirty="0">
                 <a:solidFill>
                   <a:schemeClr val="bg2">
                     <a:lumMod val="25000"/>
@@ -8792,10 +8386,10 @@
                 <a:latin typeface="+mn-ea"/>
                 <a:ea typeface="+mn-ea"/>
               </a:rPr>
-              <a:t>④</a:t>
-            </a:r>
-            <a:r>
-              <a:rPr lang="en-US" altLang="ko-KR" sz="1400" b="1" spc="-100" dirty="0" smtClean="0">
+              <a:t> </a:t>
+            </a:r>
+            <a:r>
+              <a:rPr lang="ko-KR" altLang="en-US" sz="1400" b="1" spc="-100" dirty="0">
                 <a:solidFill>
                   <a:schemeClr val="bg2">
                     <a:lumMod val="25000"/>
@@ -8804,29 +8398,8 @@
                 <a:latin typeface="+mn-ea"/>
                 <a:ea typeface="+mn-ea"/>
               </a:rPr>
-              <a:t> </a:t>
-            </a:r>
-            <a:r>
-              <a:rPr lang="ko-KR" altLang="en-US" sz="1400" b="1" spc="-100" dirty="0" smtClean="0">
-                <a:solidFill>
-                  <a:schemeClr val="bg2">
-                    <a:lumMod val="25000"/>
-                  </a:schemeClr>
-                </a:solidFill>
-                <a:latin typeface="+mn-ea"/>
-                <a:ea typeface="+mn-ea"/>
-              </a:rPr>
               <a:t>모델 평가 및 개선</a:t>
             </a:r>
-            <a:endParaRPr lang="ko-KR" altLang="en-US" sz="1400" b="1" spc="-100" dirty="0">
-              <a:solidFill>
-                <a:schemeClr val="bg2">
-                  <a:lumMod val="25000"/>
-                </a:schemeClr>
-              </a:solidFill>
-              <a:latin typeface="+mn-ea"/>
-              <a:ea typeface="+mn-ea"/>
-            </a:endParaRPr>
           </a:p>
         </p:txBody>
       </p:sp>
@@ -9006,7 +8579,7 @@
               <a:t>04</a:t>
             </a:r>
             <a:r>
-              <a:rPr lang="en-US" altLang="ko-KR" sz="4000" b="1" dirty="0" smtClean="0">
+              <a:rPr lang="en-US" altLang="ko-KR" sz="4000" b="1" dirty="0">
                 <a:solidFill>
                   <a:srgbClr val="445569"/>
                 </a:solidFill>
@@ -9111,7 +8684,7 @@
               <a:defRPr/>
             </a:pPr>
             <a:r>
-              <a:rPr lang="en-US" altLang="ko-KR" sz="1600" spc="-150" dirty="0" smtClean="0">
+              <a:rPr lang="en-US" altLang="ko-KR" sz="1600" spc="-150" dirty="0">
                 <a:solidFill>
                   <a:schemeClr val="bg2">
                     <a:lumMod val="25000"/>
@@ -9119,18 +8692,7 @@
                 </a:solidFill>
                 <a:latin typeface="+mn-ea"/>
               </a:rPr>
-              <a:t>3Layer </a:t>
-            </a:r>
-            <a:r>
-              <a:rPr lang="en-US" altLang="ko-KR" sz="1600" spc="-150" dirty="0">
-                <a:solidFill>
-                  <a:schemeClr val="bg2">
-                    <a:lumMod val="25000"/>
-                  </a:schemeClr>
-                </a:solidFill>
-                <a:latin typeface="+mn-ea"/>
-              </a:rPr>
-              <a:t>LSTM </a:t>
+              <a:t>3Layer LSTM </a:t>
             </a:r>
             <a:r>
               <a:rPr lang="ko-KR" altLang="en-US" sz="1600" spc="-150" dirty="0">
@@ -9154,7 +8716,7 @@
               <a:defRPr/>
             </a:pPr>
             <a:r>
-              <a:rPr lang="ko-KR" altLang="en-US" sz="1600" spc="-150" dirty="0" err="1" smtClean="0">
+              <a:rPr lang="ko-KR" altLang="en-US" sz="1600" spc="-150" dirty="0" err="1">
                 <a:solidFill>
                   <a:schemeClr val="bg2">
                     <a:lumMod val="25000"/>
@@ -9165,7 +8727,7 @@
               <a:t>옵티마이저</a:t>
             </a:r>
             <a:r>
-              <a:rPr lang="ko-KR" altLang="en-US" sz="1600" spc="-150" dirty="0" smtClean="0">
+              <a:rPr lang="ko-KR" altLang="en-US" sz="1600" spc="-150" dirty="0">
                 <a:solidFill>
                   <a:schemeClr val="bg2">
                     <a:lumMod val="25000"/>
@@ -9173,18 +8735,7 @@
                 </a:solidFill>
                 <a:latin typeface="+mn-ea"/>
               </a:rPr>
-              <a:t> </a:t>
-            </a:r>
-            <a:r>
-              <a:rPr lang="ko-KR" altLang="en-US" sz="1600" spc="-150" dirty="0">
-                <a:solidFill>
-                  <a:schemeClr val="bg2">
-                    <a:lumMod val="25000"/>
-                  </a:schemeClr>
-                </a:solidFill>
-                <a:latin typeface="+mn-ea"/>
-              </a:rPr>
-              <a:t>조정</a:t>
+              <a:t> 조정</a:t>
             </a:r>
           </a:p>
           <a:p>
@@ -9195,7 +8746,7 @@
               <a:defRPr/>
             </a:pPr>
             <a:r>
-              <a:rPr lang="en-US" altLang="ko-KR" sz="1600" spc="-150" dirty="0" smtClean="0">
+              <a:rPr lang="en-US" altLang="ko-KR" sz="1600" spc="-150" dirty="0">
                 <a:solidFill>
                   <a:schemeClr val="bg2">
                     <a:lumMod val="25000"/>
@@ -9203,10 +8754,10 @@
                 </a:solidFill>
                 <a:latin typeface="+mn-ea"/>
               </a:rPr>
-              <a:t>    : </a:t>
-            </a:r>
-            <a:r>
-              <a:rPr lang="en-US" altLang="ko-KR" sz="1600" spc="-150" dirty="0">
+              <a:t>    : Adam -&gt;‘</a:t>
+            </a:r>
+            <a:r>
+              <a:rPr lang="en-US" altLang="ko-KR" sz="1600" spc="-150" dirty="0" err="1">
                 <a:solidFill>
                   <a:schemeClr val="bg2">
                     <a:lumMod val="25000"/>
@@ -9214,10 +8765,10 @@
                 </a:solidFill>
                 <a:latin typeface="+mn-ea"/>
               </a:rPr>
-              <a:t>Adam -&gt;‘</a:t>
-            </a:r>
-            <a:r>
-              <a:rPr lang="en-US" altLang="ko-KR" sz="1600" spc="-150" dirty="0" err="1">
+              <a:t>rmsprop</a:t>
+            </a:r>
+            <a:r>
+              <a:rPr lang="en-US" altLang="ko-KR" sz="1600" spc="-150" dirty="0">
                 <a:solidFill>
                   <a:schemeClr val="bg2">
                     <a:lumMod val="25000"/>
@@ -9225,10 +8776,10 @@
                 </a:solidFill>
                 <a:latin typeface="+mn-ea"/>
               </a:rPr>
-              <a:t>rmsprop</a:t>
-            </a:r>
-            <a:r>
-              <a:rPr lang="en-US" altLang="ko-KR" sz="1600" spc="-150" dirty="0">
+              <a:t>’</a:t>
+            </a:r>
+            <a:r>
+              <a:rPr lang="ko-KR" altLang="en-US" sz="1600" spc="-150" dirty="0">
                 <a:solidFill>
                   <a:schemeClr val="bg2">
                     <a:lumMod val="25000"/>
@@ -9236,32 +8787,10 @@
                 </a:solidFill>
                 <a:latin typeface="+mn-ea"/>
               </a:rPr>
-              <a:t>’</a:t>
-            </a:r>
-            <a:r>
-              <a:rPr lang="ko-KR" altLang="en-US" sz="1600" spc="-150" dirty="0">
-                <a:solidFill>
-                  <a:schemeClr val="bg2">
-                    <a:lumMod val="25000"/>
-                  </a:schemeClr>
-                </a:solidFill>
-                <a:latin typeface="+mn-ea"/>
-              </a:rPr>
-              <a:t>로 </a:t>
-            </a:r>
-            <a:r>
-              <a:rPr lang="ko-KR" altLang="en-US" sz="1600" spc="-150" dirty="0" smtClean="0">
-                <a:solidFill>
-                  <a:schemeClr val="bg2">
-                    <a:lumMod val="25000"/>
-                  </a:schemeClr>
-                </a:solidFill>
-                <a:latin typeface="+mn-ea"/>
-              </a:rPr>
-              <a:t>변경</a:t>
-            </a:r>
-            <a:r>
-              <a:rPr lang="en-US" altLang="ko-KR" sz="1600" spc="-150" dirty="0" smtClean="0">
+              <a:t>로 변경</a:t>
+            </a:r>
+            <a:r>
+              <a:rPr lang="en-US" altLang="ko-KR" sz="1600" spc="-150" dirty="0">
                 <a:solidFill>
                   <a:schemeClr val="bg2">
                     <a:lumMod val="25000"/>
@@ -9288,18 +8817,7 @@
                 </a:solidFill>
                 <a:latin typeface="+mn-ea"/>
               </a:rPr>
-              <a:t> </a:t>
-            </a:r>
-            <a:r>
-              <a:rPr lang="en-US" altLang="ko-KR" sz="1600" spc="-150" dirty="0" smtClean="0">
-                <a:solidFill>
-                  <a:schemeClr val="bg2">
-                    <a:lumMod val="25000"/>
-                  </a:schemeClr>
-                </a:solidFill>
-                <a:latin typeface="+mn-ea"/>
-              </a:rPr>
-              <a:t>         &gt;&gt; </a:t>
+              <a:t>          &gt;&gt; </a:t>
             </a:r>
             <a:r>
               <a:rPr lang="ko-KR" altLang="en-US" sz="1600" spc="-150" dirty="0">
@@ -9325,13 +8843,6 @@
   <p:clrMapOvr>
     <a:masterClrMapping/>
   </p:clrMapOvr>
-  <p:timing>
-    <p:tnLst>
-      <p:par>
-        <p:cTn id="1" dur="indefinite" restart="never" nodeType="tmRoot"/>
-      </p:par>
-    </p:tnLst>
-  </p:timing>
 </p:sld>
 </file>
 
@@ -9590,10 +9101,10 @@
                 <a:latin typeface="+mn-ea"/>
                 <a:ea typeface="+mn-ea"/>
               </a:rPr>
-              <a:t>결과 제시 </a:t>
-            </a:r>
-            <a:r>
-              <a:rPr lang="ko-KR" altLang="en-US" sz="1400" b="1" spc="-100" dirty="0" smtClean="0">
+              <a:t>결과 제시 ⑤</a:t>
+            </a:r>
+            <a:r>
+              <a:rPr lang="en-US" altLang="ko-KR" sz="1400" b="1" spc="-100" dirty="0">
                 <a:solidFill>
                   <a:schemeClr val="bg2">
                     <a:lumMod val="25000"/>
@@ -9602,10 +9113,10 @@
                 <a:latin typeface="+mn-ea"/>
                 <a:ea typeface="+mn-ea"/>
               </a:rPr>
-              <a:t>⑤</a:t>
-            </a:r>
-            <a:r>
-              <a:rPr lang="en-US" altLang="ko-KR" sz="1400" b="1" spc="-100" dirty="0" smtClean="0">
+              <a:t> </a:t>
+            </a:r>
+            <a:r>
+              <a:rPr lang="ko-KR" altLang="en-US" sz="1400" b="1" spc="-100" dirty="0">
                 <a:solidFill>
                   <a:schemeClr val="bg2">
                     <a:lumMod val="25000"/>
@@ -9614,29 +9125,8 @@
                 <a:latin typeface="+mn-ea"/>
                 <a:ea typeface="+mn-ea"/>
               </a:rPr>
-              <a:t> </a:t>
-            </a:r>
-            <a:r>
-              <a:rPr lang="ko-KR" altLang="en-US" sz="1400" b="1" spc="-100" dirty="0" smtClean="0">
-                <a:solidFill>
-                  <a:schemeClr val="bg2">
-                    <a:lumMod val="25000"/>
-                  </a:schemeClr>
-                </a:solidFill>
-                <a:latin typeface="+mn-ea"/>
-                <a:ea typeface="+mn-ea"/>
-              </a:rPr>
               <a:t>시연 동영상</a:t>
             </a:r>
-            <a:endParaRPr lang="ko-KR" altLang="en-US" sz="1400" b="1" spc="-100" dirty="0">
-              <a:solidFill>
-                <a:schemeClr val="bg2">
-                  <a:lumMod val="25000"/>
-                </a:schemeClr>
-              </a:solidFill>
-              <a:latin typeface="+mn-ea"/>
-              <a:ea typeface="+mn-ea"/>
-            </a:endParaRPr>
           </a:p>
         </p:txBody>
       </p:sp>
@@ -9816,7 +9306,7 @@
               <a:t>04</a:t>
             </a:r>
             <a:r>
-              <a:rPr lang="en-US" altLang="ko-KR" sz="4000" b="1" dirty="0" smtClean="0">
+              <a:rPr lang="en-US" altLang="ko-KR" sz="4000" b="1" dirty="0">
                 <a:solidFill>
                   <a:srgbClr val="445569"/>
                 </a:solidFill>
@@ -9900,13 +9390,6 @@
   <p:clrMapOvr>
     <a:masterClrMapping/>
   </p:clrMapOvr>
-  <p:timing>
-    <p:tnLst>
-      <p:par>
-        <p:cTn id="1" dur="indefinite" restart="never" nodeType="tmRoot"/>
-      </p:par>
-    </p:tnLst>
-  </p:timing>
 </p:sld>
 </file>
 
@@ -10038,7 +9521,7 @@
               <a:defRPr/>
             </a:pPr>
             <a:r>
-              <a:rPr lang="en-US" altLang="ko-KR" b="1" spc="-150" dirty="0" smtClean="0">
+              <a:rPr lang="en-US" altLang="ko-KR" b="1" spc="-150" dirty="0">
                 <a:ln>
                   <a:solidFill>
                     <a:schemeClr val="bg1">
@@ -10056,46 +9539,6 @@
                 <a:ea typeface="+mn-ea"/>
               </a:rPr>
               <a:t>[</a:t>
-            </a:r>
-            <a:r>
-              <a:rPr lang="ko-KR" altLang="en-US" b="1" spc="-150" dirty="0" smtClean="0">
-                <a:ln>
-                  <a:solidFill>
-                    <a:schemeClr val="bg1">
-                      <a:lumMod val="95000"/>
-                      <a:alpha val="20000"/>
-                    </a:schemeClr>
-                  </a:solidFill>
-                </a:ln>
-                <a:solidFill>
-                  <a:schemeClr val="bg2">
-                    <a:lumMod val="25000"/>
-                  </a:schemeClr>
-                </a:solidFill>
-                <a:latin typeface="+mn-ea"/>
-                <a:ea typeface="+mn-ea"/>
-              </a:rPr>
-              <a:t>자체 평가 의견</a:t>
-            </a:r>
-            <a:r>
-              <a:rPr lang="en-US" altLang="ko-KR" b="1" spc="-150" dirty="0" smtClean="0">
-                <a:ln>
-                  <a:solidFill>
-                    <a:schemeClr val="bg1">
-                      <a:lumMod val="95000"/>
-                      <a:alpha val="20000"/>
-                    </a:schemeClr>
-                  </a:solidFill>
-                </a:ln>
-                <a:solidFill>
-                  <a:schemeClr val="bg2">
-                    <a:lumMod val="25000"/>
-                  </a:schemeClr>
-                </a:solidFill>
-                <a:latin typeface="+mn-ea"/>
-                <a:ea typeface="+mn-ea"/>
-              </a:rPr>
-              <a:t>]</a:t>
             </a:r>
             <a:r>
               <a:rPr lang="ko-KR" altLang="en-US" b="1" spc="-150" dirty="0">
@@ -10115,10 +9558,10 @@
                 <a:latin typeface="+mn-ea"/>
                 <a:ea typeface="+mn-ea"/>
               </a:rPr>
-              <a:t>은</a:t>
-            </a:r>
-            <a:r>
-              <a:rPr lang="ko-KR" altLang="en-US" b="1" spc="-150" dirty="0" smtClean="0">
+              <a:t>자체 평가 의견</a:t>
+            </a:r>
+            <a:r>
+              <a:rPr lang="en-US" altLang="ko-KR" b="1" spc="-150" dirty="0">
                 <a:ln>
                   <a:solidFill>
                     <a:schemeClr val="bg1">
@@ -10135,10 +9578,10 @@
                 <a:latin typeface="+mn-ea"/>
                 <a:ea typeface="+mn-ea"/>
               </a:rPr>
-              <a:t> 프로젝트 결과물에 대한 프로젝트 기획 의도와의 부합 정도 및 실무 활용 가능 정도</a:t>
-            </a:r>
-            <a:r>
-              <a:rPr lang="en-US" altLang="ko-KR" b="1" spc="-150" dirty="0" smtClean="0">
+              <a:t>]</a:t>
+            </a:r>
+            <a:r>
+              <a:rPr lang="ko-KR" altLang="en-US" b="1" spc="-150" dirty="0">
                 <a:ln>
                   <a:solidFill>
                     <a:schemeClr val="bg1">
@@ -10155,10 +9598,10 @@
                 <a:latin typeface="+mn-ea"/>
                 <a:ea typeface="+mn-ea"/>
               </a:rPr>
-              <a:t>, </a:t>
-            </a:r>
-            <a:r>
-              <a:rPr lang="ko-KR" altLang="en-US" b="1" spc="-150" dirty="0" smtClean="0">
+              <a:t>은 프로젝트 결과물에 대한 프로젝트 기획 의도와의 부합 정도 및 실무 활용 가능 정도</a:t>
+            </a:r>
+            <a:r>
+              <a:rPr lang="en-US" altLang="ko-KR" b="1" spc="-150" dirty="0">
                 <a:ln>
                   <a:solidFill>
                     <a:schemeClr val="bg1">
@@ -10175,10 +9618,10 @@
                 <a:latin typeface="+mn-ea"/>
                 <a:ea typeface="+mn-ea"/>
               </a:rPr>
-              <a:t>달성도</a:t>
-            </a:r>
-            <a:r>
-              <a:rPr lang="en-US" altLang="ko-KR" b="1" spc="-150" dirty="0" smtClean="0">
+              <a:t>, </a:t>
+            </a:r>
+            <a:r>
+              <a:rPr lang="ko-KR" altLang="en-US" b="1" spc="-150" dirty="0">
                 <a:ln>
                   <a:solidFill>
                     <a:schemeClr val="bg1">
@@ -10195,10 +9638,10 @@
                 <a:latin typeface="+mn-ea"/>
                 <a:ea typeface="+mn-ea"/>
               </a:rPr>
-              <a:t>, </a:t>
-            </a:r>
-            <a:r>
-              <a:rPr lang="ko-KR" altLang="en-US" b="1" spc="-150" dirty="0" smtClean="0">
+              <a:t>달성도</a:t>
+            </a:r>
+            <a:r>
+              <a:rPr lang="en-US" altLang="ko-KR" b="1" spc="-150" dirty="0">
                 <a:ln>
                   <a:solidFill>
                     <a:schemeClr val="bg1">
@@ -10215,10 +9658,10 @@
                 <a:latin typeface="+mn-ea"/>
                 <a:ea typeface="+mn-ea"/>
               </a:rPr>
-              <a:t>완성도 등 훈련기관 또는 훈련생의 자체적인 평가 의견과 느낀 점을 작성한다</a:t>
-            </a:r>
-            <a:r>
-              <a:rPr lang="en-US" altLang="ko-KR" b="1" spc="-150" dirty="0" smtClean="0">
+              <a:t>, </a:t>
+            </a:r>
+            <a:r>
+              <a:rPr lang="ko-KR" altLang="en-US" b="1" spc="-150" dirty="0">
                 <a:ln>
                   <a:solidFill>
                     <a:schemeClr val="bg1">
@@ -10235,25 +9678,28 @@
                 <a:latin typeface="+mn-ea"/>
                 <a:ea typeface="+mn-ea"/>
               </a:rPr>
+              <a:t>완성도 등 훈련기관 또는 훈련생의 자체적인 평가 의견과 느낀 점을 작성한다</a:t>
+            </a:r>
+            <a:r>
+              <a:rPr lang="en-US" altLang="ko-KR" b="1" spc="-150" dirty="0">
+                <a:ln>
+                  <a:solidFill>
+                    <a:schemeClr val="bg1">
+                      <a:lumMod val="95000"/>
+                      <a:alpha val="20000"/>
+                    </a:schemeClr>
+                  </a:solidFill>
+                </a:ln>
+                <a:solidFill>
+                  <a:schemeClr val="bg2">
+                    <a:lumMod val="25000"/>
+                  </a:schemeClr>
+                </a:solidFill>
+                <a:latin typeface="+mn-ea"/>
+                <a:ea typeface="+mn-ea"/>
+              </a:rPr>
               <a:t>.</a:t>
             </a:r>
-            <a:endParaRPr lang="en-US" altLang="ko-KR" b="1" spc="-150" dirty="0">
-              <a:ln>
-                <a:solidFill>
-                  <a:schemeClr val="bg1">
-                    <a:lumMod val="95000"/>
-                    <a:alpha val="20000"/>
-                  </a:schemeClr>
-                </a:solidFill>
-              </a:ln>
-              <a:solidFill>
-                <a:schemeClr val="bg2">
-                  <a:lumMod val="25000"/>
-                </a:schemeClr>
-              </a:solidFill>
-              <a:latin typeface="+mn-ea"/>
-              <a:ea typeface="+mn-ea"/>
-            </a:endParaRPr>
           </a:p>
         </p:txBody>
       </p:sp>
@@ -10294,7 +9740,7 @@
               <a:defRPr/>
             </a:pPr>
             <a:r>
-              <a:rPr lang="ko-KR" altLang="en-US" sz="1600" spc="-150" dirty="0" smtClean="0">
+              <a:rPr lang="ko-KR" altLang="en-US" sz="1600" spc="-150" dirty="0">
                 <a:ln>
                   <a:solidFill>
                     <a:schemeClr val="bg1">
@@ -10313,7 +9759,7 @@
               <a:t>개인 또는 우리 팀이 잘한 부분과 아쉬운 점을 작성한다</a:t>
             </a:r>
             <a:r>
-              <a:rPr lang="en-US" altLang="ko-KR" sz="1600" spc="-150" dirty="0" smtClean="0">
+              <a:rPr lang="en-US" altLang="ko-KR" sz="1600" spc="-150" dirty="0">
                 <a:ln>
                   <a:solidFill>
                     <a:schemeClr val="bg1">
@@ -10340,7 +9786,7 @@
               <a:defRPr/>
             </a:pPr>
             <a:r>
-              <a:rPr lang="en-US" altLang="ko-KR" sz="1600" spc="-150" dirty="0" smtClean="0">
+              <a:rPr lang="en-US" altLang="ko-KR" sz="1600" spc="-150" dirty="0">
                 <a:ln>
                   <a:solidFill>
                     <a:schemeClr val="bg1">
@@ -10359,7 +9805,7 @@
               <a:t>   *  </a:t>
             </a:r>
             <a:r>
-              <a:rPr lang="ko-KR" altLang="en-US" sz="1600" spc="-150" dirty="0" smtClean="0">
+              <a:rPr lang="ko-KR" altLang="en-US" sz="1600" spc="-150" dirty="0">
                 <a:ln>
                   <a:solidFill>
                     <a:schemeClr val="bg1">
@@ -10378,7 +9824,7 @@
               <a:t>예</a:t>
             </a:r>
             <a:r>
-              <a:rPr lang="en-US" altLang="ko-KR" sz="1600" spc="-150" dirty="0" smtClean="0">
+              <a:rPr lang="en-US" altLang="ko-KR" sz="1600" spc="-150" dirty="0">
                 <a:ln>
                   <a:solidFill>
                     <a:schemeClr val="bg1">
@@ -10397,7 +9843,7 @@
               <a:t>. </a:t>
             </a:r>
             <a:r>
-              <a:rPr lang="ko-KR" altLang="en-US" sz="1600" spc="-150" dirty="0" smtClean="0">
+              <a:rPr lang="ko-KR" altLang="en-US" sz="1600" spc="-150" dirty="0">
                 <a:ln>
                   <a:solidFill>
                     <a:schemeClr val="bg1">
@@ -10416,7 +9862,7 @@
               <a:t>모델 평가 결과</a:t>
             </a:r>
             <a:r>
-              <a:rPr lang="en-US" altLang="ko-KR" sz="1600" spc="-150" dirty="0" smtClean="0">
+              <a:rPr lang="en-US" altLang="ko-KR" sz="1600" spc="-150" dirty="0">
                 <a:ln>
                   <a:solidFill>
                     <a:schemeClr val="bg1">
@@ -10435,7 +9881,7 @@
               <a:t>, </a:t>
             </a:r>
             <a:r>
-              <a:rPr lang="ko-KR" altLang="en-US" sz="1600" spc="-150" dirty="0" smtClean="0">
+              <a:rPr lang="ko-KR" altLang="en-US" sz="1600" spc="-150" dirty="0">
                 <a:ln>
                   <a:solidFill>
                     <a:schemeClr val="bg1">
@@ -10454,7 +9900,7 @@
               <a:t>정확도가 </a:t>
             </a:r>
             <a:r>
-              <a:rPr lang="en-US" altLang="ko-KR" sz="1600" spc="-150" dirty="0" smtClean="0">
+              <a:rPr lang="en-US" altLang="ko-KR" sz="1600" spc="-150" dirty="0">
                 <a:ln>
                   <a:solidFill>
                     <a:schemeClr val="bg1">
@@ -10473,7 +9919,7 @@
               <a:t>00.00%</a:t>
             </a:r>
             <a:r>
-              <a:rPr lang="ko-KR" altLang="en-US" sz="1600" spc="-150" dirty="0" smtClean="0">
+              <a:rPr lang="ko-KR" altLang="en-US" sz="1600" spc="-150" dirty="0">
                 <a:ln>
                   <a:solidFill>
                     <a:schemeClr val="bg1">
@@ -10491,7 +9937,7 @@
               </a:rPr>
               <a:t>로 정확도 향상을 위해 모델 추후 개선 필요</a:t>
             </a:r>
-            <a:endParaRPr lang="en-US" altLang="ko-KR" sz="1600" spc="-150" dirty="0" smtClean="0">
+            <a:endParaRPr lang="en-US" altLang="ko-KR" sz="1600" spc="-150" dirty="0">
               <a:ln>
                 <a:solidFill>
                   <a:schemeClr val="bg1">
@@ -10533,7 +9979,7 @@
           <a:lstStyle/>
           <a:p>
             <a:r>
-              <a:rPr lang="ko-KR" altLang="en-US" sz="2800" b="1" dirty="0" smtClean="0">
+              <a:rPr lang="ko-KR" altLang="en-US" sz="2800" b="1" dirty="0">
                 <a:ln w="12700">
                   <a:solidFill>
                     <a:srgbClr val="939597"/>
@@ -10560,31 +10006,6 @@
               </a:rPr>
               <a:t>▶</a:t>
             </a:r>
-            <a:endParaRPr lang="ko-KR" altLang="en-US" sz="2800" b="1" dirty="0">
-              <a:ln w="12700">
-                <a:solidFill>
-                  <a:srgbClr val="939597"/>
-                </a:solidFill>
-                <a:prstDash val="solid"/>
-              </a:ln>
-              <a:pattFill prst="dkUpDiag">
-                <a:fgClr>
-                  <a:srgbClr val="939597"/>
-                </a:fgClr>
-                <a:bgClr>
-                  <a:schemeClr val="bg2">
-                    <a:lumMod val="90000"/>
-                  </a:schemeClr>
-                </a:bgClr>
-              </a:pattFill>
-              <a:effectLst>
-                <a:outerShdw dist="38100" dir="2640000" algn="bl" rotWithShape="0">
-                  <a:srgbClr val="939597"/>
-                </a:outerShdw>
-              </a:effectLst>
-              <a:latin typeface="HY견고딕" panose="02030600000101010101" pitchFamily="18" charset="-127"/>
-              <a:ea typeface="HY견고딕" panose="02030600000101010101" pitchFamily="18" charset="-127"/>
-            </a:endParaRPr>
           </a:p>
         </p:txBody>
       </p:sp>
@@ -10787,7 +10208,7 @@
           </a:lstStyle>
           <a:p>
             <a:r>
-              <a:rPr lang="en-US" altLang="ko-KR" sz="4000" b="1" dirty="0" smtClean="0">
+              <a:rPr lang="en-US" altLang="ko-KR" sz="4000" b="1" dirty="0">
                 <a:ln w="15875">
                   <a:solidFill>
                     <a:schemeClr val="tx1"/>
@@ -10809,7 +10230,7 @@
               <a:t>05</a:t>
             </a:r>
             <a:r>
-              <a:rPr lang="en-US" altLang="ko-KR" sz="4000" b="1" dirty="0" smtClean="0">
+              <a:rPr lang="en-US" altLang="ko-KR" sz="4000" b="1" dirty="0">
                 <a:solidFill>
                   <a:srgbClr val="445569"/>
                 </a:solidFill>
@@ -10861,7 +10282,7 @@
               <a:defRPr/>
             </a:pPr>
             <a:r>
-              <a:rPr lang="ko-KR" altLang="en-US" sz="2400" dirty="0" smtClean="0">
+              <a:rPr lang="ko-KR" altLang="en-US" sz="2400" dirty="0">
                 <a:ln>
                   <a:solidFill>
                     <a:schemeClr val="accent1">
@@ -10880,23 +10301,6 @@
               </a:rPr>
               <a:t>자체 평가 의견</a:t>
             </a:r>
-            <a:endParaRPr lang="ko-KR" altLang="en-US" sz="2400" dirty="0">
-              <a:ln>
-                <a:solidFill>
-                  <a:schemeClr val="accent1">
-                    <a:alpha val="0"/>
-                  </a:schemeClr>
-                </a:solidFill>
-              </a:ln>
-              <a:solidFill>
-                <a:schemeClr val="tx1">
-                  <a:lumMod val="75000"/>
-                  <a:lumOff val="25000"/>
-                </a:schemeClr>
-              </a:solidFill>
-              <a:latin typeface="휴먼둥근헤드라인" panose="02030504000101010101" pitchFamily="18" charset="-127"/>
-              <a:ea typeface="휴먼둥근헤드라인" panose="02030504000101010101" pitchFamily="18" charset="-127"/>
-            </a:endParaRPr>
           </a:p>
         </p:txBody>
       </p:sp>
@@ -10937,7 +10341,7 @@
               <a:defRPr/>
             </a:pPr>
             <a:r>
-              <a:rPr lang="ko-KR" altLang="en-US" sz="1600" spc="-150" dirty="0" smtClean="0">
+              <a:rPr lang="ko-KR" altLang="en-US" sz="1600" spc="-150" dirty="0">
                 <a:ln>
                   <a:solidFill>
                     <a:schemeClr val="bg1">
@@ -10956,7 +10360,7 @@
               <a:t>프로젝트를 수행하면서 느낀 점이나 경험한 성과에 대하여 기재할 수 있으며</a:t>
             </a:r>
             <a:r>
-              <a:rPr lang="en-US" altLang="ko-KR" sz="1600" spc="-150" dirty="0" smtClean="0">
+              <a:rPr lang="en-US" altLang="ko-KR" sz="1600" spc="-150" dirty="0">
                 <a:ln>
                   <a:solidFill>
                     <a:schemeClr val="bg1">
@@ -10975,7 +10379,7 @@
               <a:t>, </a:t>
             </a:r>
             <a:r>
-              <a:rPr lang="ko-KR" altLang="en-US" sz="1600" spc="-150" dirty="0" smtClean="0">
+              <a:rPr lang="ko-KR" altLang="en-US" sz="1600" spc="-150" dirty="0">
                 <a:ln>
                   <a:solidFill>
                     <a:schemeClr val="bg1">
@@ -10994,7 +10398,7 @@
               <a:t>경력 계획 등과 연관시켜 </a:t>
             </a:r>
             <a:r>
-              <a:rPr lang="ko-KR" altLang="en-US" sz="1600" spc="-150" dirty="0" err="1" smtClean="0">
+              <a:rPr lang="ko-KR" altLang="en-US" sz="1600" spc="-150" dirty="0" err="1">
                 <a:ln>
                   <a:solidFill>
                     <a:schemeClr val="bg1">
@@ -11013,7 +10417,7 @@
               <a:t>팀별</a:t>
             </a:r>
             <a:r>
-              <a:rPr lang="ko-KR" altLang="en-US" sz="1600" spc="-150" dirty="0" smtClean="0">
+              <a:rPr lang="ko-KR" altLang="en-US" sz="1600" spc="-150" dirty="0">
                 <a:ln>
                   <a:solidFill>
                     <a:schemeClr val="bg1">
@@ -11032,7 +10436,7 @@
               <a:t> 공통 의견 또는 개인 의견을 자유롭게 작성한다</a:t>
             </a:r>
             <a:r>
-              <a:rPr lang="en-US" altLang="ko-KR" sz="1600" spc="-150" dirty="0" smtClean="0">
+              <a:rPr lang="en-US" altLang="ko-KR" sz="1600" spc="-150" dirty="0">
                 <a:ln>
                   <a:solidFill>
                     <a:schemeClr val="bg1">
@@ -11058,13 +10462,6 @@
   <p:clrMapOvr>
     <a:masterClrMapping/>
   </p:clrMapOvr>
-  <p:timing>
-    <p:tnLst>
-      <p:par>
-        <p:cTn id="1" dur="indefinite" restart="never" nodeType="tmRoot"/>
-      </p:par>
-    </p:tnLst>
-  </p:timing>
 </p:sld>
 </file>
 
@@ -11319,7 +10716,7 @@
           </a:lstStyle>
           <a:p>
             <a:r>
-              <a:rPr lang="en-US" altLang="ko-KR" sz="4000" b="1" dirty="0" smtClean="0">
+              <a:rPr lang="en-US" altLang="ko-KR" sz="4000" b="1" dirty="0">
                 <a:ln w="15875">
                   <a:solidFill>
                     <a:schemeClr val="tx1"/>
@@ -11341,7 +10738,7 @@
               <a:t>00</a:t>
             </a:r>
             <a:r>
-              <a:rPr lang="en-US" altLang="ko-KR" sz="4000" b="1" dirty="0" smtClean="0">
+              <a:rPr lang="en-US" altLang="ko-KR" sz="4000" b="1" dirty="0">
                 <a:solidFill>
                   <a:srgbClr val="445569"/>
                 </a:solidFill>
@@ -11504,31 +10901,7 @@
                 <a:latin typeface="+mn-ea"/>
                 <a:ea typeface="+mn-ea"/>
               </a:rPr>
-              <a:t>본 훈련생 포트폴리오 양식은 </a:t>
-            </a:r>
-            <a:r>
-              <a:rPr lang="ko-KR" altLang="en-US" sz="1700" b="1" spc="-100" dirty="0" smtClean="0">
-                <a:solidFill>
-                  <a:schemeClr val="bg2">
-                    <a:lumMod val="25000"/>
-                  </a:schemeClr>
-                </a:solidFill>
-                <a:latin typeface="+mn-ea"/>
-                <a:ea typeface="+mn-ea"/>
-              </a:rPr>
-              <a:t>대표 프로젝트의 팀 별로 </a:t>
-            </a:r>
-            <a:r>
-              <a:rPr lang="ko-KR" altLang="en-US" sz="1700" b="1" spc="-100" dirty="0">
-                <a:solidFill>
-                  <a:schemeClr val="bg2">
-                    <a:lumMod val="25000"/>
-                  </a:schemeClr>
-                </a:solidFill>
-                <a:latin typeface="+mn-ea"/>
-                <a:ea typeface="+mn-ea"/>
-              </a:rPr>
-              <a:t>각각 작성하여 제출</a:t>
+              <a:t>본 훈련생 포트폴리오 양식은 대표 프로젝트의 팀 별로 각각 작성하여 제출</a:t>
             </a:r>
           </a:p>
         </p:txBody>
@@ -11647,31 +11020,7 @@
                 <a:latin typeface="+mn-ea"/>
                 <a:ea typeface="+mn-ea"/>
               </a:rPr>
-              <a:t>훈련생 포트폴리오에 작성한 내용은 관련 </a:t>
-            </a:r>
-            <a:r>
-              <a:rPr lang="ko-KR" altLang="en-US" sz="1700" b="1" spc="-100" dirty="0" smtClean="0">
-                <a:solidFill>
-                  <a:schemeClr val="bg2">
-                    <a:lumMod val="25000"/>
-                  </a:schemeClr>
-                </a:solidFill>
-                <a:latin typeface="+mn-ea"/>
-                <a:ea typeface="+mn-ea"/>
-              </a:rPr>
-              <a:t>증빙자료를 </a:t>
-            </a:r>
-            <a:r>
-              <a:rPr lang="ko-KR" altLang="en-US" sz="1700" b="1" spc="-100" dirty="0">
-                <a:solidFill>
-                  <a:schemeClr val="bg2">
-                    <a:lumMod val="25000"/>
-                  </a:schemeClr>
-                </a:solidFill>
-                <a:latin typeface="+mn-ea"/>
-                <a:ea typeface="+mn-ea"/>
-              </a:rPr>
-              <a:t>제출해야 함</a:t>
+              <a:t>훈련생 포트폴리오에 작성한 내용은 관련 증빙자료를 제출해야 함</a:t>
             </a:r>
           </a:p>
         </p:txBody>
@@ -11717,31 +11066,7 @@
                 <a:latin typeface="+mn-ea"/>
                 <a:ea typeface="+mn-ea"/>
               </a:rPr>
-              <a:t>작성 </a:t>
-            </a:r>
-            <a:r>
-              <a:rPr lang="ko-KR" altLang="en-US" sz="1700" b="1" spc="-100" dirty="0" smtClean="0">
-                <a:solidFill>
-                  <a:schemeClr val="bg2">
-                    <a:lumMod val="25000"/>
-                  </a:schemeClr>
-                </a:solidFill>
-                <a:latin typeface="+mn-ea"/>
-                <a:ea typeface="+mn-ea"/>
-              </a:rPr>
-              <a:t>예시 및 작성요령 등은 </a:t>
-            </a:r>
-            <a:r>
-              <a:rPr lang="ko-KR" altLang="en-US" sz="1700" b="1" spc="-100" dirty="0">
-                <a:solidFill>
-                  <a:schemeClr val="bg2">
-                    <a:lumMod val="25000"/>
-                  </a:schemeClr>
-                </a:solidFill>
-                <a:latin typeface="+mn-ea"/>
-                <a:ea typeface="+mn-ea"/>
-              </a:rPr>
-              <a:t>모두 삭제 후 제출</a:t>
+              <a:t>작성 예시 및 작성요령 등은 모두 삭제 후 제출</a:t>
             </a:r>
           </a:p>
         </p:txBody>
@@ -11793,7 +11118,7 @@
               <a:t>[</a:t>
             </a:r>
             <a:r>
-              <a:rPr lang="ko-KR" altLang="en-US" sz="1700" b="1" spc="-100" dirty="0" smtClean="0">
+              <a:rPr lang="ko-KR" altLang="en-US" sz="1700" b="1" spc="-100" dirty="0">
                 <a:solidFill>
                   <a:schemeClr val="bg2">
                     <a:lumMod val="25000"/>
@@ -11805,7 +11130,7 @@
               <a:t>별첨</a:t>
             </a:r>
             <a:r>
-              <a:rPr lang="en-US" altLang="ko-KR" sz="1700" b="1" spc="-100" dirty="0" smtClean="0">
+              <a:rPr lang="en-US" altLang="ko-KR" sz="1700" b="1" spc="-100" dirty="0">
                 <a:solidFill>
                   <a:schemeClr val="bg2">
                     <a:lumMod val="25000"/>
@@ -11890,7 +11215,7 @@
           <a:lstStyle/>
           <a:p>
             <a:r>
-              <a:rPr lang="ko-KR" altLang="en-US" sz="2800" b="1" dirty="0" smtClean="0">
+              <a:rPr lang="ko-KR" altLang="en-US" sz="2800" b="1" dirty="0">
                 <a:ln w="12700">
                   <a:solidFill>
                     <a:srgbClr val="939597"/>
@@ -11917,31 +11242,6 @@
               </a:rPr>
               <a:t>▶</a:t>
             </a:r>
-            <a:endParaRPr lang="ko-KR" altLang="en-US" sz="2800" b="1" dirty="0">
-              <a:ln w="12700">
-                <a:solidFill>
-                  <a:srgbClr val="939597"/>
-                </a:solidFill>
-                <a:prstDash val="solid"/>
-              </a:ln>
-              <a:pattFill prst="dkUpDiag">
-                <a:fgClr>
-                  <a:srgbClr val="939597"/>
-                </a:fgClr>
-                <a:bgClr>
-                  <a:schemeClr val="bg2">
-                    <a:lumMod val="90000"/>
-                  </a:schemeClr>
-                </a:bgClr>
-              </a:pattFill>
-              <a:effectLst>
-                <a:outerShdw dist="38100" dir="2640000" algn="bl" rotWithShape="0">
-                  <a:srgbClr val="939597"/>
-                </a:outerShdw>
-              </a:effectLst>
-              <a:latin typeface="HY견고딕" panose="02030600000101010101" pitchFamily="18" charset="-127"/>
-              <a:ea typeface="HY견고딕" panose="02030600000101010101" pitchFamily="18" charset="-127"/>
-            </a:endParaRPr>
           </a:p>
         </p:txBody>
       </p:sp>
@@ -11968,7 +11268,7 @@
           <a:lstStyle/>
           <a:p>
             <a:r>
-              <a:rPr lang="ko-KR" altLang="en-US" sz="2800" b="1" dirty="0" smtClean="0">
+              <a:rPr lang="ko-KR" altLang="en-US" sz="2800" b="1" dirty="0">
                 <a:ln w="12700">
                   <a:solidFill>
                     <a:srgbClr val="939597"/>
@@ -11995,31 +11295,6 @@
               </a:rPr>
               <a:t>▶</a:t>
             </a:r>
-            <a:endParaRPr lang="ko-KR" altLang="en-US" sz="2800" b="1" dirty="0">
-              <a:ln w="12700">
-                <a:solidFill>
-                  <a:srgbClr val="939597"/>
-                </a:solidFill>
-                <a:prstDash val="solid"/>
-              </a:ln>
-              <a:pattFill prst="dkUpDiag">
-                <a:fgClr>
-                  <a:srgbClr val="939597"/>
-                </a:fgClr>
-                <a:bgClr>
-                  <a:schemeClr val="bg2">
-                    <a:lumMod val="90000"/>
-                  </a:schemeClr>
-                </a:bgClr>
-              </a:pattFill>
-              <a:effectLst>
-                <a:outerShdw dist="38100" dir="2640000" algn="bl" rotWithShape="0">
-                  <a:srgbClr val="939597"/>
-                </a:outerShdw>
-              </a:effectLst>
-              <a:latin typeface="HY견고딕" panose="02030600000101010101" pitchFamily="18" charset="-127"/>
-              <a:ea typeface="HY견고딕" panose="02030600000101010101" pitchFamily="18" charset="-127"/>
-            </a:endParaRPr>
           </a:p>
         </p:txBody>
       </p:sp>
@@ -12046,7 +11321,7 @@
           <a:lstStyle/>
           <a:p>
             <a:r>
-              <a:rPr lang="ko-KR" altLang="en-US" sz="2800" b="1" dirty="0" smtClean="0">
+              <a:rPr lang="ko-KR" altLang="en-US" sz="2800" b="1" dirty="0">
                 <a:ln w="12700">
                   <a:solidFill>
                     <a:srgbClr val="939597"/>
@@ -12073,31 +11348,6 @@
               </a:rPr>
               <a:t>▶</a:t>
             </a:r>
-            <a:endParaRPr lang="ko-KR" altLang="en-US" sz="2800" b="1" dirty="0">
-              <a:ln w="12700">
-                <a:solidFill>
-                  <a:srgbClr val="939597"/>
-                </a:solidFill>
-                <a:prstDash val="solid"/>
-              </a:ln>
-              <a:pattFill prst="dkUpDiag">
-                <a:fgClr>
-                  <a:srgbClr val="939597"/>
-                </a:fgClr>
-                <a:bgClr>
-                  <a:schemeClr val="bg2">
-                    <a:lumMod val="90000"/>
-                  </a:schemeClr>
-                </a:bgClr>
-              </a:pattFill>
-              <a:effectLst>
-                <a:outerShdw dist="38100" dir="2640000" algn="bl" rotWithShape="0">
-                  <a:srgbClr val="939597"/>
-                </a:outerShdw>
-              </a:effectLst>
-              <a:latin typeface="HY견고딕" panose="02030600000101010101" pitchFamily="18" charset="-127"/>
-              <a:ea typeface="HY견고딕" panose="02030600000101010101" pitchFamily="18" charset="-127"/>
-            </a:endParaRPr>
           </a:p>
         </p:txBody>
       </p:sp>
@@ -12124,7 +11374,7 @@
           <a:lstStyle/>
           <a:p>
             <a:r>
-              <a:rPr lang="ko-KR" altLang="en-US" sz="2800" b="1" dirty="0" smtClean="0">
+              <a:rPr lang="ko-KR" altLang="en-US" sz="2800" b="1" dirty="0">
                 <a:ln w="12700">
                   <a:solidFill>
                     <a:srgbClr val="939597"/>
@@ -12151,31 +11401,6 @@
               </a:rPr>
               <a:t>▶</a:t>
             </a:r>
-            <a:endParaRPr lang="ko-KR" altLang="en-US" sz="2800" b="1" dirty="0">
-              <a:ln w="12700">
-                <a:solidFill>
-                  <a:srgbClr val="939597"/>
-                </a:solidFill>
-                <a:prstDash val="solid"/>
-              </a:ln>
-              <a:pattFill prst="dkUpDiag">
-                <a:fgClr>
-                  <a:srgbClr val="939597"/>
-                </a:fgClr>
-                <a:bgClr>
-                  <a:schemeClr val="bg2">
-                    <a:lumMod val="90000"/>
-                  </a:schemeClr>
-                </a:bgClr>
-              </a:pattFill>
-              <a:effectLst>
-                <a:outerShdw dist="38100" dir="2640000" algn="bl" rotWithShape="0">
-                  <a:srgbClr val="939597"/>
-                </a:outerShdw>
-              </a:effectLst>
-              <a:latin typeface="HY견고딕" panose="02030600000101010101" pitchFamily="18" charset="-127"/>
-              <a:ea typeface="HY견고딕" panose="02030600000101010101" pitchFamily="18" charset="-127"/>
-            </a:endParaRPr>
           </a:p>
         </p:txBody>
       </p:sp>
@@ -12202,7 +11427,7 @@
           <a:lstStyle/>
           <a:p>
             <a:r>
-              <a:rPr lang="ko-KR" altLang="en-US" sz="2800" b="1" dirty="0" smtClean="0">
+              <a:rPr lang="ko-KR" altLang="en-US" sz="2800" b="1" dirty="0">
                 <a:ln w="12700">
                   <a:solidFill>
                     <a:srgbClr val="939597"/>
@@ -12229,31 +11454,6 @@
               </a:rPr>
               <a:t>▶</a:t>
             </a:r>
-            <a:endParaRPr lang="ko-KR" altLang="en-US" sz="2800" b="1" dirty="0">
-              <a:ln w="12700">
-                <a:solidFill>
-                  <a:srgbClr val="939597"/>
-                </a:solidFill>
-                <a:prstDash val="solid"/>
-              </a:ln>
-              <a:pattFill prst="dkUpDiag">
-                <a:fgClr>
-                  <a:srgbClr val="939597"/>
-                </a:fgClr>
-                <a:bgClr>
-                  <a:schemeClr val="bg2">
-                    <a:lumMod val="90000"/>
-                  </a:schemeClr>
-                </a:bgClr>
-              </a:pattFill>
-              <a:effectLst>
-                <a:outerShdw dist="38100" dir="2640000" algn="bl" rotWithShape="0">
-                  <a:srgbClr val="939597"/>
-                </a:outerShdw>
-              </a:effectLst>
-              <a:latin typeface="HY견고딕" panose="02030600000101010101" pitchFamily="18" charset="-127"/>
-              <a:ea typeface="HY견고딕" panose="02030600000101010101" pitchFamily="18" charset="-127"/>
-            </a:endParaRPr>
           </a:p>
         </p:txBody>
       </p:sp>
@@ -12267,13 +11467,6 @@
   <p:clrMapOvr>
     <a:masterClrMapping/>
   </p:clrMapOvr>
-  <p:timing>
-    <p:tnLst>
-      <p:par>
-        <p:cTn id="1" dur="indefinite" restart="never" nodeType="tmRoot"/>
-      </p:par>
-    </p:tnLst>
-  </p:timing>
 </p:sld>
 </file>
 
@@ -12433,45 +11626,8 @@
                 <a:latin typeface="+mj-ea"/>
                 <a:ea typeface="+mj-ea"/>
               </a:rPr>
-              <a:t>프로젝트 </a:t>
-            </a:r>
-            <a:r>
-              <a:rPr lang="ko-KR" altLang="en-US" sz="2800" b="1" dirty="0" smtClean="0">
-                <a:ln>
-                  <a:solidFill>
-                    <a:schemeClr val="accent1">
-                      <a:alpha val="0"/>
-                    </a:schemeClr>
-                  </a:solidFill>
-                </a:ln>
-                <a:solidFill>
-                  <a:schemeClr val="tx1">
-                    <a:lumMod val="75000"/>
-                    <a:lumOff val="25000"/>
-                  </a:schemeClr>
-                </a:solidFill>
-                <a:latin typeface="+mj-ea"/>
-                <a:ea typeface="+mj-ea"/>
-              </a:rPr>
-              <a:t>개요</a:t>
-            </a:r>
-            <a:endParaRPr lang="ko-KR" altLang="en-US" sz="2800" b="1" dirty="0">
-              <a:ln>
-                <a:solidFill>
-                  <a:schemeClr val="accent1">
-                    <a:alpha val="0"/>
-                  </a:schemeClr>
-                </a:solidFill>
-              </a:ln>
-              <a:solidFill>
-                <a:schemeClr val="tx1">
-                  <a:lumMod val="75000"/>
-                  <a:lumOff val="25000"/>
-                </a:schemeClr>
-              </a:solidFill>
-              <a:latin typeface="+mj-ea"/>
-              <a:ea typeface="+mj-ea"/>
-            </a:endParaRPr>
+              <a:t>프로젝트 개요</a:t>
+            </a:r>
           </a:p>
         </p:txBody>
       </p:sp>
@@ -12872,13 +12028,6 @@
   <p:clrMapOvr>
     <a:masterClrMapping/>
   </p:clrMapOvr>
-  <p:timing>
-    <p:tnLst>
-      <p:par>
-        <p:cTn id="1" dur="indefinite" restart="never" nodeType="tmRoot"/>
-      </p:par>
-    </p:tnLst>
-  </p:timing>
 </p:sld>
 </file>
 
@@ -13019,7 +12168,7 @@
               <a:t>[</a:t>
             </a:r>
             <a:r>
-              <a:rPr lang="ko-KR" altLang="en-US" b="1" spc="-150" dirty="0" smtClean="0">
+              <a:rPr lang="ko-KR" altLang="en-US" b="1" spc="-150" dirty="0">
                 <a:solidFill>
                   <a:schemeClr val="bg2">
                     <a:lumMod val="25000"/>
@@ -13031,7 +12180,7 @@
               <a:t>프로젝트 개요</a:t>
             </a:r>
             <a:r>
-              <a:rPr lang="en-US" altLang="ko-KR" b="1" spc="-150" dirty="0" smtClean="0">
+              <a:rPr lang="en-US" altLang="ko-KR" b="1" spc="-150" dirty="0">
                 <a:solidFill>
                   <a:schemeClr val="bg2">
                     <a:lumMod val="25000"/>
@@ -13043,7 +12192,7 @@
               <a:t>]</a:t>
             </a:r>
             <a:r>
-              <a:rPr lang="ko-KR" altLang="en-US" b="1" spc="-150" dirty="0" smtClean="0">
+              <a:rPr lang="ko-KR" altLang="en-US" b="1" spc="-150" dirty="0">
                 <a:solidFill>
                   <a:schemeClr val="bg2">
                     <a:lumMod val="25000"/>
@@ -13052,19 +12201,7 @@
                 <a:latin typeface="+mn-ea"/>
                 <a:ea typeface="+mn-ea"/>
               </a:rPr>
-              <a:t>는 </a:t>
-            </a:r>
-            <a:r>
-              <a:rPr lang="ko-KR" altLang="en-US" b="1" spc="-150" dirty="0">
-                <a:solidFill>
-                  <a:schemeClr val="bg2">
-                    <a:lumMod val="25000"/>
-                  </a:schemeClr>
-                </a:solidFill>
-                <a:latin typeface="+mn-ea"/>
-                <a:ea typeface="+mn-ea"/>
-              </a:rPr>
-              <a:t>아래와 같은 내용 등으로 구성하여 작성한다</a:t>
+              <a:t>는 아래와 같은 내용 등으로 구성하여 작성한다</a:t>
             </a:r>
             <a:r>
               <a:rPr lang="en-US" altLang="ko-KR" b="1" spc="-150" dirty="0">
@@ -13115,7 +12252,7 @@
               <a:defRPr/>
             </a:pPr>
             <a:r>
-              <a:rPr lang="ko-KR" altLang="en-US" sz="1600" spc="-150" dirty="0" smtClean="0">
+              <a:rPr lang="ko-KR" altLang="en-US" sz="1600" spc="-150" dirty="0">
                 <a:solidFill>
                   <a:schemeClr val="bg2">
                     <a:lumMod val="25000"/>
@@ -13126,7 +12263,7 @@
               </a:rPr>
               <a:t>기대 효과</a:t>
             </a:r>
-            <a:endParaRPr lang="en-US" altLang="ko-KR" sz="1600" spc="-150" dirty="0" smtClean="0">
+            <a:endParaRPr lang="en-US" altLang="ko-KR" sz="1600" spc="-150" dirty="0">
               <a:solidFill>
                 <a:schemeClr val="bg2">
                   <a:lumMod val="25000"/>
@@ -13308,7 +12445,7 @@
           </a:lstStyle>
           <a:p>
             <a:r>
-              <a:rPr lang="en-US" altLang="ko-KR" sz="4000" b="1" dirty="0" smtClean="0">
+              <a:rPr lang="en-US" altLang="ko-KR" sz="4000" b="1" dirty="0">
                 <a:ln w="15875">
                   <a:solidFill>
                     <a:schemeClr val="tx1"/>
@@ -13330,7 +12467,7 @@
               <a:t>01</a:t>
             </a:r>
             <a:r>
-              <a:rPr lang="en-US" altLang="ko-KR" sz="4000" b="1" dirty="0" smtClean="0">
+              <a:rPr lang="en-US" altLang="ko-KR" sz="4000" b="1" dirty="0">
                 <a:solidFill>
                   <a:srgbClr val="445569"/>
                 </a:solidFill>
@@ -13472,7 +12609,7 @@
           <a:lstStyle/>
           <a:p>
             <a:r>
-              <a:rPr lang="ko-KR" altLang="en-US" sz="2800" b="1" dirty="0" smtClean="0">
+              <a:rPr lang="ko-KR" altLang="en-US" sz="2800" b="1" dirty="0">
                 <a:ln w="12700">
                   <a:solidFill>
                     <a:srgbClr val="939597"/>
@@ -13499,31 +12636,6 @@
               </a:rPr>
               <a:t>▶</a:t>
             </a:r>
-            <a:endParaRPr lang="ko-KR" altLang="en-US" sz="2800" b="1" dirty="0">
-              <a:ln w="12700">
-                <a:solidFill>
-                  <a:srgbClr val="939597"/>
-                </a:solidFill>
-                <a:prstDash val="solid"/>
-              </a:ln>
-              <a:pattFill prst="dkUpDiag">
-                <a:fgClr>
-                  <a:srgbClr val="939597"/>
-                </a:fgClr>
-                <a:bgClr>
-                  <a:schemeClr val="bg2">
-                    <a:lumMod val="90000"/>
-                  </a:schemeClr>
-                </a:bgClr>
-              </a:pattFill>
-              <a:effectLst>
-                <a:outerShdw dist="38100" dir="2640000" algn="bl" rotWithShape="0">
-                  <a:srgbClr val="939597"/>
-                </a:outerShdw>
-              </a:effectLst>
-              <a:latin typeface="HY견고딕" panose="02030600000101010101" pitchFamily="18" charset="-127"/>
-              <a:ea typeface="HY견고딕" panose="02030600000101010101" pitchFamily="18" charset="-127"/>
-            </a:endParaRPr>
           </a:p>
         </p:txBody>
       </p:sp>
@@ -13554,7 +12666,7 @@
               <a:defRPr/>
             </a:pPr>
             <a:r>
-              <a:rPr lang="ko-KR" altLang="en-US" sz="1600" spc="-150" dirty="0" smtClean="0">
+              <a:rPr lang="ko-KR" altLang="en-US" sz="1600" spc="-150" dirty="0">
                 <a:solidFill>
                   <a:schemeClr val="bg2">
                     <a:lumMod val="25000"/>
@@ -13563,10 +12675,10 @@
                 <a:latin typeface="+mn-ea"/>
                 <a:ea typeface="+mn-ea"/>
               </a:rPr>
-              <a:t>프로젝트 </a:t>
-            </a:r>
-            <a:r>
-              <a:rPr lang="ko-KR" altLang="en-US" sz="1600" spc="-150" dirty="0">
+              <a:t>프로젝트 주제 및 선정 배경</a:t>
+            </a:r>
+            <a:r>
+              <a:rPr lang="en-US" altLang="ko-KR" sz="1600" spc="-150" dirty="0">
                 <a:solidFill>
                   <a:schemeClr val="bg2">
                     <a:lumMod val="25000"/>
@@ -13575,10 +12687,10 @@
                 <a:latin typeface="+mn-ea"/>
                 <a:ea typeface="+mn-ea"/>
               </a:rPr>
-              <a:t>주제 및 선정 배경</a:t>
-            </a:r>
-            <a:r>
-              <a:rPr lang="en-US" altLang="ko-KR" sz="1600" spc="-150" dirty="0">
+              <a:t>(</a:t>
+            </a:r>
+            <a:r>
+              <a:rPr lang="ko-KR" altLang="en-US" sz="1600" spc="-150" dirty="0">
                 <a:solidFill>
                   <a:schemeClr val="bg2">
                     <a:lumMod val="25000"/>
@@ -13587,10 +12699,10 @@
                 <a:latin typeface="+mn-ea"/>
                 <a:ea typeface="+mn-ea"/>
               </a:rPr>
-              <a:t>(</a:t>
-            </a:r>
-            <a:r>
-              <a:rPr lang="ko-KR" altLang="en-US" sz="1600" spc="-150" dirty="0">
+              <a:t>기획의도</a:t>
+            </a:r>
+            <a:r>
+              <a:rPr lang="en-US" altLang="ko-KR" sz="1600" spc="-150" dirty="0">
                 <a:solidFill>
                   <a:schemeClr val="bg2">
                     <a:lumMod val="25000"/>
@@ -13599,10 +12711,10 @@
                 <a:latin typeface="+mn-ea"/>
                 <a:ea typeface="+mn-ea"/>
               </a:rPr>
-              <a:t>기획의도</a:t>
-            </a:r>
-            <a:r>
-              <a:rPr lang="en-US" altLang="ko-KR" sz="1600" spc="-150" dirty="0">
+              <a:t> </a:t>
+            </a:r>
+            <a:r>
+              <a:rPr lang="ko-KR" altLang="en-US" sz="1600" spc="-150" dirty="0">
                 <a:solidFill>
                   <a:schemeClr val="bg2">
                     <a:lumMod val="25000"/>
@@ -13611,22 +12723,10 @@
                 <a:latin typeface="+mn-ea"/>
                 <a:ea typeface="+mn-ea"/>
               </a:rPr>
-              <a:t> </a:t>
-            </a:r>
-            <a:r>
-              <a:rPr lang="ko-KR" altLang="en-US" sz="1600" spc="-150" dirty="0">
-                <a:solidFill>
-                  <a:schemeClr val="bg2">
-                    <a:lumMod val="25000"/>
-                  </a:schemeClr>
-                </a:solidFill>
-                <a:latin typeface="+mn-ea"/>
-                <a:ea typeface="+mn-ea"/>
-              </a:rPr>
               <a:t>등</a:t>
             </a:r>
             <a:r>
-              <a:rPr lang="en-US" altLang="ko-KR" sz="1600" spc="-150" dirty="0" smtClean="0">
+              <a:rPr lang="en-US" altLang="ko-KR" sz="1600" spc="-150" dirty="0">
                 <a:solidFill>
                   <a:schemeClr val="bg2">
                     <a:lumMod val="25000"/>
@@ -13683,7 +12783,7 @@
               <a:defRPr/>
             </a:pPr>
             <a:r>
-              <a:rPr lang="ko-KR" altLang="en-US" sz="1600" spc="-150" dirty="0" smtClean="0">
+              <a:rPr lang="ko-KR" altLang="en-US" sz="1600" spc="-150" dirty="0">
                 <a:solidFill>
                   <a:schemeClr val="bg2">
                     <a:lumMod val="25000"/>
@@ -13692,10 +12792,10 @@
                 <a:latin typeface="+mn-ea"/>
                 <a:ea typeface="+mn-ea"/>
               </a:rPr>
-              <a:t>프로젝트 </a:t>
-            </a:r>
-            <a:r>
-              <a:rPr lang="ko-KR" altLang="en-US" sz="1600" spc="-150" dirty="0">
+              <a:t>프로젝트 개요</a:t>
+            </a:r>
+            <a:r>
+              <a:rPr lang="en-US" altLang="ko-KR" sz="1600" spc="-150" dirty="0">
                 <a:solidFill>
                   <a:schemeClr val="bg2">
                     <a:lumMod val="25000"/>
@@ -13704,10 +12804,10 @@
                 <a:latin typeface="+mn-ea"/>
                 <a:ea typeface="+mn-ea"/>
               </a:rPr>
-              <a:t>개요</a:t>
-            </a:r>
-            <a:r>
-              <a:rPr lang="en-US" altLang="ko-KR" sz="1600" spc="-150" dirty="0">
+              <a:t>(</a:t>
+            </a:r>
+            <a:r>
+              <a:rPr lang="ko-KR" altLang="en-US" sz="1600" spc="-150" dirty="0">
                 <a:solidFill>
                   <a:schemeClr val="bg2">
                     <a:lumMod val="25000"/>
@@ -13716,10 +12816,10 @@
                 <a:latin typeface="+mn-ea"/>
                 <a:ea typeface="+mn-ea"/>
               </a:rPr>
-              <a:t>(</a:t>
-            </a:r>
-            <a:r>
-              <a:rPr lang="ko-KR" altLang="en-US" sz="1600" spc="-150" dirty="0">
+              <a:t>프로젝트 구현 내용</a:t>
+            </a:r>
+            <a:r>
+              <a:rPr lang="en-US" altLang="ko-KR" sz="1600" spc="-150" dirty="0">
                 <a:solidFill>
                   <a:schemeClr val="bg2">
                     <a:lumMod val="25000"/>
@@ -13728,10 +12828,10 @@
                 <a:latin typeface="+mn-ea"/>
                 <a:ea typeface="+mn-ea"/>
               </a:rPr>
-              <a:t>프로젝트 구현 내용</a:t>
-            </a:r>
-            <a:r>
-              <a:rPr lang="en-US" altLang="ko-KR" sz="1600" spc="-150" dirty="0">
+              <a:t>, </a:t>
+            </a:r>
+            <a:r>
+              <a:rPr lang="ko-KR" altLang="en-US" sz="1600" spc="-150" dirty="0">
                 <a:solidFill>
                   <a:schemeClr val="bg2">
                     <a:lumMod val="25000"/>
@@ -13740,10 +12840,10 @@
                 <a:latin typeface="+mn-ea"/>
                 <a:ea typeface="+mn-ea"/>
               </a:rPr>
-              <a:t>, </a:t>
-            </a:r>
-            <a:r>
-              <a:rPr lang="ko-KR" altLang="en-US" sz="1600" spc="-150" dirty="0" smtClean="0">
+              <a:t>컨셉</a:t>
+            </a:r>
+            <a:r>
+              <a:rPr lang="en-US" altLang="ko-KR" sz="1600" spc="-150" dirty="0">
                 <a:solidFill>
                   <a:schemeClr val="bg2">
                     <a:lumMod val="25000"/>
@@ -13752,10 +12852,10 @@
                 <a:latin typeface="+mn-ea"/>
                 <a:ea typeface="+mn-ea"/>
               </a:rPr>
-              <a:t>컨셉</a:t>
-            </a:r>
-            <a:r>
-              <a:rPr lang="en-US" altLang="ko-KR" sz="1600" spc="-150" dirty="0" smtClean="0">
+              <a:t>, </a:t>
+            </a:r>
+            <a:r>
+              <a:rPr lang="ko-KR" altLang="en-US" sz="1600" spc="-150" dirty="0">
                 <a:solidFill>
                   <a:schemeClr val="bg2">
                     <a:lumMod val="25000"/>
@@ -13764,10 +12864,10 @@
                 <a:latin typeface="+mn-ea"/>
                 <a:ea typeface="+mn-ea"/>
               </a:rPr>
-              <a:t>, </a:t>
-            </a:r>
-            <a:r>
-              <a:rPr lang="ko-KR" altLang="en-US" sz="1600" spc="-150" dirty="0" smtClean="0">
+              <a:t>훈련내용과의 관련성</a:t>
+            </a:r>
+            <a:r>
+              <a:rPr lang="en-US" altLang="ko-KR" sz="1600" spc="-150" dirty="0">
                 <a:solidFill>
                   <a:schemeClr val="bg2">
                     <a:lumMod val="25000"/>
@@ -13776,10 +12876,10 @@
                 <a:latin typeface="+mn-ea"/>
                 <a:ea typeface="+mn-ea"/>
               </a:rPr>
-              <a:t>훈련내용과의 관련성</a:t>
-            </a:r>
-            <a:r>
-              <a:rPr lang="en-US" altLang="ko-KR" sz="1600" spc="-150" dirty="0" smtClean="0">
+              <a:t> </a:t>
+            </a:r>
+            <a:r>
+              <a:rPr lang="ko-KR" altLang="en-US" sz="1600" spc="-150" dirty="0">
                 <a:solidFill>
                   <a:schemeClr val="bg2">
                     <a:lumMod val="25000"/>
@@ -13788,22 +12888,10 @@
                 <a:latin typeface="+mn-ea"/>
                 <a:ea typeface="+mn-ea"/>
               </a:rPr>
-              <a:t> </a:t>
-            </a:r>
-            <a:r>
-              <a:rPr lang="ko-KR" altLang="en-US" sz="1600" spc="-150" dirty="0">
-                <a:solidFill>
-                  <a:schemeClr val="bg2">
-                    <a:lumMod val="25000"/>
-                  </a:schemeClr>
-                </a:solidFill>
-                <a:latin typeface="+mn-ea"/>
-                <a:ea typeface="+mn-ea"/>
-              </a:rPr>
               <a:t>등</a:t>
             </a:r>
             <a:r>
-              <a:rPr lang="en-US" altLang="ko-KR" sz="1600" spc="-150" dirty="0" smtClean="0">
+              <a:rPr lang="en-US" altLang="ko-KR" sz="1600" spc="-150" dirty="0">
                 <a:solidFill>
                   <a:schemeClr val="bg2">
                     <a:lumMod val="25000"/>
@@ -13860,7 +12948,7 @@
               <a:defRPr/>
             </a:pPr>
             <a:r>
-              <a:rPr lang="ko-KR" altLang="en-US" sz="1600" spc="-150" dirty="0" smtClean="0">
+              <a:rPr lang="ko-KR" altLang="en-US" sz="1600" spc="-150" dirty="0">
                 <a:solidFill>
                   <a:schemeClr val="bg2">
                     <a:lumMod val="25000"/>
@@ -13869,10 +12957,10 @@
                 <a:latin typeface="+mn-ea"/>
                 <a:ea typeface="+mn-ea"/>
               </a:rPr>
-              <a:t>활용 </a:t>
-            </a:r>
-            <a:r>
-              <a:rPr lang="ko-KR" altLang="en-US" sz="1600" spc="-150" dirty="0">
+              <a:t>활용 장비 및 재료</a:t>
+            </a:r>
+            <a:r>
+              <a:rPr lang="en-US" altLang="ko-KR" sz="1600" spc="-150" dirty="0">
                 <a:solidFill>
                   <a:schemeClr val="bg2">
                     <a:lumMod val="25000"/>
@@ -13881,10 +12969,10 @@
                 <a:latin typeface="+mn-ea"/>
                 <a:ea typeface="+mn-ea"/>
               </a:rPr>
-              <a:t>장비 및 재료</a:t>
-            </a:r>
-            <a:r>
-              <a:rPr lang="en-US" altLang="ko-KR" sz="1600" spc="-150" dirty="0">
+              <a:t>(</a:t>
+            </a:r>
+            <a:r>
+              <a:rPr lang="ko-KR" altLang="en-US" sz="1600" spc="-150" dirty="0">
                 <a:solidFill>
                   <a:schemeClr val="bg2">
                     <a:lumMod val="25000"/>
@@ -13893,22 +12981,10 @@
                 <a:latin typeface="+mn-ea"/>
                 <a:ea typeface="+mn-ea"/>
               </a:rPr>
-              <a:t>(</a:t>
-            </a:r>
-            <a:r>
-              <a:rPr lang="ko-KR" altLang="en-US" sz="1600" spc="-150" dirty="0">
-                <a:solidFill>
-                  <a:schemeClr val="bg2">
-                    <a:lumMod val="25000"/>
-                  </a:schemeClr>
-                </a:solidFill>
-                <a:latin typeface="+mn-ea"/>
-                <a:ea typeface="+mn-ea"/>
-              </a:rPr>
               <a:t>개발 환경 등</a:t>
             </a:r>
             <a:r>
-              <a:rPr lang="en-US" altLang="ko-KR" sz="1600" spc="-150" dirty="0" smtClean="0">
+              <a:rPr lang="en-US" altLang="ko-KR" sz="1600" spc="-150" dirty="0">
                 <a:solidFill>
                   <a:schemeClr val="bg2">
                     <a:lumMod val="25000"/>
@@ -13965,7 +13041,7 @@
               <a:defRPr/>
             </a:pPr>
             <a:r>
-              <a:rPr lang="ko-KR" altLang="en-US" sz="1600" spc="-150" dirty="0" smtClean="0">
+              <a:rPr lang="ko-KR" altLang="en-US" sz="1600" spc="-150" dirty="0">
                 <a:solidFill>
                   <a:schemeClr val="bg2">
                     <a:lumMod val="25000"/>
@@ -13976,7 +13052,7 @@
               </a:rPr>
               <a:t>프로젝트 구조</a:t>
             </a:r>
-            <a:endParaRPr lang="en-US" altLang="ko-KR" sz="1600" spc="-150" dirty="0" smtClean="0">
+            <a:endParaRPr lang="en-US" altLang="ko-KR" sz="1600" spc="-150" dirty="0">
               <a:solidFill>
                 <a:schemeClr val="bg2">
                   <a:lumMod val="25000"/>
@@ -14014,13 +13090,6 @@
   <p:clrMapOvr>
     <a:masterClrMapping/>
   </p:clrMapOvr>
-  <p:timing>
-    <p:tnLst>
-      <p:par>
-        <p:cTn id="1" dur="indefinite" restart="never" nodeType="tmRoot"/>
-      </p:par>
-    </p:tnLst>
-  </p:timing>
 </p:sld>
 </file>
 
@@ -14293,7 +13362,7 @@
               <a:t>02</a:t>
             </a:r>
             <a:r>
-              <a:rPr lang="en-US" altLang="ko-KR" sz="4000" b="1" dirty="0" smtClean="0">
+              <a:rPr lang="en-US" altLang="ko-KR" sz="4000" b="1" dirty="0">
                 <a:solidFill>
                   <a:srgbClr val="445569"/>
                 </a:solidFill>
@@ -14435,7 +13504,7 @@
           <a:lstStyle/>
           <a:p>
             <a:r>
-              <a:rPr lang="ko-KR" altLang="en-US" sz="2800" b="1" dirty="0" smtClean="0">
+              <a:rPr lang="ko-KR" altLang="en-US" sz="2800" b="1" dirty="0">
                 <a:ln w="12700">
                   <a:solidFill>
                     <a:srgbClr val="939597"/>
@@ -14462,31 +13531,6 @@
               </a:rPr>
               <a:t>▶</a:t>
             </a:r>
-            <a:endParaRPr lang="ko-KR" altLang="en-US" sz="2800" b="1" dirty="0">
-              <a:ln w="12700">
-                <a:solidFill>
-                  <a:srgbClr val="939597"/>
-                </a:solidFill>
-                <a:prstDash val="solid"/>
-              </a:ln>
-              <a:pattFill prst="dkUpDiag">
-                <a:fgClr>
-                  <a:srgbClr val="939597"/>
-                </a:fgClr>
-                <a:bgClr>
-                  <a:schemeClr val="bg2">
-                    <a:lumMod val="90000"/>
-                  </a:schemeClr>
-                </a:bgClr>
-              </a:pattFill>
-              <a:effectLst>
-                <a:outerShdw dist="38100" dir="2640000" algn="bl" rotWithShape="0">
-                  <a:srgbClr val="939597"/>
-                </a:outerShdw>
-              </a:effectLst>
-              <a:latin typeface="HY견고딕" panose="02030600000101010101" pitchFamily="18" charset="-127"/>
-              <a:ea typeface="HY견고딕" panose="02030600000101010101" pitchFamily="18" charset="-127"/>
-            </a:endParaRPr>
           </a:p>
         </p:txBody>
       </p:sp>
@@ -14570,10 +13614,10 @@
                 <a:latin typeface="+mn-ea"/>
                 <a:ea typeface="+mn-ea"/>
               </a:rPr>
-              <a:t>은 프로젝트를 기본 단위로 작성하며 팀원의 수에 따라 칸을 </a:t>
-            </a:r>
-            <a:r>
-              <a:rPr lang="ko-KR" altLang="en-US" b="1" spc="-150" dirty="0" smtClean="0">
+              <a:t>은 프로젝트를 기본 단위로 작성하며 팀원의 수에 따라 칸을 추가</a:t>
+            </a:r>
+            <a:r>
+              <a:rPr lang="en-US" altLang="ko-KR" b="1" spc="-150" dirty="0">
                 <a:solidFill>
                   <a:schemeClr val="bg2">
                     <a:lumMod val="25000"/>
@@ -14582,10 +13626,10 @@
                 <a:latin typeface="+mn-ea"/>
                 <a:ea typeface="+mn-ea"/>
               </a:rPr>
-              <a:t>추가</a:t>
-            </a:r>
-            <a:r>
-              <a:rPr lang="en-US" altLang="ko-KR" b="1" spc="-150" dirty="0" smtClean="0">
+              <a:t>/</a:t>
+            </a:r>
+            <a:r>
+              <a:rPr lang="ko-KR" altLang="en-US" b="1" spc="-150" dirty="0">
                 <a:solidFill>
                   <a:schemeClr val="bg2">
                     <a:lumMod val="25000"/>
@@ -14594,31 +13638,7 @@
                 <a:latin typeface="+mn-ea"/>
                 <a:ea typeface="+mn-ea"/>
               </a:rPr>
-              <a:t>/</a:t>
-            </a:r>
-            <a:r>
-              <a:rPr lang="ko-KR" altLang="en-US" b="1" spc="-150" dirty="0" smtClean="0">
-                <a:solidFill>
-                  <a:schemeClr val="bg2">
-                    <a:lumMod val="25000"/>
-                  </a:schemeClr>
-                </a:solidFill>
-                <a:latin typeface="+mn-ea"/>
-                <a:ea typeface="+mn-ea"/>
-              </a:rPr>
-              <a:t>삭제할 </a:t>
-            </a:r>
-            <a:r>
-              <a:rPr lang="ko-KR" altLang="en-US" b="1" spc="-150" dirty="0">
-                <a:solidFill>
-                  <a:schemeClr val="bg2">
-                    <a:lumMod val="25000"/>
-                  </a:schemeClr>
-                </a:solidFill>
-                <a:latin typeface="+mn-ea"/>
-                <a:ea typeface="+mn-ea"/>
-              </a:rPr>
-              <a:t>수 있다</a:t>
+              <a:t>삭제할 수 있다</a:t>
             </a:r>
             <a:r>
               <a:rPr lang="en-US" altLang="ko-KR" b="1" spc="-150" dirty="0">
@@ -14669,7 +13689,7 @@
               <a:defRPr/>
             </a:pPr>
             <a:r>
-              <a:rPr lang="ko-KR" altLang="en-US" sz="1600" spc="-150" dirty="0" smtClean="0">
+              <a:rPr lang="ko-KR" altLang="en-US" sz="1600" spc="-150" dirty="0">
                 <a:solidFill>
                   <a:schemeClr val="bg2">
                     <a:lumMod val="25000"/>
@@ -14702,21 +13722,9 @@
                 <a:latin typeface="+mn-ea"/>
                 <a:ea typeface="+mn-ea"/>
               </a:rPr>
-              <a:t>훈련생 별로 해당 프로젝트를 진행하면서 주도적으로 참여한 부분을 중심으로 </a:t>
-            </a:r>
-            <a:r>
-              <a:rPr lang="ko-KR" altLang="en-US" sz="1600" spc="-150" dirty="0" smtClean="0">
-                <a:solidFill>
-                  <a:schemeClr val="bg2">
-                    <a:lumMod val="25000"/>
-                  </a:schemeClr>
-                </a:solidFill>
-                <a:latin typeface="+mn-ea"/>
-                <a:ea typeface="+mn-ea"/>
-              </a:rPr>
-              <a:t>작성</a:t>
-            </a:r>
-            <a:endParaRPr lang="en-US" altLang="ko-KR" sz="1600" spc="-150" dirty="0" smtClean="0">
+              <a:t>훈련생 별로 해당 프로젝트를 진행하면서 주도적으로 참여한 부분을 중심으로 작성</a:t>
+            </a:r>
+            <a:endParaRPr lang="en-US" altLang="ko-KR" sz="1600" spc="-150" dirty="0">
               <a:solidFill>
                 <a:schemeClr val="bg2">
                   <a:lumMod val="25000"/>
@@ -14737,14 +13745,14 @@
           <p:nvPr>
             <p:extLst>
               <p:ext uri="{D42A27DB-BD31-4B8C-83A1-F6EECF244321}">
-                <p14:modId xmlns:p14="http://schemas.microsoft.com/office/powerpoint/2010/main" val="3789119229"/>
+                <p14:modId xmlns:p14="http://schemas.microsoft.com/office/powerpoint/2010/main" val="1024251675"/>
               </p:ext>
             </p:extLst>
           </p:nvPr>
         </p:nvGraphicFramePr>
         <p:xfrm>
           <a:off x="1271464" y="2676732"/>
-          <a:ext cx="9649072" cy="3417387"/>
+          <a:ext cx="9649072" cy="2894822"/>
         </p:xfrm>
         <a:graphic>
           <a:graphicData uri="http://schemas.openxmlformats.org/drawingml/2006/table">
@@ -14784,7 +13792,7 @@
                     <a:p>
                       <a:pPr algn="ctr" latinLnBrk="1"/>
                       <a:r>
-                        <a:rPr lang="ko-KR" altLang="en-US" sz="1800" dirty="0" smtClean="0">
+                        <a:rPr lang="ko-KR" altLang="en-US" sz="1800" dirty="0">
                           <a:solidFill>
                             <a:schemeClr val="bg2">
                               <a:lumMod val="25000"/>
@@ -14793,13 +13801,6 @@
                         </a:rPr>
                         <a:t>훈련생</a:t>
                       </a:r>
-                      <a:endParaRPr lang="ko-KR" altLang="en-US" sz="1800" dirty="0">
-                        <a:solidFill>
-                          <a:schemeClr val="bg2">
-                            <a:lumMod val="25000"/>
-                          </a:schemeClr>
-                        </a:solidFill>
-                      </a:endParaRPr>
                     </a:p>
                   </a:txBody>
                   <a:tcPr marT="45741" marB="45741" anchor="ctr">
@@ -14853,7 +13854,7 @@
                     <a:p>
                       <a:pPr algn="ctr" latinLnBrk="1"/>
                       <a:r>
-                        <a:rPr lang="ko-KR" altLang="en-US" sz="1800" dirty="0" smtClean="0">
+                        <a:rPr lang="ko-KR" altLang="en-US" sz="1800" dirty="0">
                           <a:solidFill>
                             <a:schemeClr val="bg2">
                               <a:lumMod val="25000"/>
@@ -14862,13 +13863,6 @@
                         </a:rPr>
                         <a:t>역할</a:t>
                       </a:r>
-                      <a:endParaRPr lang="ko-KR" altLang="en-US" sz="1800" dirty="0">
-                        <a:solidFill>
-                          <a:schemeClr val="bg2">
-                            <a:lumMod val="25000"/>
-                          </a:schemeClr>
-                        </a:solidFill>
-                      </a:endParaRPr>
                     </a:p>
                   </a:txBody>
                   <a:tcPr marT="45741" marB="45741" anchor="ctr">
@@ -14922,7 +13916,7 @@
                     <a:p>
                       <a:pPr algn="ctr" latinLnBrk="1"/>
                       <a:r>
-                        <a:rPr lang="ko-KR" altLang="en-US" sz="1800" dirty="0" smtClean="0">
+                        <a:rPr lang="ko-KR" altLang="en-US" sz="1800" dirty="0">
                           <a:solidFill>
                             <a:schemeClr val="bg2">
                               <a:lumMod val="25000"/>
@@ -14931,13 +13925,6 @@
                         </a:rPr>
                         <a:t>담당 업무</a:t>
                       </a:r>
-                      <a:endParaRPr lang="ko-KR" altLang="en-US" sz="1800" dirty="0">
-                        <a:solidFill>
-                          <a:schemeClr val="bg2">
-                            <a:lumMod val="25000"/>
-                          </a:schemeClr>
-                        </a:solidFill>
-                      </a:endParaRPr>
                     </a:p>
                   </a:txBody>
                   <a:tcPr marT="45741" marB="45741" anchor="ctr">
@@ -14998,7 +13985,7 @@
                     <a:p>
                       <a:pPr algn="ctr" latinLnBrk="1"/>
                       <a:r>
-                        <a:rPr kumimoji="0" lang="ko-KR" altLang="en-US" sz="1600" i="1" u="none" strike="noStrike" kern="1200" cap="none" spc="0" normalizeH="0" baseline="0" noProof="0" dirty="0" smtClean="0">
+                        <a:rPr kumimoji="0" lang="ko-KR" altLang="en-US" sz="1600" i="1" u="none" strike="noStrike" kern="1200" cap="none" spc="0" normalizeH="0" baseline="0" noProof="0" dirty="0">
                           <a:ln>
                             <a:noFill/>
                           </a:ln>
@@ -15011,7 +13998,7 @@
                           <a:uLnTx/>
                           <a:uFillTx/>
                         </a:rPr>
-                        <a:t>김○○</a:t>
+                        <a:t>김지훈</a:t>
                       </a:r>
                       <a:endParaRPr lang="ko-KR" altLang="en-US" sz="1800" b="0" i="1" u="none" dirty="0">
                         <a:solidFill>
@@ -15087,7 +14074,7 @@
                         <a:defRPr/>
                       </a:pPr>
                       <a:r>
-                        <a:rPr kumimoji="0" lang="ko-KR" altLang="en-US" sz="1600" i="1" u="none" strike="noStrike" kern="1200" cap="none" spc="0" normalizeH="0" baseline="0" dirty="0" smtClean="0">
+                        <a:rPr kumimoji="0" lang="ko-KR" altLang="en-US" sz="1600" i="1" u="none" strike="noStrike" kern="1200" cap="none" spc="0" normalizeH="0" baseline="0" dirty="0">
                           <a:ln>
                             <a:noFill/>
                           </a:ln>
@@ -15105,22 +14092,6 @@
                         </a:rPr>
                         <a:t>팀장</a:t>
                       </a:r>
-                      <a:endParaRPr kumimoji="0" lang="ko-KR" altLang="en-US" sz="1600" i="1" u="none" strike="noStrike" kern="1200" cap="none" spc="0" normalizeH="0" baseline="0" dirty="0">
-                        <a:ln>
-                          <a:noFill/>
-                        </a:ln>
-                        <a:solidFill>
-                          <a:schemeClr val="bg2">
-                            <a:lumMod val="25000"/>
-                          </a:schemeClr>
-                        </a:solidFill>
-                        <a:effectLst/>
-                        <a:uLnTx/>
-                        <a:uFillTx/>
-                        <a:latin typeface="+mn-lt"/>
-                        <a:ea typeface="+mn-ea"/>
-                        <a:cs typeface="+mn-cs"/>
-                      </a:endParaRPr>
                     </a:p>
                   </a:txBody>
                   <a:tcPr marT="45741" marB="45741" anchor="ctr">
@@ -15188,7 +14159,7 @@
                         <a:defRPr/>
                       </a:pPr>
                       <a:r>
-                        <a:rPr lang="ko-KR" altLang="en-US" sz="1600" b="1" dirty="0" smtClean="0">
+                        <a:rPr lang="ko-KR" altLang="en-US" sz="1600" b="1" dirty="0">
                           <a:ln w="12700">
                             <a:solidFill>
                               <a:srgbClr val="939597"/>
@@ -15211,7 +14182,7 @@
                         <a:t>▶</a:t>
                       </a:r>
                       <a:r>
-                        <a:rPr lang="ko-KR" altLang="en-US" sz="1600" b="1" baseline="0" dirty="0" smtClean="0">
+                        <a:rPr lang="ko-KR" altLang="en-US" sz="1600" b="1" baseline="0" dirty="0">
                           <a:ln w="12700">
                             <a:solidFill>
                               <a:srgbClr val="939597"/>
@@ -15234,7 +14205,7 @@
                         <a:t> </a:t>
                       </a:r>
                       <a:r>
-                        <a:rPr kumimoji="0" lang="ko-KR" altLang="en-US" sz="1600" i="1" u="none" strike="noStrike" kern="1200" cap="none" spc="0" normalizeH="0" baseline="0" noProof="0" dirty="0" smtClean="0">
+                        <a:rPr kumimoji="0" lang="ko-KR" altLang="en-US" sz="1600" i="1" u="none" strike="noStrike" kern="1200" cap="none" spc="0" normalizeH="0" baseline="0" noProof="0" dirty="0">
                           <a:ln>
                             <a:noFill/>
                           </a:ln>
@@ -15247,24 +14218,21 @@
                           <a:uLnTx/>
                           <a:uFillTx/>
                         </a:rPr>
-                        <a:t>데이터 정제 및 정규화</a:t>
+                        <a:t>프론트 엔드 </a:t>
                       </a:r>
-                      <a:r>
-                        <a:rPr kumimoji="0" lang="en-US" altLang="ko-KR" sz="1600" i="1" u="none" strike="noStrike" kern="1200" cap="none" spc="0" normalizeH="0" baseline="0" noProof="0" dirty="0" smtClean="0">
-                          <a:ln>
-                            <a:noFill/>
-                          </a:ln>
-                          <a:solidFill>
-                            <a:schemeClr val="bg2">
-                              <a:lumMod val="25000"/>
-                            </a:schemeClr>
-                          </a:solidFill>
-                          <a:effectLst/>
-                          <a:uLnTx/>
-                          <a:uFillTx/>
-                        </a:rPr>
-                        <a:t> </a:t>
-                      </a:r>
+                      <a:endParaRPr kumimoji="0" lang="en-US" altLang="ko-KR" sz="1600" i="1" u="none" strike="noStrike" kern="1200" cap="none" spc="0" normalizeH="0" baseline="0" noProof="0" dirty="0">
+                        <a:ln>
+                          <a:noFill/>
+                        </a:ln>
+                        <a:solidFill>
+                          <a:schemeClr val="bg2">
+                            <a:lumMod val="25000"/>
+                          </a:schemeClr>
+                        </a:solidFill>
+                        <a:effectLst/>
+                        <a:uLnTx/>
+                        <a:uFillTx/>
+                      </a:endParaRPr>
                     </a:p>
                     <a:p>
                       <a:pPr marL="0" marR="0" lvl="0" indent="0" algn="l" defTabSz="914400" rtl="0" eaLnBrk="1" fontAlgn="auto" latinLnBrk="1" hangingPunct="1">
@@ -15285,7 +14253,7 @@
                         <a:defRPr/>
                       </a:pPr>
                       <a:r>
-                        <a:rPr lang="ko-KR" altLang="en-US" sz="1600" b="1" dirty="0" smtClean="0">
+                        <a:rPr lang="ko-KR" altLang="en-US" sz="1600" b="1" dirty="0">
                           <a:ln w="12700">
                             <a:solidFill>
                               <a:srgbClr val="939597"/>
@@ -15308,7 +14276,7 @@
                         <a:t>▶ </a:t>
                       </a:r>
                       <a:r>
-                        <a:rPr kumimoji="0" lang="ko-KR" altLang="en-US" sz="1600" i="1" u="none" strike="noStrike" kern="1200" cap="none" spc="0" normalizeH="0" baseline="0" dirty="0" smtClean="0">
+                        <a:rPr kumimoji="0" lang="ko-KR" altLang="en-US" sz="1600" i="1" u="none" strike="noStrike" kern="1200" cap="none" spc="0" normalizeH="0" baseline="0" dirty="0">
                           <a:ln>
                             <a:noFill/>
                           </a:ln>
@@ -15324,10 +14292,10 @@
                           <a:ea typeface="+mn-ea"/>
                           <a:cs typeface="+mn-cs"/>
                         </a:rPr>
-                        <a:t>모바일 서비스 </a:t>
+                        <a:t>백 엔드 </a:t>
                       </a:r>
                       <a:r>
-                        <a:rPr kumimoji="0" lang="ko-KR" altLang="en-US" sz="1600" i="1" u="none" strike="noStrike" kern="1200" cap="none" spc="0" normalizeH="0" baseline="0" dirty="0" err="1" smtClean="0">
+                        <a:rPr kumimoji="0" lang="en-US" altLang="ko-KR" sz="1600" i="1" u="none" strike="noStrike" kern="1200" cap="none" spc="0" normalizeH="0" baseline="0" dirty="0">
                           <a:ln>
                             <a:noFill/>
                           </a:ln>
@@ -15343,7 +14311,7 @@
                           <a:ea typeface="+mn-ea"/>
                           <a:cs typeface="+mn-cs"/>
                         </a:rPr>
-                        <a:t>테스팅</a:t>
+                        <a:t>&amp; DB</a:t>
                       </a:r>
                       <a:endParaRPr kumimoji="0" lang="ko-KR" altLang="en-US" sz="1600" i="1" u="none" strike="noStrike" kern="1200" cap="none" spc="0" normalizeH="0" baseline="0" dirty="0">
                         <a:ln>
@@ -15434,22 +14402,6 @@
                         <a:tabLst/>
                         <a:defRPr/>
                       </a:pPr>
-                      <a:r>
-                        <a:rPr kumimoji="0" lang="ko-KR" altLang="en-US" sz="1600" i="1" u="none" strike="noStrike" kern="1200" cap="none" spc="0" normalizeH="0" baseline="0" noProof="0" dirty="0" smtClean="0">
-                          <a:ln>
-                            <a:noFill/>
-                          </a:ln>
-                          <a:solidFill>
-                            <a:schemeClr val="bg2">
-                              <a:lumMod val="25000"/>
-                            </a:schemeClr>
-                          </a:solidFill>
-                          <a:effectLst/>
-                          <a:uLnTx/>
-                          <a:uFillTx/>
-                        </a:rPr>
-                        <a:t>박○○</a:t>
-                      </a:r>
                       <a:endParaRPr lang="ko-KR" altLang="en-US" sz="1800" b="0" i="1" u="none" dirty="0">
                         <a:solidFill>
                           <a:schemeClr val="bg2">
@@ -15520,23 +14472,7 @@
                         <a:tabLst/>
                         <a:defRPr/>
                       </a:pPr>
-                      <a:r>
-                        <a:rPr kumimoji="0" lang="ko-KR" altLang="en-US" sz="1600" i="1" u="none" strike="noStrike" kern="1200" cap="none" spc="0" normalizeH="0" baseline="0" noProof="0" dirty="0" smtClean="0">
-                          <a:ln>
-                            <a:noFill/>
-                          </a:ln>
-                          <a:solidFill>
-                            <a:schemeClr val="bg2">
-                              <a:lumMod val="25000"/>
-                            </a:schemeClr>
-                          </a:solidFill>
-                          <a:effectLst/>
-                          <a:uLnTx/>
-                          <a:uFillTx/>
-                        </a:rPr>
-                        <a:t>팀원</a:t>
-                      </a:r>
-                      <a:endParaRPr kumimoji="0" lang="en-US" altLang="ko-KR" sz="1600" i="1" u="none" strike="noStrike" kern="1200" cap="none" spc="0" normalizeH="0" baseline="0" noProof="0" dirty="0" smtClean="0">
+                      <a:endParaRPr kumimoji="0" lang="en-US" altLang="ko-KR" sz="1600" i="1" u="none" strike="noStrike" kern="1200" cap="none" spc="0" normalizeH="0" baseline="0" noProof="0" dirty="0">
                         <a:ln>
                           <a:noFill/>
                         </a:ln>
@@ -15612,163 +14548,7 @@
                         <a:tabLst/>
                         <a:defRPr/>
                       </a:pPr>
-                      <a:r>
-                        <a:rPr lang="ko-KR" altLang="en-US" sz="1600" b="1" dirty="0" smtClean="0">
-                          <a:ln w="12700">
-                            <a:solidFill>
-                              <a:srgbClr val="939597"/>
-                            </a:solidFill>
-                            <a:prstDash val="solid"/>
-                          </a:ln>
-                          <a:solidFill>
-                            <a:schemeClr val="bg2">
-                              <a:lumMod val="25000"/>
-                            </a:schemeClr>
-                          </a:solidFill>
-                          <a:effectLst>
-                            <a:outerShdw dist="38100" dir="2640000" algn="bl" rotWithShape="0">
-                              <a:srgbClr val="939597"/>
-                            </a:outerShdw>
-                          </a:effectLst>
-                          <a:latin typeface="HY견고딕" panose="02030600000101010101" pitchFamily="18" charset="-127"/>
-                          <a:ea typeface="HY견고딕" panose="02030600000101010101" pitchFamily="18" charset="-127"/>
-                        </a:rPr>
-                        <a:t>▶</a:t>
-                      </a:r>
-                      <a:r>
-                        <a:rPr lang="ko-KR" altLang="en-US" sz="1600" b="1" baseline="0" dirty="0" smtClean="0">
-                          <a:ln w="12700">
-                            <a:solidFill>
-                              <a:srgbClr val="939597"/>
-                            </a:solidFill>
-                            <a:prstDash val="solid"/>
-                          </a:ln>
-                          <a:solidFill>
-                            <a:schemeClr val="bg2">
-                              <a:lumMod val="25000"/>
-                            </a:schemeClr>
-                          </a:solidFill>
-                          <a:effectLst>
-                            <a:outerShdw dist="38100" dir="2640000" algn="bl" rotWithShape="0">
-                              <a:srgbClr val="939597"/>
-                            </a:outerShdw>
-                          </a:effectLst>
-                          <a:latin typeface="HY견고딕" panose="02030600000101010101" pitchFamily="18" charset="-127"/>
-                          <a:ea typeface="HY견고딕" panose="02030600000101010101" pitchFamily="18" charset="-127"/>
-                        </a:rPr>
-                        <a:t> </a:t>
-                      </a:r>
-                      <a:r>
-                        <a:rPr kumimoji="0" lang="ko-KR" altLang="en-US" sz="1600" i="1" u="none" strike="noStrike" kern="1200" cap="none" spc="0" normalizeH="0" baseline="0" noProof="0" dirty="0" smtClean="0">
-                          <a:ln>
-                            <a:noFill/>
-                          </a:ln>
-                          <a:solidFill>
-                            <a:schemeClr val="bg2">
-                              <a:lumMod val="25000"/>
-                            </a:schemeClr>
-                          </a:solidFill>
-                          <a:effectLst/>
-                          <a:uLnTx/>
-                          <a:uFillTx/>
-                        </a:rPr>
-                        <a:t>모바일 플랫폼 구현</a:t>
-                      </a:r>
-                      <a:endParaRPr kumimoji="0" lang="en-US" altLang="ko-KR" sz="1600" i="1" u="none" strike="noStrike" kern="1200" cap="none" spc="0" normalizeH="0" baseline="0" noProof="0" dirty="0" smtClean="0">
-                        <a:ln>
-                          <a:noFill/>
-                        </a:ln>
-                        <a:solidFill>
-                          <a:schemeClr val="bg2">
-                            <a:lumMod val="25000"/>
-                          </a:schemeClr>
-                        </a:solidFill>
-                        <a:effectLst/>
-                        <a:uLnTx/>
-                        <a:uFillTx/>
-                      </a:endParaRPr>
-                    </a:p>
-                    <a:p>
-                      <a:pPr marL="0" marR="0" lvl="0" indent="0" algn="l" defTabSz="914400" rtl="0" eaLnBrk="1" fontAlgn="auto" latinLnBrk="1" hangingPunct="1">
-                        <a:lnSpc>
-                          <a:spcPct val="150000"/>
-                        </a:lnSpc>
-                        <a:spcBef>
-                          <a:spcPts val="0"/>
-                        </a:spcBef>
-                        <a:spcAft>
-                          <a:spcPts val="0"/>
-                        </a:spcAft>
-                        <a:buClrTx/>
-                        <a:buSzTx/>
-                        <a:buFont typeface="Wingdings" panose="05000000000000000000" pitchFamily="2" charset="2"/>
-                        <a:buNone/>
-                        <a:tabLst/>
-                        <a:defRPr/>
-                      </a:pPr>
-                      <a:r>
-                        <a:rPr lang="ko-KR" altLang="en-US" sz="1600" b="1" dirty="0" smtClean="0">
-                          <a:ln w="12700">
-                            <a:solidFill>
-                              <a:srgbClr val="939597"/>
-                            </a:solidFill>
-                            <a:prstDash val="solid"/>
-                          </a:ln>
-                          <a:solidFill>
-                            <a:schemeClr val="bg2">
-                              <a:lumMod val="25000"/>
-                            </a:schemeClr>
-                          </a:solidFill>
-                          <a:effectLst>
-                            <a:outerShdw dist="38100" dir="2640000" algn="bl" rotWithShape="0">
-                              <a:srgbClr val="939597"/>
-                            </a:outerShdw>
-                          </a:effectLst>
-                          <a:latin typeface="HY견고딕" panose="02030600000101010101" pitchFamily="18" charset="-127"/>
-                          <a:ea typeface="HY견고딕" panose="02030600000101010101" pitchFamily="18" charset="-127"/>
-                        </a:rPr>
-                        <a:t>▶</a:t>
-                      </a:r>
-                      <a:r>
-                        <a:rPr lang="ko-KR" altLang="en-US" sz="1600" b="1" baseline="0" dirty="0" smtClean="0">
-                          <a:ln w="12700">
-                            <a:solidFill>
-                              <a:srgbClr val="939597"/>
-                            </a:solidFill>
-                            <a:prstDash val="solid"/>
-                          </a:ln>
-                          <a:solidFill>
-                            <a:schemeClr val="bg2">
-                              <a:lumMod val="25000"/>
-                            </a:schemeClr>
-                          </a:solidFill>
-                          <a:effectLst>
-                            <a:outerShdw dist="38100" dir="2640000" algn="bl" rotWithShape="0">
-                              <a:srgbClr val="939597"/>
-                            </a:outerShdw>
-                          </a:effectLst>
-                          <a:latin typeface="HY견고딕" panose="02030600000101010101" pitchFamily="18" charset="-127"/>
-                          <a:ea typeface="HY견고딕" panose="02030600000101010101" pitchFamily="18" charset="-127"/>
-                        </a:rPr>
-                        <a:t> </a:t>
-                      </a:r>
-                      <a:r>
-                        <a:rPr kumimoji="0" lang="ko-KR" altLang="en-US" sz="1600" i="1" u="none" strike="noStrike" kern="1200" cap="none" spc="0" normalizeH="0" baseline="0" noProof="0" dirty="0" smtClean="0">
-                          <a:ln>
-                            <a:noFill/>
-                          </a:ln>
-                          <a:solidFill>
-                            <a:schemeClr val="bg2">
-                              <a:lumMod val="25000"/>
-                            </a:schemeClr>
-                          </a:solidFill>
-                          <a:effectLst/>
-                          <a:uLnTx/>
-                          <a:uFillTx/>
-                        </a:rPr>
-                        <a:t>외부 데이터 수집</a:t>
-                      </a:r>
-                      <a:endParaRPr kumimoji="0" lang="en-US" altLang="ko-KR" sz="1600" i="1" u="none" strike="noStrike" kern="1200" cap="none" spc="0" normalizeH="0" baseline="0" noProof="0" dirty="0" smtClean="0">
+                      <a:endParaRPr kumimoji="0" lang="en-US" altLang="ko-KR" sz="1600" i="1" u="none" strike="noStrike" kern="1200" cap="none" spc="0" normalizeH="0" baseline="0" noProof="0" dirty="0">
                         <a:ln>
                           <a:noFill/>
                         </a:ln>
@@ -15851,23 +14631,7 @@
                         <a:tabLst/>
                         <a:defRPr/>
                       </a:pPr>
-                      <a:r>
-                        <a:rPr kumimoji="0" lang="ko-KR" altLang="en-US" sz="1600" i="1" u="none" strike="noStrike" kern="1200" cap="none" spc="0" normalizeH="0" baseline="0" noProof="0" dirty="0" smtClean="0">
-                          <a:ln>
-                            <a:noFill/>
-                          </a:ln>
-                          <a:solidFill>
-                            <a:schemeClr val="bg2">
-                              <a:lumMod val="25000"/>
-                            </a:schemeClr>
-                          </a:solidFill>
-                          <a:effectLst/>
-                          <a:uLnTx/>
-                          <a:uFillTx/>
-                        </a:rPr>
-                        <a:t>정○○</a:t>
-                      </a:r>
-                      <a:endParaRPr kumimoji="0" lang="ko-KR" altLang="en-US" sz="1800" b="0" i="1" u="none" strike="noStrike" kern="1200" cap="none" spc="0" normalizeH="0" baseline="0" noProof="0" dirty="0" smtClean="0">
+                      <a:endParaRPr kumimoji="0" lang="ko-KR" altLang="en-US" sz="1800" b="0" i="1" u="none" strike="noStrike" kern="1200" cap="none" spc="0" normalizeH="0" baseline="0" noProof="0" dirty="0">
                         <a:ln>
                           <a:noFill/>
                         </a:ln>
@@ -15949,25 +14713,22 @@
                         <a:tabLst/>
                         <a:defRPr/>
                       </a:pPr>
-                      <a:r>
-                        <a:rPr kumimoji="0" lang="ko-KR" altLang="en-US" sz="1600" b="0" i="1" u="none" strike="noStrike" kern="1200" cap="none" spc="0" normalizeH="0" baseline="0" noProof="0" dirty="0" smtClean="0">
-                          <a:ln>
-                            <a:noFill/>
-                          </a:ln>
-                          <a:solidFill>
-                            <a:schemeClr val="bg2">
-                              <a:lumMod val="25000"/>
-                            </a:schemeClr>
-                          </a:solidFill>
-                          <a:effectLst/>
-                          <a:uLnTx/>
-                          <a:uFillTx/>
-                          <a:latin typeface="맑은 고딕" panose="020B0503020000020004" pitchFamily="50" charset="-127"/>
-                          <a:ea typeface="+mn-ea"/>
-                          <a:cs typeface="+mn-cs"/>
-                        </a:rPr>
-                        <a:t>팀원</a:t>
-                      </a:r>
+                      <a:endParaRPr kumimoji="0" lang="ko-KR" altLang="en-US" sz="1600" b="0" i="1" u="none" strike="noStrike" kern="1200" cap="none" spc="0" normalizeH="0" baseline="0" noProof="0" dirty="0">
+                        <a:ln>
+                          <a:noFill/>
+                        </a:ln>
+                        <a:solidFill>
+                          <a:schemeClr val="bg2">
+                            <a:lumMod val="25000"/>
+                          </a:schemeClr>
+                        </a:solidFill>
+                        <a:effectLst/>
+                        <a:uLnTx/>
+                        <a:uFillTx/>
+                        <a:latin typeface="맑은 고딕" panose="020B0503020000020004" pitchFamily="50" charset="-127"/>
+                        <a:ea typeface="+mn-ea"/>
+                        <a:cs typeface="+mn-cs"/>
+                      </a:endParaRPr>
                     </a:p>
                   </a:txBody>
                   <a:tcPr marT="45741" marB="45741" anchor="ctr">
@@ -16034,172 +14795,7 @@
                         <a:tabLst/>
                         <a:defRPr/>
                       </a:pPr>
-                      <a:r>
-                        <a:rPr lang="ko-KR" altLang="en-US" sz="1600" b="1" dirty="0" smtClean="0">
-                          <a:ln w="12700">
-                            <a:solidFill>
-                              <a:srgbClr val="939597"/>
-                            </a:solidFill>
-                            <a:prstDash val="solid"/>
-                          </a:ln>
-                          <a:solidFill>
-                            <a:schemeClr val="bg2">
-                              <a:lumMod val="25000"/>
-                            </a:schemeClr>
-                          </a:solidFill>
-                          <a:effectLst>
-                            <a:outerShdw dist="38100" dir="2640000" algn="bl" rotWithShape="0">
-                              <a:srgbClr val="939597"/>
-                            </a:outerShdw>
-                          </a:effectLst>
-                          <a:latin typeface="HY견고딕" panose="02030600000101010101" pitchFamily="18" charset="-127"/>
-                          <a:ea typeface="HY견고딕" panose="02030600000101010101" pitchFamily="18" charset="-127"/>
-                        </a:rPr>
-                        <a:t>▶</a:t>
-                      </a:r>
-                      <a:r>
-                        <a:rPr lang="ko-KR" altLang="en-US" sz="1600" b="1" baseline="0" dirty="0" smtClean="0">
-                          <a:ln w="12700">
-                            <a:solidFill>
-                              <a:srgbClr val="939597"/>
-                            </a:solidFill>
-                            <a:prstDash val="solid"/>
-                          </a:ln>
-                          <a:solidFill>
-                            <a:schemeClr val="bg2">
-                              <a:lumMod val="25000"/>
-                            </a:schemeClr>
-                          </a:solidFill>
-                          <a:effectLst>
-                            <a:outerShdw dist="38100" dir="2640000" algn="bl" rotWithShape="0">
-                              <a:srgbClr val="939597"/>
-                            </a:outerShdw>
-                          </a:effectLst>
-                          <a:latin typeface="HY견고딕" panose="02030600000101010101" pitchFamily="18" charset="-127"/>
-                          <a:ea typeface="HY견고딕" panose="02030600000101010101" pitchFamily="18" charset="-127"/>
-                        </a:rPr>
-                        <a:t> </a:t>
-                      </a:r>
-                      <a:r>
-                        <a:rPr kumimoji="0" lang="ko-KR" altLang="en-US" sz="1600" i="1" u="none" strike="noStrike" kern="1200" cap="none" spc="0" normalizeH="0" baseline="0" noProof="0" dirty="0" smtClean="0">
-                          <a:ln>
-                            <a:noFill/>
-                          </a:ln>
-                          <a:solidFill>
-                            <a:schemeClr val="bg2">
-                              <a:lumMod val="25000"/>
-                            </a:schemeClr>
-                          </a:solidFill>
-                          <a:effectLst/>
-                          <a:uLnTx/>
-                          <a:uFillTx/>
-                        </a:rPr>
-                        <a:t>서비스 시스템 설계</a:t>
-                      </a:r>
-                    </a:p>
-                    <a:p>
-                      <a:pPr marL="0" marR="0" lvl="0" indent="0" algn="l" defTabSz="914400" rtl="0" eaLnBrk="1" fontAlgn="auto" latinLnBrk="1" hangingPunct="1">
-                        <a:lnSpc>
-                          <a:spcPct val="150000"/>
-                        </a:lnSpc>
-                        <a:spcBef>
-                          <a:spcPts val="0"/>
-                        </a:spcBef>
-                        <a:spcAft>
-                          <a:spcPts val="0"/>
-                        </a:spcAft>
-                        <a:buClrTx/>
-                        <a:buSzTx/>
-                        <a:buFont typeface="Wingdings" panose="05000000000000000000" pitchFamily="2" charset="2"/>
-                        <a:buNone/>
-                        <a:tabLst/>
-                        <a:defRPr/>
-                      </a:pPr>
-                      <a:r>
-                        <a:rPr lang="ko-KR" altLang="en-US" sz="1600" b="1" dirty="0" smtClean="0">
-                          <a:ln w="12700">
-                            <a:solidFill>
-                              <a:srgbClr val="939597"/>
-                            </a:solidFill>
-                            <a:prstDash val="solid"/>
-                          </a:ln>
-                          <a:solidFill>
-                            <a:schemeClr val="bg2">
-                              <a:lumMod val="25000"/>
-                            </a:schemeClr>
-                          </a:solidFill>
-                          <a:effectLst>
-                            <a:outerShdw dist="38100" dir="2640000" algn="bl" rotWithShape="0">
-                              <a:srgbClr val="939597"/>
-                            </a:outerShdw>
-                          </a:effectLst>
-                          <a:latin typeface="HY견고딕" panose="02030600000101010101" pitchFamily="18" charset="-127"/>
-                          <a:ea typeface="HY견고딕" panose="02030600000101010101" pitchFamily="18" charset="-127"/>
-                        </a:rPr>
-                        <a:t>▶</a:t>
-                      </a:r>
-                      <a:r>
-                        <a:rPr lang="ko-KR" altLang="en-US" sz="1600" b="1" baseline="0" dirty="0" smtClean="0">
-                          <a:ln w="12700">
-                            <a:solidFill>
-                              <a:srgbClr val="939597"/>
-                            </a:solidFill>
-                            <a:prstDash val="solid"/>
-                          </a:ln>
-                          <a:solidFill>
-                            <a:schemeClr val="bg2">
-                              <a:lumMod val="25000"/>
-                            </a:schemeClr>
-                          </a:solidFill>
-                          <a:effectLst>
-                            <a:outerShdw dist="38100" dir="2640000" algn="bl" rotWithShape="0">
-                              <a:srgbClr val="939597"/>
-                            </a:outerShdw>
-                          </a:effectLst>
-                          <a:latin typeface="HY견고딕" panose="02030600000101010101" pitchFamily="18" charset="-127"/>
-                          <a:ea typeface="HY견고딕" panose="02030600000101010101" pitchFamily="18" charset="-127"/>
-                        </a:rPr>
-                        <a:t> </a:t>
-                      </a:r>
-                      <a:r>
-                        <a:rPr kumimoji="0" lang="ko-KR" altLang="en-US" sz="1600" b="0" i="1" u="none" strike="noStrike" kern="1200" cap="none" spc="0" normalizeH="0" baseline="0" noProof="0" dirty="0" smtClean="0">
-                          <a:ln>
-                            <a:noFill/>
-                          </a:ln>
-                          <a:solidFill>
-                            <a:schemeClr val="bg2">
-                              <a:lumMod val="25000"/>
-                            </a:schemeClr>
-                          </a:solidFill>
-                          <a:effectLst/>
-                          <a:uLnTx/>
-                          <a:uFillTx/>
-                          <a:latin typeface="+mn-lt"/>
-                          <a:ea typeface="+mn-ea"/>
-                          <a:cs typeface="+mn-cs"/>
-                        </a:rPr>
-                        <a:t>텍스트 </a:t>
-                      </a:r>
-                      <a:r>
-                        <a:rPr kumimoji="0" lang="ko-KR" altLang="en-US" sz="1600" b="0" i="1" u="none" strike="noStrike" kern="1200" cap="none" spc="0" normalizeH="0" baseline="0" noProof="0" dirty="0" err="1" smtClean="0">
-                          <a:ln>
-                            <a:noFill/>
-                          </a:ln>
-                          <a:solidFill>
-                            <a:schemeClr val="bg2">
-                              <a:lumMod val="25000"/>
-                            </a:schemeClr>
-                          </a:solidFill>
-                          <a:effectLst/>
-                          <a:uLnTx/>
-                          <a:uFillTx/>
-                          <a:latin typeface="+mn-lt"/>
-                          <a:ea typeface="+mn-ea"/>
-                          <a:cs typeface="+mn-cs"/>
-                        </a:rPr>
-                        <a:t>마이닝</a:t>
-                      </a:r>
-                      <a:endParaRPr kumimoji="0" lang="ko-KR" altLang="en-US" sz="1600" b="0" i="1" u="none" strike="noStrike" kern="1200" cap="none" spc="0" normalizeH="0" baseline="0" noProof="0" dirty="0" smtClean="0">
+                      <a:endParaRPr kumimoji="0" lang="ko-KR" altLang="en-US" sz="1600" b="0" i="1" u="none" strike="noStrike" kern="1200" cap="none" spc="0" normalizeH="0" baseline="0" noProof="0" dirty="0">
                         <a:ln>
                           <a:noFill/>
                         </a:ln>
@@ -16288,7 +14884,7 @@
                         <a:tabLst/>
                         <a:defRPr/>
                       </a:pPr>
-                      <a:endParaRPr kumimoji="0" lang="ko-KR" altLang="en-US" sz="1800" b="0" i="1" u="none" strike="noStrike" kern="1200" cap="none" spc="0" normalizeH="0" baseline="0" noProof="0" dirty="0" smtClean="0">
+                      <a:endParaRPr kumimoji="0" lang="ko-KR" altLang="en-US" sz="1800" b="0" i="1" u="none" strike="noStrike" kern="1200" cap="none" spc="0" normalizeH="0" baseline="0" noProof="0" dirty="0">
                         <a:ln>
                           <a:noFill/>
                         </a:ln>
@@ -16369,7 +14965,7 @@
                         <a:tabLst/>
                         <a:defRPr/>
                       </a:pPr>
-                      <a:endParaRPr kumimoji="0" lang="ko-KR" altLang="en-US" sz="1600" b="0" i="1" u="none" strike="noStrike" kern="1200" cap="none" spc="0" normalizeH="0" baseline="0" noProof="0" dirty="0" smtClean="0">
+                      <a:endParaRPr kumimoji="0" lang="ko-KR" altLang="en-US" sz="1600" b="0" i="1" u="none" strike="noStrike" kern="1200" cap="none" spc="0" normalizeH="0" baseline="0" noProof="0" dirty="0">
                         <a:ln>
                           <a:noFill/>
                         </a:ln>
@@ -16450,7 +15046,7 @@
                         <a:tabLst/>
                         <a:defRPr/>
                       </a:pPr>
-                      <a:endParaRPr kumimoji="0" lang="ko-KR" altLang="en-US" sz="1600" b="0" i="1" u="none" strike="noStrike" kern="1200" cap="none" spc="0" normalizeH="0" baseline="0" noProof="0" dirty="0" smtClean="0">
+                      <a:endParaRPr kumimoji="0" lang="ko-KR" altLang="en-US" sz="1600" b="0" i="1" u="none" strike="noStrike" kern="1200" cap="none" spc="0" normalizeH="0" baseline="0" noProof="0" dirty="0">
                         <a:ln>
                           <a:noFill/>
                         </a:ln>
@@ -16529,13 +15125,6 @@
   <p:clrMapOvr>
     <a:masterClrMapping/>
   </p:clrMapOvr>
-  <p:timing>
-    <p:tnLst>
-      <p:par>
-        <p:cTn id="1" dur="indefinite" restart="never" nodeType="tmRoot"/>
-      </p:par>
-    </p:tnLst>
-  </p:timing>
 </p:sld>
 </file>
 
@@ -16764,7 +15353,7 @@
               <a:defRPr/>
             </a:pPr>
             <a:r>
-              <a:rPr lang="ko-KR" altLang="en-US" sz="1600" spc="-150" dirty="0" smtClean="0">
+              <a:rPr lang="ko-KR" altLang="en-US" sz="1600" spc="-150" dirty="0">
                 <a:solidFill>
                   <a:schemeClr val="bg2">
                     <a:lumMod val="25000"/>
@@ -16772,31 +15361,9 @@
                 </a:solidFill>
                 <a:latin typeface="+mn-ea"/>
               </a:rPr>
-              <a:t>기획 </a:t>
-            </a:r>
-            <a:r>
-              <a:rPr lang="ko-KR" altLang="en-US" sz="1600" spc="-150" dirty="0">
-                <a:solidFill>
-                  <a:schemeClr val="bg2">
-                    <a:lumMod val="25000"/>
-                  </a:schemeClr>
-                </a:solidFill>
-                <a:latin typeface="+mn-ea"/>
-              </a:rPr>
-              <a:t>단계에서 도출된 주제와 아이디어를 기반으로 실제 프로젝트를 수행한 세부적인 기간과 </a:t>
-            </a:r>
-            <a:r>
-              <a:rPr lang="ko-KR" altLang="en-US" sz="1600" spc="-150" dirty="0" smtClean="0">
-                <a:solidFill>
-                  <a:schemeClr val="bg2">
-                    <a:lumMod val="25000"/>
-                  </a:schemeClr>
-                </a:solidFill>
-                <a:latin typeface="+mn-ea"/>
-              </a:rPr>
-              <a:t>활동 내용 작성</a:t>
-            </a:r>
-            <a:endParaRPr lang="en-US" altLang="ko-KR" sz="1600" spc="-150" dirty="0" smtClean="0">
+              <a:t>기획 단계에서 도출된 주제와 아이디어를 기반으로 실제 프로젝트를 수행한 세부적인 기간과 활동 내용 작성</a:t>
+            </a:r>
+            <a:endParaRPr lang="en-US" altLang="ko-KR" sz="1600" spc="-150" dirty="0">
               <a:solidFill>
                 <a:schemeClr val="bg2">
                   <a:lumMod val="25000"/>
@@ -16873,7 +15440,7 @@
                         </a:lnSpc>
                       </a:pPr>
                       <a:r>
-                        <a:rPr lang="ko-KR" altLang="en-US" sz="1500" spc="-100" dirty="0" smtClean="0">
+                        <a:rPr lang="ko-KR" altLang="en-US" sz="1500" spc="-100" dirty="0">
                           <a:solidFill>
                             <a:schemeClr val="bg2">
                               <a:lumMod val="25000"/>
@@ -16948,7 +15515,7 @@
                         </a:lnSpc>
                       </a:pPr>
                       <a:r>
-                        <a:rPr lang="ko-KR" altLang="en-US" sz="1500" spc="-100" dirty="0" smtClean="0">
+                        <a:rPr lang="ko-KR" altLang="en-US" sz="1500" spc="-100" dirty="0">
                           <a:solidFill>
                             <a:schemeClr val="bg2">
                               <a:lumMod val="25000"/>
@@ -17023,7 +15590,7 @@
                         </a:lnSpc>
                       </a:pPr>
                       <a:r>
-                        <a:rPr lang="ko-KR" altLang="en-US" sz="1500" spc="-100" dirty="0" smtClean="0">
+                        <a:rPr lang="ko-KR" altLang="en-US" sz="1500" spc="-100" dirty="0">
                           <a:solidFill>
                             <a:schemeClr val="bg2">
                               <a:lumMod val="25000"/>
@@ -17098,7 +15665,7 @@
                         </a:lnSpc>
                       </a:pPr>
                       <a:r>
-                        <a:rPr lang="ko-KR" altLang="en-US" sz="1500" spc="-100" dirty="0" smtClean="0">
+                        <a:rPr lang="ko-KR" altLang="en-US" sz="1500" spc="-100" dirty="0">
                           <a:solidFill>
                             <a:schemeClr val="bg2">
                               <a:lumMod val="25000"/>
@@ -17183,7 +15750,7 @@
                         </a:spcBef>
                       </a:pPr>
                       <a:r>
-                        <a:rPr kumimoji="0" lang="ko-KR" altLang="en-US" sz="1500" i="1" u="none" strike="noStrike" kern="1200" cap="none" spc="-100" normalizeH="0" baseline="0" noProof="0" dirty="0" smtClean="0">
+                        <a:rPr kumimoji="0" lang="ko-KR" altLang="en-US" sz="1500" i="1" u="none" strike="noStrike" kern="1200" cap="none" spc="-100" normalizeH="0" baseline="0" noProof="0" dirty="0">
                           <a:ln>
                             <a:noFill/>
                           </a:ln>
@@ -17274,7 +15841,7 @@
                         <a:defRPr/>
                       </a:pPr>
                       <a:r>
-                        <a:rPr lang="ko-KR" altLang="en-US" sz="1500" b="1" spc="-100" dirty="0" smtClean="0">
+                        <a:rPr lang="ko-KR" altLang="en-US" sz="1500" b="1" spc="-100" dirty="0">
                           <a:ln w="12700">
                             <a:solidFill>
                               <a:srgbClr val="939597"/>
@@ -17297,7 +15864,7 @@
                         <a:t>▶</a:t>
                       </a:r>
                       <a:r>
-                        <a:rPr lang="en-US" altLang="ko-KR" sz="1500" i="1" u="none" spc="-100" dirty="0" smtClean="0">
+                        <a:rPr lang="en-US" altLang="ko-KR" sz="1500" i="1" u="none" spc="-100" dirty="0">
                           <a:solidFill>
                             <a:schemeClr val="bg2">
                               <a:lumMod val="25000"/>
@@ -17307,7 +15874,7 @@
                         <a:t> O/O(</a:t>
                       </a:r>
                       <a:r>
-                        <a:rPr lang="ko-KR" altLang="en-US" sz="1500" i="1" u="none" spc="-100" dirty="0" smtClean="0">
+                        <a:rPr lang="ko-KR" altLang="en-US" sz="1500" i="1" u="none" spc="-100" dirty="0">
                           <a:solidFill>
                             <a:schemeClr val="bg2">
                               <a:lumMod val="25000"/>
@@ -17317,7 +15884,7 @@
                         <a:t>월</a:t>
                       </a:r>
                       <a:r>
-                        <a:rPr lang="en-US" altLang="ko-KR" sz="1500" i="1" u="none" spc="-100" dirty="0" smtClean="0">
+                        <a:rPr lang="en-US" altLang="ko-KR" sz="1500" i="1" u="none" spc="-100" dirty="0">
                           <a:solidFill>
                             <a:schemeClr val="bg2">
                               <a:lumMod val="25000"/>
@@ -17327,7 +15894,7 @@
                         <a:t>) ~ O/O(</a:t>
                       </a:r>
                       <a:r>
-                        <a:rPr lang="ko-KR" altLang="en-US" sz="1500" i="1" u="none" spc="-100" dirty="0" smtClean="0">
+                        <a:rPr lang="ko-KR" altLang="en-US" sz="1500" i="1" u="none" spc="-100" dirty="0">
                           <a:solidFill>
                             <a:schemeClr val="bg2">
                               <a:lumMod val="25000"/>
@@ -17337,7 +15904,7 @@
                         <a:t>금</a:t>
                       </a:r>
                       <a:r>
-                        <a:rPr lang="en-US" altLang="ko-KR" sz="1500" i="1" u="none" spc="-100" dirty="0" smtClean="0">
+                        <a:rPr lang="en-US" altLang="ko-KR" sz="1500" i="1" u="none" spc="-100" dirty="0">
                           <a:solidFill>
                             <a:schemeClr val="bg2">
                               <a:lumMod val="25000"/>
@@ -17346,7 +15913,7 @@
                         </a:rPr>
                         <a:t>)</a:t>
                       </a:r>
-                      <a:endParaRPr lang="en-US" altLang="ko-KR" sz="1500" b="0" i="1" u="none" spc="-100" dirty="0" smtClean="0">
+                      <a:endParaRPr lang="en-US" altLang="ko-KR" sz="1500" b="0" i="1" u="none" spc="-100" dirty="0">
                         <a:solidFill>
                           <a:schemeClr val="bg2">
                             <a:lumMod val="25000"/>
@@ -17422,7 +15989,7 @@
                         <a:defRPr/>
                       </a:pPr>
                       <a:r>
-                        <a:rPr lang="ko-KR" altLang="en-US" sz="1500" b="1" spc="-100" dirty="0" smtClean="0">
+                        <a:rPr lang="ko-KR" altLang="en-US" sz="1500" b="1" spc="-100" dirty="0">
                           <a:ln w="12700">
                             <a:solidFill>
                               <a:srgbClr val="939597"/>
@@ -17445,16 +16012,6 @@
                         <a:t>▶ </a:t>
                       </a:r>
                       <a:r>
-                        <a:rPr lang="ko-KR" altLang="en-US" sz="1500" i="1" u="none" spc="-100" dirty="0" smtClean="0">
-                          <a:solidFill>
-                            <a:schemeClr val="bg2">
-                              <a:lumMod val="25000"/>
-                            </a:schemeClr>
-                          </a:solidFill>
-                        </a:rPr>
-                        <a:t>프로젝트 </a:t>
-                      </a:r>
-                      <a:r>
                         <a:rPr lang="ko-KR" altLang="en-US" sz="1500" i="1" u="none" spc="-100" dirty="0">
                           <a:solidFill>
                             <a:schemeClr val="bg2">
@@ -17462,19 +16019,9 @@
                             </a:schemeClr>
                           </a:solidFill>
                         </a:rPr>
-                        <a:t>기획 및 </a:t>
+                        <a:t>프로젝트 기획 및 주제 선정</a:t>
                       </a:r>
-                      <a:r>
-                        <a:rPr lang="ko-KR" altLang="en-US" sz="1500" i="1" u="none" spc="-100" dirty="0" smtClean="0">
-                          <a:solidFill>
-                            <a:schemeClr val="bg2">
-                              <a:lumMod val="25000"/>
-                            </a:schemeClr>
-                          </a:solidFill>
-                        </a:rPr>
-                        <a:t>주제 선정</a:t>
-                      </a:r>
-                      <a:endParaRPr lang="en-US" altLang="ko-KR" sz="1500" i="1" u="none" spc="-100" dirty="0" smtClean="0">
+                      <a:endParaRPr lang="en-US" altLang="ko-KR" sz="1500" i="1" u="none" spc="-100" dirty="0">
                         <a:solidFill>
                           <a:schemeClr val="bg2">
                             <a:lumMod val="25000"/>
@@ -17501,7 +16048,7 @@
                         <a:defRPr/>
                       </a:pPr>
                       <a:r>
-                        <a:rPr lang="ko-KR" altLang="en-US" sz="1500" b="1" spc="-100" dirty="0" smtClean="0">
+                        <a:rPr lang="ko-KR" altLang="en-US" sz="1500" b="1" spc="-100" dirty="0">
                           <a:ln w="12700">
                             <a:solidFill>
                               <a:srgbClr val="939597"/>
@@ -17524,7 +16071,7 @@
                         <a:t>▶ </a:t>
                       </a:r>
                       <a:r>
-                        <a:rPr lang="ko-KR" altLang="en-US" sz="1500" i="1" u="none" spc="-100" dirty="0" err="1" smtClean="0">
+                        <a:rPr lang="ko-KR" altLang="en-US" sz="1500" i="1" u="none" spc="-100" dirty="0" err="1">
                           <a:solidFill>
                             <a:schemeClr val="bg2">
                               <a:lumMod val="25000"/>
@@ -17534,7 +16081,7 @@
                         <a:t>기획안</a:t>
                       </a:r>
                       <a:r>
-                        <a:rPr lang="ko-KR" altLang="en-US" sz="1500" i="1" u="none" spc="-100" dirty="0" smtClean="0">
+                        <a:rPr lang="ko-KR" altLang="en-US" sz="1500" i="1" u="none" spc="-100" dirty="0">
                           <a:solidFill>
                             <a:schemeClr val="bg2">
                               <a:lumMod val="25000"/>
@@ -17619,7 +16166,7 @@
                         <a:defRPr/>
                       </a:pPr>
                       <a:r>
-                        <a:rPr lang="ko-KR" altLang="en-US" sz="1500" b="1" spc="-100" dirty="0" smtClean="0">
+                        <a:rPr lang="ko-KR" altLang="en-US" sz="1500" b="1" spc="-100" dirty="0">
                           <a:ln w="12700">
                             <a:solidFill>
                               <a:srgbClr val="939597"/>
@@ -17642,16 +16189,6 @@
                         <a:t>▶ </a:t>
                       </a:r>
                       <a:r>
-                        <a:rPr lang="ko-KR" altLang="en-US" sz="1500" i="1" u="none" spc="-100" dirty="0" smtClean="0">
-                          <a:solidFill>
-                            <a:schemeClr val="bg2">
-                              <a:lumMod val="25000"/>
-                            </a:schemeClr>
-                          </a:solidFill>
-                        </a:rPr>
-                        <a:t>아이디어 </a:t>
-                      </a:r>
-                      <a:r>
                         <a:rPr lang="ko-KR" altLang="en-US" sz="1500" i="1" u="none" spc="-100" dirty="0">
                           <a:solidFill>
                             <a:schemeClr val="bg2">
@@ -17659,7 +16196,7 @@
                             </a:schemeClr>
                           </a:solidFill>
                         </a:rPr>
-                        <a:t>선정</a:t>
+                        <a:t>아이디어 선정</a:t>
                       </a:r>
                       <a:endParaRPr lang="en-US" altLang="ko-KR" sz="1500" b="0" i="1" u="none" spc="-100" dirty="0">
                         <a:solidFill>
@@ -17735,7 +16272,7 @@
                         </a:spcBef>
                       </a:pPr>
                       <a:r>
-                        <a:rPr kumimoji="0" lang="ko-KR" altLang="en-US" sz="1500" i="1" u="none" strike="noStrike" kern="1200" cap="none" spc="-100" normalizeH="0" baseline="0" dirty="0" smtClean="0">
+                        <a:rPr kumimoji="0" lang="ko-KR" altLang="en-US" sz="1500" i="1" u="none" strike="noStrike" kern="1200" cap="none" spc="-100" normalizeH="0" baseline="0" dirty="0">
                           <a:ln>
                             <a:noFill/>
                           </a:ln>
@@ -17753,22 +16290,6 @@
                         </a:rPr>
                         <a:t>데이터 수집</a:t>
                       </a:r>
-                      <a:endParaRPr kumimoji="0" lang="ko-KR" altLang="en-US" sz="1500" i="1" u="none" strike="noStrike" kern="1200" cap="none" spc="-100" normalizeH="0" baseline="0" dirty="0">
-                        <a:ln>
-                          <a:noFill/>
-                        </a:ln>
-                        <a:solidFill>
-                          <a:schemeClr val="bg2">
-                            <a:lumMod val="25000"/>
-                          </a:schemeClr>
-                        </a:solidFill>
-                        <a:effectLst/>
-                        <a:uLnTx/>
-                        <a:uFillTx/>
-                        <a:latin typeface="+mn-lt"/>
-                        <a:ea typeface="+mn-ea"/>
-                        <a:cs typeface="+mn-cs"/>
-                      </a:endParaRPr>
                     </a:p>
                   </a:txBody>
                   <a:tcPr marL="84930" marR="84930" marT="42485" marB="42485" anchor="ctr">
@@ -17836,7 +16357,7 @@
                         <a:defRPr/>
                       </a:pPr>
                       <a:r>
-                        <a:rPr lang="ko-KR" altLang="en-US" sz="1500" b="1" spc="-100" dirty="0" smtClean="0">
+                        <a:rPr lang="ko-KR" altLang="en-US" sz="1500" b="1" spc="-100" dirty="0">
                           <a:ln w="12700">
                             <a:solidFill>
                               <a:srgbClr val="939597"/>
@@ -17859,7 +16380,7 @@
                         <a:t>▶ </a:t>
                       </a:r>
                       <a:r>
-                        <a:rPr lang="en-US" altLang="ko-KR" sz="1500" i="1" u="none" spc="-100" dirty="0" smtClean="0">
+                        <a:rPr lang="en-US" altLang="ko-KR" sz="1500" i="1" u="none" spc="-100" dirty="0">
                           <a:solidFill>
                             <a:schemeClr val="bg2">
                               <a:lumMod val="25000"/>
@@ -17869,7 +16390,7 @@
                         <a:t>O/O(</a:t>
                       </a:r>
                       <a:r>
-                        <a:rPr lang="ko-KR" altLang="en-US" sz="1500" i="1" u="none" spc="-100" dirty="0" smtClean="0">
+                        <a:rPr lang="ko-KR" altLang="en-US" sz="1500" i="1" u="none" spc="-100" dirty="0">
                           <a:solidFill>
                             <a:schemeClr val="bg2">
                               <a:lumMod val="25000"/>
@@ -17879,7 +16400,7 @@
                         <a:t>월</a:t>
                       </a:r>
                       <a:r>
-                        <a:rPr lang="en-US" altLang="ko-KR" sz="1500" i="1" u="none" spc="-100" dirty="0" smtClean="0">
+                        <a:rPr lang="en-US" altLang="ko-KR" sz="1500" i="1" u="none" spc="-100" dirty="0">
                           <a:solidFill>
                             <a:schemeClr val="bg2">
                               <a:lumMod val="25000"/>
@@ -17889,7 +16410,7 @@
                         <a:t>) ~ O/O(</a:t>
                       </a:r>
                       <a:r>
-                        <a:rPr lang="ko-KR" altLang="en-US" sz="1500" i="1" u="none" spc="-100" dirty="0" smtClean="0">
+                        <a:rPr lang="ko-KR" altLang="en-US" sz="1500" i="1" u="none" spc="-100" dirty="0">
                           <a:solidFill>
                             <a:schemeClr val="bg2">
                               <a:lumMod val="25000"/>
@@ -17899,7 +16420,7 @@
                         <a:t>금</a:t>
                       </a:r>
                       <a:r>
-                        <a:rPr lang="en-US" altLang="ko-KR" sz="1500" i="1" u="none" spc="-100" dirty="0" smtClean="0">
+                        <a:rPr lang="en-US" altLang="ko-KR" sz="1500" i="1" u="none" spc="-100" dirty="0">
                           <a:solidFill>
                             <a:schemeClr val="bg2">
                               <a:lumMod val="25000"/>
@@ -17908,7 +16429,7 @@
                         </a:rPr>
                         <a:t>)</a:t>
                       </a:r>
-                      <a:endParaRPr lang="en-US" altLang="ko-KR" sz="1500" b="0" i="1" u="none" spc="-100" dirty="0" smtClean="0">
+                      <a:endParaRPr lang="en-US" altLang="ko-KR" sz="1500" b="0" i="1" u="none" spc="-100" dirty="0">
                         <a:solidFill>
                           <a:schemeClr val="bg2">
                             <a:lumMod val="25000"/>
@@ -17984,7 +16505,7 @@
                         <a:defRPr/>
                       </a:pPr>
                       <a:r>
-                        <a:rPr lang="ko-KR" altLang="en-US" sz="1500" b="1" spc="-100" dirty="0" smtClean="0">
+                        <a:rPr lang="ko-KR" altLang="en-US" sz="1500" b="1" spc="-100" dirty="0">
                           <a:ln w="12700">
                             <a:solidFill>
                               <a:srgbClr val="939597"/>
@@ -18007,7 +16528,7 @@
                         <a:t>▶ </a:t>
                       </a:r>
                       <a:r>
-                        <a:rPr lang="ko-KR" altLang="en-US" sz="1500" b="0" i="1" u="none" spc="-100" dirty="0" smtClean="0">
+                        <a:rPr lang="ko-KR" altLang="en-US" sz="1500" b="0" i="1" u="none" spc="-100" dirty="0">
                           <a:solidFill>
                             <a:schemeClr val="bg2">
                               <a:lumMod val="25000"/>
@@ -18018,7 +16539,7 @@
                         </a:rPr>
                         <a:t>필요 데이터  및 수집 절차 정의</a:t>
                       </a:r>
-                      <a:endParaRPr lang="en-US" altLang="ko-KR" sz="1500" b="0" i="1" u="none" spc="-100" dirty="0" smtClean="0">
+                      <a:endParaRPr lang="en-US" altLang="ko-KR" sz="1500" b="0" i="1" u="none" spc="-100" dirty="0">
                         <a:solidFill>
                           <a:schemeClr val="bg2">
                             <a:lumMod val="25000"/>
@@ -18047,7 +16568,7 @@
                         <a:defRPr/>
                       </a:pPr>
                       <a:r>
-                        <a:rPr lang="ko-KR" altLang="en-US" sz="1500" b="1" spc="-100" dirty="0" smtClean="0">
+                        <a:rPr lang="ko-KR" altLang="en-US" sz="1500" b="1" spc="-100" dirty="0">
                           <a:ln w="12700">
                             <a:solidFill>
                               <a:srgbClr val="939597"/>
@@ -18070,7 +16591,7 @@
                         <a:t>▶ </a:t>
                       </a:r>
                       <a:r>
-                        <a:rPr lang="ko-KR" altLang="en-US" sz="1500" b="0" i="1" u="none" spc="-100" dirty="0" smtClean="0">
+                        <a:rPr lang="ko-KR" altLang="en-US" sz="1500" b="0" i="1" u="none" spc="-100" dirty="0">
                           <a:solidFill>
                             <a:schemeClr val="bg2">
                               <a:lumMod val="25000"/>
@@ -18157,7 +16678,7 @@
                         <a:defRPr/>
                       </a:pPr>
                       <a:r>
-                        <a:rPr lang="ko-KR" altLang="en-US" sz="1500" b="1" spc="-100" dirty="0" smtClean="0">
+                        <a:rPr lang="ko-KR" altLang="en-US" sz="1500" b="1" spc="-100" dirty="0">
                           <a:ln w="12700">
                             <a:solidFill>
                               <a:srgbClr val="939597"/>
@@ -18180,7 +16701,7 @@
                         <a:t>▶ </a:t>
                       </a:r>
                       <a:r>
-                        <a:rPr lang="ko-KR" altLang="en-US" sz="1500" b="0" i="1" u="none" spc="-100" dirty="0" err="1" smtClean="0">
+                        <a:rPr lang="ko-KR" altLang="en-US" sz="1500" b="0" i="1" u="none" spc="-100" dirty="0" err="1">
                           <a:solidFill>
                             <a:schemeClr val="bg2">
                               <a:lumMod val="25000"/>
@@ -18192,7 +16713,7 @@
                         <a:t>협약기업</a:t>
                       </a:r>
                       <a:r>
-                        <a:rPr lang="ko-KR" altLang="en-US" sz="1500" b="0" i="1" u="none" spc="-100" dirty="0" smtClean="0">
+                        <a:rPr lang="ko-KR" altLang="en-US" sz="1500" b="0" i="1" u="none" spc="-100" dirty="0">
                           <a:solidFill>
                             <a:schemeClr val="bg2">
                               <a:lumMod val="25000"/>
@@ -18277,7 +16798,7 @@
                         </a:spcBef>
                       </a:pPr>
                       <a:r>
-                        <a:rPr kumimoji="0" lang="ko-KR" altLang="en-US" sz="1500" i="1" u="none" strike="noStrike" kern="1200" cap="none" spc="-100" normalizeH="0" baseline="0" dirty="0" smtClean="0">
+                        <a:rPr kumimoji="0" lang="ko-KR" altLang="en-US" sz="1500" i="1" u="none" strike="noStrike" kern="1200" cap="none" spc="-100" normalizeH="0" baseline="0" dirty="0">
                           <a:ln>
                             <a:noFill/>
                           </a:ln>
@@ -18295,22 +16816,6 @@
                         </a:rPr>
                         <a:t>데이터 전처리</a:t>
                       </a:r>
-                      <a:endParaRPr kumimoji="0" lang="ko-KR" altLang="en-US" sz="1500" i="1" u="none" strike="noStrike" kern="1200" cap="none" spc="-100" normalizeH="0" baseline="0" dirty="0">
-                        <a:ln>
-                          <a:noFill/>
-                        </a:ln>
-                        <a:solidFill>
-                          <a:schemeClr val="bg2">
-                            <a:lumMod val="25000"/>
-                          </a:schemeClr>
-                        </a:solidFill>
-                        <a:effectLst/>
-                        <a:uLnTx/>
-                        <a:uFillTx/>
-                        <a:latin typeface="+mn-lt"/>
-                        <a:ea typeface="+mn-ea"/>
-                        <a:cs typeface="+mn-cs"/>
-                      </a:endParaRPr>
                     </a:p>
                   </a:txBody>
                   <a:tcPr marL="84930" marR="84930" marT="42485" marB="42485" anchor="ctr">
@@ -18378,7 +16883,7 @@
                         <a:defRPr/>
                       </a:pPr>
                       <a:r>
-                        <a:rPr lang="ko-KR" altLang="en-US" sz="1500" b="1" spc="-100" dirty="0" smtClean="0">
+                        <a:rPr lang="ko-KR" altLang="en-US" sz="1500" b="1" spc="-100" dirty="0">
                           <a:ln w="12700">
                             <a:solidFill>
                               <a:srgbClr val="939597"/>
@@ -18401,7 +16906,7 @@
                         <a:t>▶ </a:t>
                       </a:r>
                       <a:r>
-                        <a:rPr lang="en-US" altLang="ko-KR" sz="1500" i="1" u="none" spc="-100" dirty="0" smtClean="0">
+                        <a:rPr lang="en-US" altLang="ko-KR" sz="1500" i="1" u="none" spc="-100" dirty="0">
                           <a:solidFill>
                             <a:schemeClr val="bg2">
                               <a:lumMod val="25000"/>
@@ -18411,7 +16916,7 @@
                         <a:t>O/O(</a:t>
                       </a:r>
                       <a:r>
-                        <a:rPr lang="ko-KR" altLang="en-US" sz="1500" i="1" u="none" spc="-100" dirty="0" smtClean="0">
+                        <a:rPr lang="ko-KR" altLang="en-US" sz="1500" i="1" u="none" spc="-100" dirty="0">
                           <a:solidFill>
                             <a:schemeClr val="bg2">
                               <a:lumMod val="25000"/>
@@ -18421,7 +16926,7 @@
                         <a:t>월</a:t>
                       </a:r>
                       <a:r>
-                        <a:rPr lang="en-US" altLang="ko-KR" sz="1500" i="1" u="none" spc="-100" dirty="0" smtClean="0">
+                        <a:rPr lang="en-US" altLang="ko-KR" sz="1500" i="1" u="none" spc="-100" dirty="0">
                           <a:solidFill>
                             <a:schemeClr val="bg2">
                               <a:lumMod val="25000"/>
@@ -18431,7 +16936,7 @@
                         <a:t>) ~ O/O(</a:t>
                       </a:r>
                       <a:r>
-                        <a:rPr lang="ko-KR" altLang="en-US" sz="1500" i="1" u="none" spc="-100" dirty="0" smtClean="0">
+                        <a:rPr lang="ko-KR" altLang="en-US" sz="1500" i="1" u="none" spc="-100" dirty="0">
                           <a:solidFill>
                             <a:schemeClr val="bg2">
                               <a:lumMod val="25000"/>
@@ -18441,7 +16946,7 @@
                         <a:t>금</a:t>
                       </a:r>
                       <a:r>
-                        <a:rPr lang="en-US" altLang="ko-KR" sz="1500" i="1" u="none" spc="-100" dirty="0" smtClean="0">
+                        <a:rPr lang="en-US" altLang="ko-KR" sz="1500" i="1" u="none" spc="-100" dirty="0">
                           <a:solidFill>
                             <a:schemeClr val="bg2">
                               <a:lumMod val="25000"/>
@@ -18450,7 +16955,7 @@
                         </a:rPr>
                         <a:t>)</a:t>
                       </a:r>
-                      <a:endParaRPr lang="en-US" altLang="ko-KR" sz="1500" b="0" i="1" u="none" spc="-100" dirty="0" smtClean="0">
+                      <a:endParaRPr lang="en-US" altLang="ko-KR" sz="1500" b="0" i="1" u="none" spc="-100" dirty="0">
                         <a:solidFill>
                           <a:schemeClr val="bg2">
                             <a:lumMod val="25000"/>
@@ -18526,7 +17031,7 @@
                         <a:defRPr/>
                       </a:pPr>
                       <a:r>
-                        <a:rPr lang="ko-KR" altLang="en-US" sz="1500" b="1" spc="-100" dirty="0" smtClean="0">
+                        <a:rPr lang="ko-KR" altLang="en-US" sz="1500" b="1" spc="-100" dirty="0">
                           <a:ln w="12700">
                             <a:solidFill>
                               <a:srgbClr val="939597"/>
@@ -18549,7 +17054,7 @@
                         <a:t>▶ </a:t>
                       </a:r>
                       <a:r>
-                        <a:rPr lang="ko-KR" altLang="en-US" sz="1500" b="0" i="1" u="none" spc="-100" dirty="0" smtClean="0">
+                        <a:rPr lang="ko-KR" altLang="en-US" sz="1500" b="0" i="1" u="none" spc="-100" dirty="0">
                           <a:solidFill>
                             <a:schemeClr val="bg2">
                               <a:lumMod val="25000"/>
@@ -18718,7 +17223,7 @@
                         <a:defRPr/>
                       </a:pPr>
                       <a:r>
-                        <a:rPr kumimoji="0" lang="ko-KR" altLang="en-US" sz="1500" b="0" i="1" u="none" strike="noStrike" kern="1200" cap="none" spc="-100" normalizeH="0" baseline="0" noProof="0" dirty="0" smtClean="0">
+                        <a:rPr kumimoji="0" lang="ko-KR" altLang="en-US" sz="1500" b="0" i="1" u="none" strike="noStrike" kern="1200" cap="none" spc="-100" normalizeH="0" baseline="0" noProof="0" dirty="0">
                           <a:ln>
                             <a:noFill/>
                           </a:ln>
@@ -18811,7 +17316,7 @@
                         <a:defRPr/>
                       </a:pPr>
                       <a:r>
-                        <a:rPr lang="ko-KR" altLang="en-US" sz="1500" b="1" spc="-100" dirty="0" smtClean="0">
+                        <a:rPr lang="ko-KR" altLang="en-US" sz="1500" b="1" spc="-100" dirty="0">
                           <a:ln w="12700">
                             <a:solidFill>
                               <a:srgbClr val="939597"/>
@@ -18834,7 +17339,7 @@
                         <a:t>▶ </a:t>
                       </a:r>
                       <a:r>
-                        <a:rPr lang="en-US" altLang="ko-KR" sz="1500" i="1" u="none" spc="-100" dirty="0" smtClean="0">
+                        <a:rPr lang="en-US" altLang="ko-KR" sz="1500" i="1" u="none" spc="-100" dirty="0">
                           <a:solidFill>
                             <a:schemeClr val="bg2">
                               <a:lumMod val="25000"/>
@@ -18844,7 +17349,7 @@
                         <a:t>O/O(</a:t>
                       </a:r>
                       <a:r>
-                        <a:rPr lang="ko-KR" altLang="en-US" sz="1500" i="1" u="none" spc="-100" dirty="0" smtClean="0">
+                        <a:rPr lang="ko-KR" altLang="en-US" sz="1500" i="1" u="none" spc="-100" dirty="0">
                           <a:solidFill>
                             <a:schemeClr val="bg2">
                               <a:lumMod val="25000"/>
@@ -18854,7 +17359,7 @@
                         <a:t>월</a:t>
                       </a:r>
                       <a:r>
-                        <a:rPr lang="en-US" altLang="ko-KR" sz="1500" i="1" u="none" spc="-100" dirty="0" smtClean="0">
+                        <a:rPr lang="en-US" altLang="ko-KR" sz="1500" i="1" u="none" spc="-100" dirty="0">
                           <a:solidFill>
                             <a:schemeClr val="bg2">
                               <a:lumMod val="25000"/>
@@ -18864,7 +17369,7 @@
                         <a:t>) ~ O/O(</a:t>
                       </a:r>
                       <a:r>
-                        <a:rPr lang="ko-KR" altLang="en-US" sz="1500" i="1" u="none" spc="-100" dirty="0" smtClean="0">
+                        <a:rPr lang="ko-KR" altLang="en-US" sz="1500" i="1" u="none" spc="-100" dirty="0">
                           <a:solidFill>
                             <a:schemeClr val="bg2">
                               <a:lumMod val="25000"/>
@@ -18874,7 +17379,7 @@
                         <a:t>금</a:t>
                       </a:r>
                       <a:r>
-                        <a:rPr lang="en-US" altLang="ko-KR" sz="1500" i="1" u="none" spc="-100" dirty="0" smtClean="0">
+                        <a:rPr lang="en-US" altLang="ko-KR" sz="1500" i="1" u="none" spc="-100" dirty="0">
                           <a:solidFill>
                             <a:schemeClr val="bg2">
                               <a:lumMod val="25000"/>
@@ -18883,7 +17388,7 @@
                         </a:rPr>
                         <a:t>)</a:t>
                       </a:r>
-                      <a:endParaRPr lang="en-US" altLang="ko-KR" sz="1500" b="0" i="1" u="none" spc="-100" dirty="0" smtClean="0">
+                      <a:endParaRPr lang="en-US" altLang="ko-KR" sz="1500" b="0" i="1" u="none" spc="-100" dirty="0">
                         <a:solidFill>
                           <a:schemeClr val="bg2">
                             <a:lumMod val="25000"/>
@@ -18952,7 +17457,7 @@
                         <a:buNone/>
                       </a:pPr>
                       <a:r>
-                        <a:rPr lang="ko-KR" altLang="en-US" sz="1500" b="1" spc="-100" dirty="0" smtClean="0">
+                        <a:rPr lang="ko-KR" altLang="en-US" sz="1500" b="1" spc="-100" dirty="0">
                           <a:ln w="12700">
                             <a:solidFill>
                               <a:srgbClr val="939597"/>
@@ -18975,7 +17480,7 @@
                         <a:t>▶ </a:t>
                       </a:r>
                       <a:r>
-                        <a:rPr lang="ko-KR" altLang="en-US" sz="1500" i="1" u="none" strike="noStrike" spc="-100" dirty="0" smtClean="0">
+                        <a:rPr lang="ko-KR" altLang="en-US" sz="1500" i="1" u="none" strike="noStrike" spc="-100" dirty="0">
                           <a:solidFill>
                             <a:schemeClr val="bg2">
                               <a:lumMod val="25000"/>
@@ -19055,7 +17560,7 @@
                         <a:buNone/>
                       </a:pPr>
                       <a:r>
-                        <a:rPr lang="ko-KR" altLang="en-US" sz="1500" b="1" spc="-100" dirty="0" smtClean="0">
+                        <a:rPr lang="ko-KR" altLang="en-US" sz="1500" b="1" spc="-100" dirty="0">
                           <a:ln w="12700">
                             <a:solidFill>
                               <a:srgbClr val="939597"/>
@@ -19078,7 +17583,7 @@
                         <a:t>▶ </a:t>
                       </a:r>
                       <a:r>
-                        <a:rPr lang="ko-KR" altLang="en-US" sz="1500" b="0" i="1" u="none" strike="noStrike" spc="-100" dirty="0" err="1" smtClean="0">
+                        <a:rPr lang="ko-KR" altLang="en-US" sz="1500" b="0" i="1" u="none" strike="noStrike" spc="-100" dirty="0" err="1">
                           <a:solidFill>
                             <a:schemeClr val="bg2">
                               <a:lumMod val="25000"/>
@@ -19091,7 +17596,7 @@
                         <a:t>팀별</a:t>
                       </a:r>
                       <a:r>
-                        <a:rPr lang="ko-KR" altLang="en-US" sz="1500" b="0" i="1" u="none" strike="noStrike" spc="-100" dirty="0" smtClean="0">
+                        <a:rPr lang="ko-KR" altLang="en-US" sz="1500" b="0" i="1" u="none" strike="noStrike" spc="-100" dirty="0">
                           <a:solidFill>
                             <a:schemeClr val="bg2">
                               <a:lumMod val="25000"/>
@@ -19103,16 +17608,6 @@
                         </a:rPr>
                         <a:t> 중간보고 실시</a:t>
                       </a:r>
-                      <a:endParaRPr lang="ko-KR" altLang="en-US" sz="1500" b="0" i="1" u="none" strike="noStrike" spc="-100" dirty="0">
-                        <a:solidFill>
-                          <a:schemeClr val="bg2">
-                            <a:lumMod val="25000"/>
-                          </a:schemeClr>
-                        </a:solidFill>
-                        <a:effectLst/>
-                        <a:latin typeface="+mn-ea"/>
-                        <a:ea typeface="+mn-ea"/>
-                      </a:endParaRPr>
                     </a:p>
                   </a:txBody>
                   <a:tcPr marL="33437" marR="3915" marT="3915" marB="0" anchor="ctr">
@@ -19187,7 +17682,7 @@
                         <a:defRPr/>
                       </a:pPr>
                       <a:r>
-                        <a:rPr kumimoji="0" lang="ko-KR" altLang="en-US" sz="1500" b="0" i="1" u="none" strike="noStrike" kern="1200" cap="none" spc="-100" normalizeH="0" baseline="0" noProof="0" dirty="0" smtClean="0">
+                        <a:rPr kumimoji="0" lang="ko-KR" altLang="en-US" sz="1500" b="0" i="1" u="none" strike="noStrike" kern="1200" cap="none" spc="-100" normalizeH="0" baseline="0" noProof="0" dirty="0">
                           <a:ln>
                             <a:noFill/>
                           </a:ln>
@@ -19205,7 +17700,7 @@
                         </a:rPr>
                         <a:t>서비스 구축</a:t>
                       </a:r>
-                      <a:endParaRPr kumimoji="0" lang="ko-KR" altLang="en-US" sz="1500" b="1" i="1" u="none" strike="noStrike" kern="1200" cap="none" spc="-100" normalizeH="0" baseline="0" noProof="0" dirty="0" smtClean="0">
+                      <a:endParaRPr kumimoji="0" lang="ko-KR" altLang="en-US" sz="1500" b="1" i="1" u="none" strike="noStrike" kern="1200" cap="none" spc="-100" normalizeH="0" baseline="0" noProof="0" dirty="0">
                         <a:ln>
                           <a:noFill/>
                         </a:ln>
@@ -19288,7 +17783,7 @@
                         <a:defRPr/>
                       </a:pPr>
                       <a:r>
-                        <a:rPr lang="ko-KR" altLang="en-US" sz="1500" b="1" spc="-100" dirty="0" smtClean="0">
+                        <a:rPr lang="ko-KR" altLang="en-US" sz="1500" b="1" spc="-100" dirty="0">
                           <a:ln w="12700">
                             <a:solidFill>
                               <a:srgbClr val="939597"/>
@@ -19311,7 +17806,7 @@
                         <a:t>▶ </a:t>
                       </a:r>
                       <a:r>
-                        <a:rPr lang="en-US" altLang="ko-KR" sz="1500" i="1" u="none" spc="-100" dirty="0" smtClean="0">
+                        <a:rPr lang="en-US" altLang="ko-KR" sz="1500" i="1" u="none" spc="-100" dirty="0">
                           <a:solidFill>
                             <a:schemeClr val="bg2">
                               <a:lumMod val="25000"/>
@@ -19321,7 +17816,7 @@
                         <a:t>O/O(</a:t>
                       </a:r>
                       <a:r>
-                        <a:rPr lang="ko-KR" altLang="en-US" sz="1500" i="1" u="none" spc="-100" dirty="0" smtClean="0">
+                        <a:rPr lang="ko-KR" altLang="en-US" sz="1500" i="1" u="none" spc="-100" dirty="0">
                           <a:solidFill>
                             <a:schemeClr val="bg2">
                               <a:lumMod val="25000"/>
@@ -19331,7 +17826,7 @@
                         <a:t>월</a:t>
                       </a:r>
                       <a:r>
-                        <a:rPr lang="en-US" altLang="ko-KR" sz="1500" i="1" u="none" spc="-100" dirty="0" smtClean="0">
+                        <a:rPr lang="en-US" altLang="ko-KR" sz="1500" i="1" u="none" spc="-100" dirty="0">
                           <a:solidFill>
                             <a:schemeClr val="bg2">
                               <a:lumMod val="25000"/>
@@ -19341,7 +17836,7 @@
                         <a:t>) ~ O/O(</a:t>
                       </a:r>
                       <a:r>
-                        <a:rPr lang="ko-KR" altLang="en-US" sz="1500" i="1" u="none" spc="-100" dirty="0" smtClean="0">
+                        <a:rPr lang="ko-KR" altLang="en-US" sz="1500" i="1" u="none" spc="-100" dirty="0">
                           <a:solidFill>
                             <a:schemeClr val="bg2">
                               <a:lumMod val="25000"/>
@@ -19351,7 +17846,7 @@
                         <a:t>금</a:t>
                       </a:r>
                       <a:r>
-                        <a:rPr lang="en-US" altLang="ko-KR" sz="1500" i="1" u="none" spc="-100" dirty="0" smtClean="0">
+                        <a:rPr lang="en-US" altLang="ko-KR" sz="1500" i="1" u="none" spc="-100" dirty="0">
                           <a:solidFill>
                             <a:schemeClr val="bg2">
                               <a:lumMod val="25000"/>
@@ -19360,7 +17855,7 @@
                         </a:rPr>
                         <a:t>)</a:t>
                       </a:r>
-                      <a:endParaRPr lang="en-US" altLang="ko-KR" sz="1500" b="0" i="1" u="none" spc="-100" dirty="0" smtClean="0">
+                      <a:endParaRPr lang="en-US" altLang="ko-KR" sz="1500" b="0" i="1" u="none" spc="-100" dirty="0">
                         <a:solidFill>
                           <a:schemeClr val="bg2">
                             <a:lumMod val="25000"/>
@@ -19429,7 +17924,7 @@
                         <a:buNone/>
                       </a:pPr>
                       <a:r>
-                        <a:rPr lang="ko-KR" altLang="en-US" sz="1500" b="1" spc="-100" dirty="0" smtClean="0">
+                        <a:rPr lang="ko-KR" altLang="en-US" sz="1500" b="1" spc="-100" dirty="0">
                           <a:ln w="12700">
                             <a:solidFill>
                               <a:srgbClr val="939597"/>
@@ -19452,7 +17947,7 @@
                         <a:t>▶ </a:t>
                       </a:r>
                       <a:r>
-                        <a:rPr lang="ko-KR" altLang="en-US" sz="1500" b="0" i="1" u="none" strike="noStrike" spc="-100" dirty="0" smtClean="0">
+                        <a:rPr lang="ko-KR" altLang="en-US" sz="1500" b="0" i="1" u="none" strike="noStrike" spc="-100" dirty="0">
                           <a:solidFill>
                             <a:schemeClr val="bg2">
                               <a:lumMod val="25000"/>
@@ -19464,7 +17959,7 @@
                         </a:rPr>
                         <a:t>모바일 서비스 시스템 설계</a:t>
                       </a:r>
-                      <a:endParaRPr lang="en-US" altLang="ko-KR" sz="1500" b="0" i="1" u="none" strike="noStrike" spc="-100" dirty="0" smtClean="0">
+                      <a:endParaRPr lang="en-US" altLang="ko-KR" sz="1500" b="0" i="1" u="none" strike="noStrike" spc="-100" dirty="0">
                         <a:solidFill>
                           <a:schemeClr val="bg2">
                             <a:lumMod val="25000"/>
@@ -19487,7 +17982,7 @@
                         <a:buNone/>
                       </a:pPr>
                       <a:r>
-                        <a:rPr lang="ko-KR" altLang="en-US" sz="1500" b="1" spc="-100" dirty="0" smtClean="0">
+                        <a:rPr lang="ko-KR" altLang="en-US" sz="1500" b="1" spc="-100" dirty="0">
                           <a:ln w="12700">
                             <a:solidFill>
                               <a:srgbClr val="939597"/>
@@ -19510,7 +18005,7 @@
                         <a:t>▶ </a:t>
                       </a:r>
                       <a:r>
-                        <a:rPr lang="ko-KR" altLang="en-US" sz="1500" b="0" i="1" u="none" strike="noStrike" spc="-100" dirty="0" smtClean="0">
+                        <a:rPr lang="ko-KR" altLang="en-US" sz="1500" b="0" i="1" u="none" strike="noStrike" spc="-100" dirty="0">
                           <a:solidFill>
                             <a:schemeClr val="bg2">
                               <a:lumMod val="25000"/>
@@ -19522,16 +18017,6 @@
                         </a:rPr>
                         <a:t>모바일 플랫폼 구현</a:t>
                       </a:r>
-                      <a:endParaRPr lang="ko-KR" altLang="en-US" sz="1500" b="0" i="1" u="none" strike="noStrike" spc="-100" dirty="0">
-                        <a:solidFill>
-                          <a:schemeClr val="bg2">
-                            <a:lumMod val="25000"/>
-                          </a:schemeClr>
-                        </a:solidFill>
-                        <a:effectLst/>
-                        <a:latin typeface="+mn-ea"/>
-                        <a:ea typeface="+mn-ea"/>
-                      </a:endParaRPr>
                     </a:p>
                   </a:txBody>
                   <a:tcPr marL="33437" marR="3915" marT="3915" marB="0" anchor="ctr">
@@ -19592,7 +18077,7 @@
                         <a:buNone/>
                       </a:pPr>
                       <a:r>
-                        <a:rPr lang="ko-KR" altLang="en-US" sz="1500" b="1" spc="-100" dirty="0" smtClean="0">
+                        <a:rPr lang="ko-KR" altLang="en-US" sz="1500" b="1" spc="-100" dirty="0">
                           <a:ln w="12700">
                             <a:solidFill>
                               <a:srgbClr val="939597"/>
@@ -19615,7 +18100,7 @@
                         <a:t>▶ </a:t>
                       </a:r>
                       <a:r>
-                        <a:rPr lang="ko-KR" altLang="en-US" sz="1500" i="1" u="none" strike="noStrike" spc="-100" dirty="0" smtClean="0">
+                        <a:rPr lang="ko-KR" altLang="en-US" sz="1500" i="1" u="none" strike="noStrike" spc="-100" dirty="0">
                           <a:solidFill>
                             <a:schemeClr val="bg2">
                               <a:lumMod val="25000"/>
@@ -19626,7 +18111,7 @@
                         <a:t>최적화</a:t>
                       </a:r>
                       <a:r>
-                        <a:rPr lang="en-US" altLang="ko-KR" sz="1500" i="1" u="none" strike="noStrike" spc="-100" dirty="0" smtClean="0">
+                        <a:rPr lang="en-US" altLang="ko-KR" sz="1500" i="1" u="none" strike="noStrike" spc="-100" dirty="0">
                           <a:solidFill>
                             <a:schemeClr val="bg2">
                               <a:lumMod val="25000"/>
@@ -19637,7 +18122,7 @@
                         <a:t>,</a:t>
                       </a:r>
                       <a:r>
-                        <a:rPr lang="en-US" altLang="ko-KR" sz="1500" i="1" u="none" strike="noStrike" spc="-100" baseline="0" dirty="0" smtClean="0">
+                        <a:rPr lang="en-US" altLang="ko-KR" sz="1500" i="1" u="none" strike="noStrike" spc="-100" baseline="0" dirty="0">
                           <a:solidFill>
                             <a:schemeClr val="bg2">
                               <a:lumMod val="25000"/>
@@ -19648,7 +18133,7 @@
                         <a:t> </a:t>
                       </a:r>
                       <a:r>
-                        <a:rPr lang="ko-KR" altLang="en-US" sz="1500" i="1" u="none" strike="noStrike" spc="-100" baseline="0" dirty="0" smtClean="0">
+                        <a:rPr lang="ko-KR" altLang="en-US" sz="1500" i="1" u="none" strike="noStrike" spc="-100" baseline="0" dirty="0">
                           <a:solidFill>
                             <a:schemeClr val="bg2">
                               <a:lumMod val="25000"/>
@@ -19742,7 +18227,7 @@
                         <a:defRPr/>
                       </a:pPr>
                       <a:r>
-                        <a:rPr kumimoji="0" lang="ko-KR" altLang="en-US" sz="1500" i="1" u="none" strike="noStrike" kern="1200" cap="none" spc="-100" normalizeH="0" baseline="0" noProof="0" dirty="0" smtClean="0">
+                        <a:rPr kumimoji="0" lang="ko-KR" altLang="en-US" sz="1500" i="1" u="none" strike="noStrike" kern="1200" cap="none" spc="-100" normalizeH="0" baseline="0" noProof="0" dirty="0">
                           <a:ln>
                             <a:noFill/>
                           </a:ln>
@@ -19757,7 +18242,7 @@
                         </a:rPr>
                         <a:t>총 개발기간</a:t>
                       </a:r>
-                      <a:endParaRPr kumimoji="0" lang="ko-KR" altLang="en-US" sz="1500" b="1" i="1" u="none" strike="noStrike" kern="1200" cap="none" spc="-100" normalizeH="0" baseline="0" noProof="0" dirty="0" smtClean="0">
+                      <a:endParaRPr kumimoji="0" lang="ko-KR" altLang="en-US" sz="1500" b="1" i="1" u="none" strike="noStrike" kern="1200" cap="none" spc="-100" normalizeH="0" baseline="0" noProof="0" dirty="0">
                         <a:ln>
                           <a:noFill/>
                         </a:ln>
@@ -19842,7 +18327,7 @@
                         <a:defRPr/>
                       </a:pPr>
                       <a:r>
-                        <a:rPr lang="ko-KR" altLang="en-US" sz="1500" b="1" spc="-100" dirty="0" smtClean="0">
+                        <a:rPr lang="ko-KR" altLang="en-US" sz="1500" b="1" spc="-100" dirty="0">
                           <a:ln w="12700">
                             <a:solidFill>
                               <a:srgbClr val="939597"/>
@@ -19865,7 +18350,7 @@
                         <a:t>▶ </a:t>
                       </a:r>
                       <a:r>
-                        <a:rPr lang="en-US" altLang="ko-KR" sz="1500" i="1" u="none" spc="-100" dirty="0" smtClean="0">
+                        <a:rPr lang="en-US" altLang="ko-KR" sz="1500" i="1" u="none" spc="-100" dirty="0">
                           <a:solidFill>
                             <a:schemeClr val="bg2">
                               <a:lumMod val="25000"/>
@@ -19875,7 +18360,7 @@
                         <a:t>O/O(</a:t>
                       </a:r>
                       <a:r>
-                        <a:rPr lang="ko-KR" altLang="en-US" sz="1500" i="1" u="none" spc="-100" dirty="0" smtClean="0">
+                        <a:rPr lang="ko-KR" altLang="en-US" sz="1500" i="1" u="none" spc="-100" dirty="0">
                           <a:solidFill>
                             <a:schemeClr val="bg2">
                               <a:lumMod val="25000"/>
@@ -19885,7 +18370,7 @@
                         <a:t>월</a:t>
                       </a:r>
                       <a:r>
-                        <a:rPr lang="en-US" altLang="ko-KR" sz="1500" i="1" u="none" spc="-100" dirty="0" smtClean="0">
+                        <a:rPr lang="en-US" altLang="ko-KR" sz="1500" i="1" u="none" spc="-100" dirty="0">
                           <a:solidFill>
                             <a:schemeClr val="bg2">
                               <a:lumMod val="25000"/>
@@ -19895,7 +18380,7 @@
                         <a:t>) ~ O/O(</a:t>
                       </a:r>
                       <a:r>
-                        <a:rPr lang="ko-KR" altLang="en-US" sz="1500" i="1" u="none" spc="-100" dirty="0" smtClean="0">
+                        <a:rPr lang="ko-KR" altLang="en-US" sz="1500" i="1" u="none" spc="-100" dirty="0">
                           <a:solidFill>
                             <a:schemeClr val="bg2">
                               <a:lumMod val="25000"/>
@@ -19905,7 +18390,7 @@
                         <a:t>금</a:t>
                       </a:r>
                       <a:r>
-                        <a:rPr lang="en-US" altLang="ko-KR" sz="1500" i="1" u="none" spc="-100" dirty="0" smtClean="0">
+                        <a:rPr lang="en-US" altLang="ko-KR" sz="1500" i="1" u="none" spc="-100" dirty="0">
                           <a:solidFill>
                             <a:schemeClr val="bg2">
                               <a:lumMod val="25000"/>
@@ -19915,7 +18400,7 @@
                         <a:t>)(</a:t>
                       </a:r>
                       <a:r>
-                        <a:rPr lang="ko-KR" altLang="en-US" sz="1500" i="1" u="none" spc="-100" dirty="0" smtClean="0">
+                        <a:rPr lang="ko-KR" altLang="en-US" sz="1500" i="1" u="none" spc="-100" dirty="0">
                           <a:solidFill>
                             <a:schemeClr val="bg2">
                               <a:lumMod val="25000"/>
@@ -19925,7 +18410,7 @@
                         <a:t>총 </a:t>
                       </a:r>
                       <a:r>
-                        <a:rPr lang="en-US" altLang="ko-KR" sz="1500" i="1" u="none" spc="-100" dirty="0" smtClean="0">
+                        <a:rPr lang="en-US" altLang="ko-KR" sz="1500" i="1" u="none" spc="-100" dirty="0">
                           <a:solidFill>
                             <a:schemeClr val="bg2">
                               <a:lumMod val="25000"/>
@@ -19935,7 +18420,7 @@
                         <a:t>7</a:t>
                       </a:r>
                       <a:r>
-                        <a:rPr lang="ko-KR" altLang="en-US" sz="1500" i="1" u="none" spc="-100" dirty="0" smtClean="0">
+                        <a:rPr lang="ko-KR" altLang="en-US" sz="1500" i="1" u="none" spc="-100" dirty="0">
                           <a:solidFill>
                             <a:schemeClr val="bg2">
                               <a:lumMod val="25000"/>
@@ -19945,7 +18430,7 @@
                         <a:t>주</a:t>
                       </a:r>
                       <a:r>
-                        <a:rPr lang="en-US" altLang="ko-KR" sz="1500" i="1" u="none" spc="-100" dirty="0" smtClean="0">
+                        <a:rPr lang="en-US" altLang="ko-KR" sz="1500" i="1" u="none" spc="-100" dirty="0">
                           <a:solidFill>
                             <a:schemeClr val="bg2">
                               <a:lumMod val="25000"/>
@@ -19954,7 +18439,7 @@
                         </a:rPr>
                         <a:t>)</a:t>
                       </a:r>
-                      <a:endParaRPr lang="en-US" altLang="ko-KR" sz="1500" b="0" i="1" u="none" spc="-100" dirty="0" smtClean="0">
+                      <a:endParaRPr lang="en-US" altLang="ko-KR" sz="1500" b="0" i="1" u="none" spc="-100" dirty="0">
                         <a:solidFill>
                           <a:schemeClr val="bg2">
                             <a:lumMod val="25000"/>
@@ -20025,7 +18510,7 @@
                         <a:buNone/>
                       </a:pPr>
                       <a:r>
-                        <a:rPr lang="en-US" altLang="ko-KR" sz="1500" i="1" u="none" strike="noStrike" spc="-100" dirty="0" smtClean="0">
+                        <a:rPr lang="en-US" altLang="ko-KR" sz="1500" i="1" u="none" strike="noStrike" spc="-100" dirty="0">
                           <a:solidFill>
                             <a:schemeClr val="bg2">
                               <a:lumMod val="25000"/>
@@ -20107,7 +18592,7 @@
                         <a:buNone/>
                       </a:pPr>
                       <a:r>
-                        <a:rPr lang="en-US" altLang="ko-KR" sz="1500" i="1" u="none" strike="noStrike" spc="-100" dirty="0" smtClean="0">
+                        <a:rPr lang="en-US" altLang="ko-KR" sz="1500" i="1" u="none" strike="noStrike" spc="-100" dirty="0">
                           <a:solidFill>
                             <a:schemeClr val="bg2">
                               <a:lumMod val="25000"/>
@@ -20206,7 +18691,7 @@
           <a:lstStyle/>
           <a:p>
             <a:r>
-              <a:rPr lang="ko-KR" altLang="en-US" sz="2800" b="1" dirty="0" smtClean="0">
+              <a:rPr lang="ko-KR" altLang="en-US" sz="2800" b="1" dirty="0">
                 <a:ln w="12700">
                   <a:solidFill>
                     <a:srgbClr val="939597"/>
@@ -20233,31 +18718,6 @@
               </a:rPr>
               <a:t>▶</a:t>
             </a:r>
-            <a:endParaRPr lang="ko-KR" altLang="en-US" sz="2800" b="1" dirty="0">
-              <a:ln w="12700">
-                <a:solidFill>
-                  <a:srgbClr val="939597"/>
-                </a:solidFill>
-                <a:prstDash val="solid"/>
-              </a:ln>
-              <a:pattFill prst="dkUpDiag">
-                <a:fgClr>
-                  <a:srgbClr val="939597"/>
-                </a:fgClr>
-                <a:bgClr>
-                  <a:schemeClr val="bg2">
-                    <a:lumMod val="90000"/>
-                  </a:schemeClr>
-                </a:bgClr>
-              </a:pattFill>
-              <a:effectLst>
-                <a:outerShdw dist="38100" dir="2640000" algn="bl" rotWithShape="0">
-                  <a:srgbClr val="939597"/>
-                </a:outerShdw>
-              </a:effectLst>
-              <a:latin typeface="HY견고딕" panose="02030600000101010101" pitchFamily="18" charset="-127"/>
-              <a:ea typeface="HY견고딕" panose="02030600000101010101" pitchFamily="18" charset="-127"/>
-            </a:endParaRPr>
           </a:p>
         </p:txBody>
       </p:sp>
@@ -20437,7 +18897,7 @@
               <a:t>03</a:t>
             </a:r>
             <a:r>
-              <a:rPr lang="en-US" altLang="ko-KR" sz="4000" b="1" dirty="0" smtClean="0">
+              <a:rPr lang="en-US" altLang="ko-KR" sz="4000" b="1" dirty="0">
                 <a:solidFill>
                   <a:srgbClr val="445569"/>
                 </a:solidFill>
@@ -20587,7 +19047,7 @@
               <a:defRPr/>
             </a:pPr>
             <a:r>
-              <a:rPr lang="ko-KR" altLang="en-US" sz="1600" spc="-150" dirty="0" smtClean="0">
+              <a:rPr lang="ko-KR" altLang="en-US" sz="1600" spc="-150" dirty="0">
                 <a:solidFill>
                   <a:schemeClr val="bg2">
                     <a:lumMod val="25000"/>
@@ -20595,10 +19055,10 @@
                 </a:solidFill>
                 <a:latin typeface="+mn-ea"/>
               </a:rPr>
-              <a:t>프로젝트 </a:t>
-            </a:r>
-            <a:r>
-              <a:rPr lang="ko-KR" altLang="en-US" sz="1600" spc="-150" dirty="0">
+              <a:t>프로젝트 수행 절차를 도식화하여 제시하거나</a:t>
+            </a:r>
+            <a:r>
+              <a:rPr lang="en-US" altLang="ko-KR" sz="1600" spc="-150" dirty="0">
                 <a:solidFill>
                   <a:schemeClr val="bg2">
                     <a:lumMod val="25000"/>
@@ -20606,10 +19066,10 @@
                 </a:solidFill>
                 <a:latin typeface="+mn-ea"/>
               </a:rPr>
-              <a:t>수행 절차를 도식화하여 제시하거나</a:t>
-            </a:r>
-            <a:r>
-              <a:rPr lang="en-US" altLang="ko-KR" sz="1600" spc="-150" dirty="0">
+              <a:t>, </a:t>
+            </a:r>
+            <a:r>
+              <a:rPr lang="ko-KR" altLang="en-US" sz="1600" spc="-150" dirty="0">
                 <a:solidFill>
                   <a:schemeClr val="bg2">
                     <a:lumMod val="25000"/>
@@ -20617,10 +19077,10 @@
                 </a:solidFill>
                 <a:latin typeface="+mn-ea"/>
               </a:rPr>
-              <a:t>, </a:t>
-            </a:r>
-            <a:r>
-              <a:rPr lang="ko-KR" altLang="en-US" sz="1600" spc="-150" dirty="0">
+              <a:t>더 효과적으로 전달하는 방법 등이 있다면</a:t>
+            </a:r>
+            <a:r>
+              <a:rPr lang="en-US" altLang="ko-KR" sz="1600" spc="-150" dirty="0">
                 <a:solidFill>
                   <a:schemeClr val="bg2">
                     <a:lumMod val="25000"/>
@@ -20628,10 +19088,10 @@
                 </a:solidFill>
                 <a:latin typeface="+mn-ea"/>
               </a:rPr>
-              <a:t>더 효과적으로 전달하는 방법 등이 </a:t>
-            </a:r>
-            <a:r>
-              <a:rPr lang="ko-KR" altLang="en-US" sz="1600" spc="-150" dirty="0" smtClean="0">
+              <a:t> </a:t>
+            </a:r>
+            <a:r>
+              <a:rPr lang="ko-KR" altLang="en-US" sz="1600" spc="-150" dirty="0">
                 <a:solidFill>
                   <a:schemeClr val="bg2">
                     <a:lumMod val="25000"/>
@@ -20639,53 +19099,9 @@
                 </a:solidFill>
                 <a:latin typeface="+mn-ea"/>
               </a:rPr>
-              <a:t>있다면</a:t>
-            </a:r>
-            <a:r>
-              <a:rPr lang="en-US" altLang="ko-KR" sz="1600" spc="-150" dirty="0">
-                <a:solidFill>
-                  <a:schemeClr val="bg2">
-                    <a:lumMod val="25000"/>
-                  </a:schemeClr>
-                </a:solidFill>
-                <a:latin typeface="+mn-ea"/>
-              </a:rPr>
-              <a:t> </a:t>
-            </a:r>
-            <a:r>
-              <a:rPr lang="ko-KR" altLang="en-US" sz="1600" spc="-150" dirty="0" smtClean="0">
-                <a:solidFill>
-                  <a:schemeClr val="bg2">
-                    <a:lumMod val="25000"/>
-                  </a:schemeClr>
-                </a:solidFill>
-                <a:latin typeface="+mn-ea"/>
-              </a:rPr>
-              <a:t>수정하여 </a:t>
-            </a:r>
-            <a:r>
-              <a:rPr lang="ko-KR" altLang="en-US" sz="1600" spc="-150" dirty="0">
-                <a:solidFill>
-                  <a:schemeClr val="bg2">
-                    <a:lumMod val="25000"/>
-                  </a:schemeClr>
-                </a:solidFill>
-                <a:latin typeface="+mn-ea"/>
-              </a:rPr>
-              <a:t>작성 </a:t>
-            </a:r>
-            <a:r>
-              <a:rPr lang="ko-KR" altLang="en-US" sz="1600" spc="-150" dirty="0" smtClean="0">
-                <a:solidFill>
-                  <a:schemeClr val="bg2">
-                    <a:lumMod val="25000"/>
-                  </a:schemeClr>
-                </a:solidFill>
-                <a:latin typeface="+mn-ea"/>
-              </a:rPr>
-              <a:t>가능</a:t>
-            </a:r>
-            <a:endParaRPr lang="en-US" altLang="ko-KR" sz="1600" spc="-150" dirty="0" smtClean="0">
+              <a:t>수정하여 작성 가능</a:t>
+            </a:r>
+            <a:endParaRPr lang="en-US" altLang="ko-KR" sz="1600" spc="-150" dirty="0">
               <a:solidFill>
                 <a:schemeClr val="bg2">
                   <a:lumMod val="25000"/>
@@ -20706,13 +19122,6 @@
   <p:clrMapOvr>
     <a:masterClrMapping/>
   </p:clrMapOvr>
-  <p:timing>
-    <p:tnLst>
-      <p:par>
-        <p:cTn id="1" dur="indefinite" restart="never" nodeType="tmRoot"/>
-      </p:par>
-    </p:tnLst>
-  </p:timing>
 </p:sld>
 </file>
 
@@ -20846,7 +19255,7 @@
               <a:defRPr/>
             </a:pPr>
             <a:r>
-              <a:rPr lang="ko-KR" altLang="en-US" sz="1600" spc="-100" dirty="0" smtClean="0">
+              <a:rPr lang="ko-KR" altLang="en-US" sz="1600" spc="-100" dirty="0">
                 <a:solidFill>
                   <a:schemeClr val="bg2">
                     <a:lumMod val="25000"/>
@@ -20855,10 +19264,10 @@
                 <a:latin typeface="+mn-ea"/>
                 <a:ea typeface="+mn-ea"/>
               </a:rPr>
-              <a:t>예시는 </a:t>
-            </a:r>
-            <a:r>
-              <a:rPr lang="ko-KR" altLang="en-US" sz="1600" spc="-100" dirty="0">
+              <a:t>예시는 하나의 사례로 간단하게 제시한 것이므로 프로젝트의 성격에 따라 보다 자세하게 기록하며</a:t>
+            </a:r>
+            <a:r>
+              <a:rPr lang="en-US" altLang="ko-KR" sz="1600" spc="-100" dirty="0">
                 <a:solidFill>
                   <a:schemeClr val="bg2">
                     <a:lumMod val="25000"/>
@@ -20867,10 +19276,10 @@
                 <a:latin typeface="+mn-ea"/>
                 <a:ea typeface="+mn-ea"/>
               </a:rPr>
-              <a:t>하나의 사례로 간단하게 제시한 것이므로 프로젝트의 성격에 따라 보다 </a:t>
-            </a:r>
-            <a:r>
-              <a:rPr lang="ko-KR" altLang="en-US" sz="1600" spc="-100" dirty="0" smtClean="0">
+              <a:t>, </a:t>
+            </a:r>
+            <a:r>
+              <a:rPr lang="ko-KR" altLang="en-US" sz="1600" spc="-100" dirty="0">
                 <a:solidFill>
                   <a:schemeClr val="bg2">
                     <a:lumMod val="25000"/>
@@ -20879,10 +19288,10 @@
                 <a:latin typeface="+mn-ea"/>
                 <a:ea typeface="+mn-ea"/>
               </a:rPr>
-              <a:t>자세하게 </a:t>
-            </a:r>
-            <a:r>
-              <a:rPr lang="ko-KR" altLang="en-US" sz="1600" spc="-100" dirty="0">
+              <a:t>결과를 서술하는 과정에서는 활용된 기술</a:t>
+            </a:r>
+            <a:r>
+              <a:rPr lang="en-US" altLang="ko-KR" sz="1600" spc="-100" dirty="0">
                 <a:solidFill>
                   <a:schemeClr val="bg2">
                     <a:lumMod val="25000"/>
@@ -20891,10 +19300,10 @@
                 <a:latin typeface="+mn-ea"/>
                 <a:ea typeface="+mn-ea"/>
               </a:rPr>
-              <a:t>기록하며</a:t>
-            </a:r>
-            <a:r>
-              <a:rPr lang="en-US" altLang="ko-KR" sz="1600" spc="-100" dirty="0">
+              <a:t>(</a:t>
+            </a:r>
+            <a:r>
+              <a:rPr lang="ko-KR" altLang="en-US" sz="1600" spc="-100" dirty="0">
                 <a:solidFill>
                   <a:schemeClr val="bg2">
                     <a:lumMod val="25000"/>
@@ -20903,10 +19312,10 @@
                 <a:latin typeface="+mn-ea"/>
                 <a:ea typeface="+mn-ea"/>
               </a:rPr>
-              <a:t>, </a:t>
-            </a:r>
-            <a:r>
-              <a:rPr lang="ko-KR" altLang="en-US" sz="1600" spc="-100" dirty="0">
+              <a:t>구현 방법</a:t>
+            </a:r>
+            <a:r>
+              <a:rPr lang="en-US" altLang="ko-KR" sz="1600" spc="-100" dirty="0">
                 <a:solidFill>
                   <a:schemeClr val="bg2">
                     <a:lumMod val="25000"/>
@@ -20915,10 +19324,10 @@
                 <a:latin typeface="+mn-ea"/>
                 <a:ea typeface="+mn-ea"/>
               </a:rPr>
-              <a:t>결과를 서술하는 </a:t>
-            </a:r>
-            <a:r>
-              <a:rPr lang="ko-KR" altLang="en-US" sz="1600" spc="-100" dirty="0" smtClean="0">
+              <a:t>), </a:t>
+            </a:r>
+            <a:r>
+              <a:rPr lang="ko-KR" altLang="en-US" sz="1600" spc="-100" dirty="0">
                 <a:solidFill>
                   <a:schemeClr val="bg2">
                     <a:lumMod val="25000"/>
@@ -20927,10 +19336,10 @@
                 <a:latin typeface="+mn-ea"/>
                 <a:ea typeface="+mn-ea"/>
               </a:rPr>
-              <a:t>과정에서는 활용된 기술</a:t>
-            </a:r>
-            <a:r>
-              <a:rPr lang="en-US" altLang="ko-KR" sz="1600" spc="-100" dirty="0" smtClean="0">
+              <a:t>핵심기능</a:t>
+            </a:r>
+            <a:r>
+              <a:rPr lang="en-US" altLang="ko-KR" sz="1600" spc="-100" dirty="0">
                 <a:solidFill>
                   <a:schemeClr val="bg2">
                     <a:lumMod val="25000"/>
@@ -20939,10 +19348,10 @@
                 <a:latin typeface="+mn-ea"/>
                 <a:ea typeface="+mn-ea"/>
               </a:rPr>
-              <a:t>(</a:t>
-            </a:r>
-            <a:r>
-              <a:rPr lang="ko-KR" altLang="en-US" sz="1600" spc="-100" dirty="0" smtClean="0">
+              <a:t>, </a:t>
+            </a:r>
+            <a:r>
+              <a:rPr lang="ko-KR" altLang="en-US" sz="1600" spc="-100" dirty="0">
                 <a:solidFill>
                   <a:schemeClr val="bg2">
                     <a:lumMod val="25000"/>
@@ -20951,10 +19360,10 @@
                 <a:latin typeface="+mn-ea"/>
                 <a:ea typeface="+mn-ea"/>
               </a:rPr>
-              <a:t>구현 방법</a:t>
-            </a:r>
-            <a:r>
-              <a:rPr lang="en-US" altLang="ko-KR" sz="1600" spc="-100" dirty="0" smtClean="0">
+              <a:t>검증 결과</a:t>
+            </a:r>
+            <a:r>
+              <a:rPr lang="en-US" altLang="ko-KR" sz="1600" spc="-100" dirty="0">
                 <a:solidFill>
                   <a:schemeClr val="bg2">
                     <a:lumMod val="25000"/>
@@ -20963,10 +19372,10 @@
                 <a:latin typeface="+mn-ea"/>
                 <a:ea typeface="+mn-ea"/>
               </a:rPr>
-              <a:t>), </a:t>
-            </a:r>
-            <a:r>
-              <a:rPr lang="ko-KR" altLang="en-US" sz="1600" spc="-100" dirty="0" smtClean="0">
+              <a:t>*</a:t>
+            </a:r>
+            <a:r>
+              <a:rPr lang="ko-KR" altLang="en-US" sz="1600" spc="-100" dirty="0">
                 <a:solidFill>
                   <a:schemeClr val="bg2">
                     <a:lumMod val="25000"/>
@@ -20975,10 +19384,10 @@
                 <a:latin typeface="+mn-ea"/>
                 <a:ea typeface="+mn-ea"/>
               </a:rPr>
-              <a:t>핵심기능</a:t>
-            </a:r>
-            <a:r>
-              <a:rPr lang="en-US" altLang="ko-KR" sz="1600" spc="-100" dirty="0" smtClean="0">
+              <a:t> 등을 상세히 기재한다</a:t>
+            </a:r>
+            <a:r>
+              <a:rPr lang="en-US" altLang="ko-KR" sz="1600" spc="-100" dirty="0">
                 <a:solidFill>
                   <a:schemeClr val="bg2">
                     <a:lumMod val="25000"/>
@@ -20987,57 +19396,9 @@
                 <a:latin typeface="+mn-ea"/>
                 <a:ea typeface="+mn-ea"/>
               </a:rPr>
-              <a:t>, </a:t>
-            </a:r>
-            <a:r>
-              <a:rPr lang="ko-KR" altLang="en-US" sz="1600" spc="-100" dirty="0" smtClean="0">
-                <a:solidFill>
-                  <a:schemeClr val="bg2">
-                    <a:lumMod val="25000"/>
-                  </a:schemeClr>
-                </a:solidFill>
-                <a:latin typeface="+mn-ea"/>
-                <a:ea typeface="+mn-ea"/>
-              </a:rPr>
-              <a:t>검증 결과</a:t>
-            </a:r>
-            <a:r>
-              <a:rPr lang="en-US" altLang="ko-KR" sz="1600" spc="-100" dirty="0" smtClean="0">
-                <a:solidFill>
-                  <a:schemeClr val="bg2">
-                    <a:lumMod val="25000"/>
-                  </a:schemeClr>
-                </a:solidFill>
-                <a:latin typeface="+mn-ea"/>
-                <a:ea typeface="+mn-ea"/>
-              </a:rPr>
-              <a:t>*</a:t>
-            </a:r>
-            <a:r>
-              <a:rPr lang="ko-KR" altLang="en-US" sz="1600" spc="-100" dirty="0" smtClean="0">
-                <a:solidFill>
-                  <a:schemeClr val="bg2">
-                    <a:lumMod val="25000"/>
-                  </a:schemeClr>
-                </a:solidFill>
-                <a:latin typeface="+mn-ea"/>
-                <a:ea typeface="+mn-ea"/>
-              </a:rPr>
-              <a:t> 등을 상세히 기재한다</a:t>
-            </a:r>
-            <a:r>
-              <a:rPr lang="en-US" altLang="ko-KR" sz="1600" spc="-100" dirty="0" smtClean="0">
-                <a:solidFill>
-                  <a:schemeClr val="bg2">
-                    <a:lumMod val="25000"/>
-                  </a:schemeClr>
-                </a:solidFill>
-                <a:latin typeface="+mn-ea"/>
-                <a:ea typeface="+mn-ea"/>
-              </a:rPr>
               <a:t>.</a:t>
             </a:r>
-            <a:endParaRPr lang="en-US" altLang="ko-KR" sz="1600" spc="-100" dirty="0" smtClean="0">
+            <a:endParaRPr lang="en-US" altLang="ko-KR" sz="1600" spc="-100" dirty="0">
               <a:solidFill>
                 <a:schemeClr val="bg2">
                   <a:lumMod val="25000"/>
@@ -21062,10 +19423,10 @@
                 </a:solidFill>
                 <a:latin typeface="+mn-ea"/>
               </a:rPr>
-              <a:t> </a:t>
-            </a:r>
-            <a:r>
-              <a:rPr lang="en-US" altLang="ko-KR" sz="1600" spc="-100" dirty="0" smtClean="0">
+              <a:t>   * </a:t>
+            </a:r>
+            <a:r>
+              <a:rPr lang="ko-KR" altLang="en-US" sz="1600" spc="-100" dirty="0">
                 <a:solidFill>
                   <a:schemeClr val="bg2">
                     <a:lumMod val="25000"/>
@@ -21073,10 +19434,10 @@
                 </a:solidFill>
                 <a:latin typeface="+mn-ea"/>
               </a:rPr>
-              <a:t>  * </a:t>
-            </a:r>
-            <a:r>
-              <a:rPr lang="ko-KR" altLang="en-US" sz="1600" spc="-100" dirty="0" smtClean="0">
+              <a:t>예</a:t>
+            </a:r>
+            <a:r>
+              <a:rPr lang="en-US" altLang="ko-KR" sz="1600" spc="-100" dirty="0">
                 <a:solidFill>
                   <a:schemeClr val="bg2">
                     <a:lumMod val="25000"/>
@@ -21084,10 +19445,10 @@
                 </a:solidFill>
                 <a:latin typeface="+mn-ea"/>
               </a:rPr>
-              <a:t>예</a:t>
-            </a:r>
-            <a:r>
-              <a:rPr lang="en-US" altLang="ko-KR" sz="1600" spc="-100" dirty="0">
+              <a:t>. </a:t>
+            </a:r>
+            <a:r>
+              <a:rPr lang="ko-KR" altLang="en-US" sz="1600" spc="-100" dirty="0" err="1">
                 <a:solidFill>
                   <a:schemeClr val="bg2">
                     <a:lumMod val="25000"/>
@@ -21095,10 +19456,10 @@
                 </a:solidFill>
                 <a:latin typeface="+mn-ea"/>
               </a:rPr>
-              <a:t>. </a:t>
-            </a:r>
-            <a:r>
-              <a:rPr lang="ko-KR" altLang="en-US" sz="1600" spc="-100" dirty="0" err="1">
+              <a:t>빅데이터</a:t>
+            </a:r>
+            <a:r>
+              <a:rPr lang="ko-KR" altLang="en-US" sz="1600" spc="-100" dirty="0">
                 <a:solidFill>
                   <a:schemeClr val="bg2">
                     <a:lumMod val="25000"/>
@@ -21106,29 +19467,7 @@
                 </a:solidFill>
                 <a:latin typeface="+mn-ea"/>
               </a:rPr>
-              <a:t>빅데이터</a:t>
-            </a:r>
-            <a:r>
-              <a:rPr lang="ko-KR" altLang="en-US" sz="1600" spc="-100" dirty="0">
-                <a:solidFill>
-                  <a:schemeClr val="bg2">
-                    <a:lumMod val="25000"/>
-                  </a:schemeClr>
-                </a:solidFill>
-                <a:latin typeface="+mn-ea"/>
-              </a:rPr>
-              <a:t> 직종의 경우 정확도 </a:t>
-            </a:r>
-            <a:r>
-              <a:rPr lang="ko-KR" altLang="en-US" sz="1600" spc="-100" dirty="0" smtClean="0">
-                <a:solidFill>
-                  <a:schemeClr val="bg2">
-                    <a:lumMod val="25000"/>
-                  </a:schemeClr>
-                </a:solidFill>
-                <a:latin typeface="+mn-ea"/>
-              </a:rPr>
-              <a:t>등</a:t>
+              <a:t> 직종의 경우 정확도 등</a:t>
             </a:r>
             <a:endParaRPr lang="en-US" altLang="ko-KR" sz="1600" spc="-100" dirty="0">
               <a:solidFill>
@@ -21317,7 +19656,7 @@
               <a:t>04</a:t>
             </a:r>
             <a:r>
-              <a:rPr lang="en-US" altLang="ko-KR" sz="4000" b="1" dirty="0" smtClean="0">
+              <a:rPr lang="en-US" altLang="ko-KR" sz="4000" b="1" dirty="0">
                 <a:solidFill>
                   <a:srgbClr val="445569"/>
                 </a:solidFill>
@@ -21459,7 +19798,7 @@
           <a:lstStyle/>
           <a:p>
             <a:r>
-              <a:rPr lang="ko-KR" altLang="en-US" sz="2800" b="1" dirty="0" smtClean="0">
+              <a:rPr lang="ko-KR" altLang="en-US" sz="2800" b="1" dirty="0">
                 <a:ln w="12700">
                   <a:solidFill>
                     <a:srgbClr val="939597"/>
@@ -21486,31 +19825,6 @@
               </a:rPr>
               <a:t>▶</a:t>
             </a:r>
-            <a:endParaRPr lang="ko-KR" altLang="en-US" sz="2800" b="1" dirty="0">
-              <a:ln w="12700">
-                <a:solidFill>
-                  <a:srgbClr val="939597"/>
-                </a:solidFill>
-                <a:prstDash val="solid"/>
-              </a:ln>
-              <a:pattFill prst="dkUpDiag">
-                <a:fgClr>
-                  <a:srgbClr val="939597"/>
-                </a:fgClr>
-                <a:bgClr>
-                  <a:schemeClr val="bg2">
-                    <a:lumMod val="90000"/>
-                  </a:schemeClr>
-                </a:bgClr>
-              </a:pattFill>
-              <a:effectLst>
-                <a:outerShdw dist="38100" dir="2640000" algn="bl" rotWithShape="0">
-                  <a:srgbClr val="939597"/>
-                </a:outerShdw>
-              </a:effectLst>
-              <a:latin typeface="HY견고딕" panose="02030600000101010101" pitchFamily="18" charset="-127"/>
-              <a:ea typeface="HY견고딕" panose="02030600000101010101" pitchFamily="18" charset="-127"/>
-            </a:endParaRPr>
           </a:p>
         </p:txBody>
       </p:sp>
@@ -21621,7 +19935,7 @@
               <a:defRPr/>
             </a:pPr>
             <a:r>
-              <a:rPr lang="ko-KR" altLang="en-US" sz="1600" spc="-100" dirty="0" smtClean="0">
+              <a:rPr lang="ko-KR" altLang="en-US" sz="1600" spc="-100" dirty="0">
                 <a:solidFill>
                   <a:schemeClr val="bg2">
                     <a:lumMod val="25000"/>
@@ -21630,33 +19944,9 @@
                 <a:latin typeface="+mn-ea"/>
                 <a:ea typeface="+mn-ea"/>
               </a:rPr>
-              <a:t>프로젝트의 </a:t>
-            </a:r>
-            <a:r>
-              <a:rPr lang="ko-KR" altLang="en-US" sz="1600" spc="-100" dirty="0">
-                <a:solidFill>
-                  <a:schemeClr val="bg2">
-                    <a:lumMod val="25000"/>
-                  </a:schemeClr>
-                </a:solidFill>
-                <a:latin typeface="+mn-ea"/>
-                <a:ea typeface="+mn-ea"/>
-              </a:rPr>
-              <a:t>결과는 그 과정이 잘 드러날 수 있도록 가공 과정부터 활용까지 전체적인 프로세스를 확인할 수 있도록 단계별로 </a:t>
-            </a:r>
-            <a:r>
-              <a:rPr lang="ko-KR" altLang="en-US" sz="1600" spc="-100" dirty="0" smtClean="0">
-                <a:solidFill>
-                  <a:schemeClr val="bg2">
-                    <a:lumMod val="25000"/>
-                  </a:schemeClr>
-                </a:solidFill>
-                <a:latin typeface="+mn-ea"/>
-                <a:ea typeface="+mn-ea"/>
-              </a:rPr>
-              <a:t>작성</a:t>
-            </a:r>
-            <a:endParaRPr lang="en-US" altLang="ko-KR" sz="1600" spc="-100" dirty="0" smtClean="0">
+              <a:t>프로젝트의 결과는 그 과정이 잘 드러날 수 있도록 가공 과정부터 활용까지 전체적인 프로세스를 확인할 수 있도록 단계별로 작성</a:t>
+            </a:r>
+            <a:endParaRPr lang="en-US" altLang="ko-KR" sz="1600" spc="-100" dirty="0">
               <a:solidFill>
                 <a:schemeClr val="bg2">
                   <a:lumMod val="25000"/>
@@ -21674,7 +19964,7 @@
               <a:defRPr/>
             </a:pPr>
             <a:r>
-              <a:rPr lang="en-US" altLang="ko-KR" sz="1600" spc="-100" dirty="0" smtClean="0">
+              <a:rPr lang="en-US" altLang="ko-KR" sz="1600" spc="-100" dirty="0">
                 <a:solidFill>
                   <a:schemeClr val="bg2">
                     <a:lumMod val="25000"/>
@@ -21683,10 +19973,10 @@
                 <a:latin typeface="+mn-ea"/>
                 <a:ea typeface="+mn-ea"/>
               </a:rPr>
-              <a:t>     </a:t>
-            </a:r>
-            <a:r>
-              <a:rPr lang="en-US" altLang="ko-KR" sz="1600" spc="-100" dirty="0">
+              <a:t>     * </a:t>
+            </a:r>
+            <a:r>
+              <a:rPr lang="ko-KR" altLang="en-US" sz="1600" spc="-100" dirty="0">
                 <a:solidFill>
                   <a:schemeClr val="bg2">
                     <a:lumMod val="25000"/>
@@ -21695,10 +19985,10 @@
                 <a:latin typeface="+mn-ea"/>
                 <a:ea typeface="+mn-ea"/>
               </a:rPr>
-              <a:t>* </a:t>
-            </a:r>
-            <a:r>
-              <a:rPr lang="ko-KR" altLang="en-US" sz="1600" spc="-100" dirty="0">
+              <a:t>첨부 자료 예시</a:t>
+            </a:r>
+            <a:r>
+              <a:rPr lang="en-US" altLang="ko-KR" sz="1600" spc="-100" dirty="0">
                 <a:solidFill>
                   <a:schemeClr val="bg2">
                     <a:lumMod val="25000"/>
@@ -21707,10 +19997,10 @@
                 <a:latin typeface="+mn-ea"/>
                 <a:ea typeface="+mn-ea"/>
               </a:rPr>
-              <a:t>첨부 자료 예시</a:t>
-            </a:r>
-            <a:r>
-              <a:rPr lang="en-US" altLang="ko-KR" sz="1600" spc="-100" dirty="0">
+              <a:t>: </a:t>
+            </a:r>
+            <a:r>
+              <a:rPr lang="ko-KR" altLang="en-US" sz="1600" spc="-100" dirty="0">
                 <a:solidFill>
                   <a:schemeClr val="bg2">
                     <a:lumMod val="25000"/>
@@ -21719,10 +20009,10 @@
                 <a:latin typeface="+mn-ea"/>
                 <a:ea typeface="+mn-ea"/>
               </a:rPr>
-              <a:t>: </a:t>
-            </a:r>
-            <a:r>
-              <a:rPr lang="ko-KR" altLang="en-US" sz="1600" spc="-100" dirty="0">
+              <a:t>결과물 사진</a:t>
+            </a:r>
+            <a:r>
+              <a:rPr lang="en-US" altLang="ko-KR" sz="1600" spc="-100" dirty="0">
                 <a:solidFill>
                   <a:schemeClr val="bg2">
                     <a:lumMod val="25000"/>
@@ -21731,10 +20021,10 @@
                 <a:latin typeface="+mn-ea"/>
                 <a:ea typeface="+mn-ea"/>
               </a:rPr>
-              <a:t>결과물 사진</a:t>
-            </a:r>
-            <a:r>
-              <a:rPr lang="en-US" altLang="ko-KR" sz="1600" spc="-100" dirty="0">
+              <a:t>, </a:t>
+            </a:r>
+            <a:r>
+              <a:rPr lang="ko-KR" altLang="en-US" sz="1600" spc="-100" dirty="0">
                 <a:solidFill>
                   <a:schemeClr val="bg2">
                     <a:lumMod val="25000"/>
@@ -21743,43 +20033,7 @@
                 <a:latin typeface="+mn-ea"/>
                 <a:ea typeface="+mn-ea"/>
               </a:rPr>
-              <a:t>, </a:t>
-            </a:r>
-            <a:r>
-              <a:rPr lang="ko-KR" altLang="en-US" sz="1600" spc="-100" dirty="0">
-                <a:solidFill>
-                  <a:schemeClr val="bg2">
-                    <a:lumMod val="25000"/>
-                  </a:schemeClr>
-                </a:solidFill>
-                <a:latin typeface="+mn-ea"/>
-                <a:ea typeface="+mn-ea"/>
-              </a:rPr>
-              <a:t>시연 동영상 등 프로젝트의 우수성이 </a:t>
-            </a:r>
-            <a:r>
-              <a:rPr lang="ko-KR" altLang="en-US" sz="1600" spc="-100" dirty="0" smtClean="0">
-                <a:solidFill>
-                  <a:schemeClr val="bg2">
-                    <a:lumMod val="25000"/>
-                  </a:schemeClr>
-                </a:solidFill>
-                <a:latin typeface="+mn-ea"/>
-                <a:ea typeface="+mn-ea"/>
-              </a:rPr>
-              <a:t>드러날 </a:t>
-            </a:r>
-            <a:r>
-              <a:rPr lang="ko-KR" altLang="en-US" sz="1600" spc="-100" dirty="0">
-                <a:solidFill>
-                  <a:schemeClr val="bg2">
-                    <a:lumMod val="25000"/>
-                  </a:schemeClr>
-                </a:solidFill>
-                <a:latin typeface="+mn-ea"/>
-                <a:ea typeface="+mn-ea"/>
-              </a:rPr>
-              <a:t>수 있는 자료</a:t>
+              <a:t>시연 동영상 등 프로젝트의 우수성이 드러날 수 있는 자료</a:t>
             </a:r>
           </a:p>
         </p:txBody>
@@ -21794,13 +20048,6 @@
   <p:clrMapOvr>
     <a:masterClrMapping/>
   </p:clrMapOvr>
-  <p:timing>
-    <p:tnLst>
-      <p:par>
-        <p:cTn id="1" dur="indefinite" restart="never" nodeType="tmRoot"/>
-      </p:par>
-    </p:tnLst>
-  </p:timing>
 </p:sld>
 </file>
 
@@ -21950,26 +20197,14 @@
                 <a:latin typeface="+mn-ea"/>
                 <a:ea typeface="+mn-ea"/>
               </a:rPr>
-              <a:t>(Train/dev set</a:t>
-            </a:r>
-            <a:r>
-              <a:rPr lang="en-US" altLang="ko-KR" b="1" spc="-100" dirty="0" smtClean="0">
-                <a:solidFill>
-                  <a:schemeClr val="bg2">
-                    <a:lumMod val="25000"/>
-                  </a:schemeClr>
-                </a:solidFill>
-                <a:latin typeface="+mn-ea"/>
-                <a:ea typeface="+mn-ea"/>
-              </a:rPr>
-              <a:t>)</a:t>
+              <a:t>(Train/dev set)</a:t>
             </a:r>
           </a:p>
           <a:p>
             <a:pPr>
               <a:defRPr/>
             </a:pPr>
-            <a:endParaRPr lang="en-US" altLang="ko-KR" sz="1600" b="1" spc="-100" dirty="0" smtClean="0">
+            <a:endParaRPr lang="en-US" altLang="ko-KR" sz="1600" b="1" spc="-100" dirty="0">
               <a:solidFill>
                 <a:schemeClr val="bg2">
                   <a:lumMod val="25000"/>
@@ -22046,7 +20281,7 @@
               <a:defRPr/>
             </a:pPr>
             <a:r>
-              <a:rPr lang="en-US" altLang="ko-KR" sz="1600" spc="-100" dirty="0" smtClean="0">
+              <a:rPr lang="en-US" altLang="ko-KR" sz="1600" spc="-100" dirty="0">
                 <a:solidFill>
                   <a:schemeClr val="bg2">
                     <a:lumMod val="25000"/>
@@ -22054,10 +20289,10 @@
                 </a:solidFill>
                 <a:latin typeface="+mn-ea"/>
               </a:rPr>
-              <a:t>Tokenizing </a:t>
-            </a:r>
-            <a:r>
-              <a:rPr lang="en-US" altLang="ko-KR" sz="1600" spc="-100" dirty="0">
+              <a:t>Tokenizing : </a:t>
+            </a:r>
+            <a:r>
+              <a:rPr lang="en-US" altLang="ko-KR" sz="1600" spc="-100" dirty="0" err="1">
                 <a:solidFill>
                   <a:schemeClr val="bg2">
                     <a:lumMod val="25000"/>
@@ -22065,20 +20300,9 @@
                 </a:solidFill>
                 <a:latin typeface="+mn-ea"/>
               </a:rPr>
-              <a:t>: </a:t>
-            </a:r>
-            <a:r>
-              <a:rPr lang="en-US" altLang="ko-KR" sz="1600" spc="-100" dirty="0" err="1" smtClean="0">
-                <a:solidFill>
-                  <a:schemeClr val="bg2">
-                    <a:lumMod val="25000"/>
-                  </a:schemeClr>
-                </a:solidFill>
-                <a:latin typeface="+mn-ea"/>
-              </a:rPr>
               <a:t>Okt</a:t>
             </a:r>
-            <a:endParaRPr lang="en-US" altLang="ko-KR" sz="1600" spc="-100" dirty="0" smtClean="0">
+            <a:endParaRPr lang="en-US" altLang="ko-KR" sz="1600" spc="-100" dirty="0">
               <a:solidFill>
                 <a:schemeClr val="bg2">
                   <a:lumMod val="25000"/>
@@ -22097,7 +20321,7 @@
               <a:defRPr/>
             </a:pPr>
             <a:r>
-              <a:rPr lang="en-US" altLang="ko-KR" sz="1600" spc="-100" dirty="0" smtClean="0">
+              <a:rPr lang="en-US" altLang="ko-KR" sz="1600" spc="-100" dirty="0">
                 <a:solidFill>
                   <a:schemeClr val="bg2">
                     <a:lumMod val="25000"/>
@@ -22105,10 +20329,10 @@
                 </a:solidFill>
                 <a:latin typeface="+mn-ea"/>
               </a:rPr>
-              <a:t>Regular </a:t>
-            </a:r>
-            <a:r>
-              <a:rPr lang="en-US" altLang="ko-KR" sz="1600" spc="-100" dirty="0">
+              <a:t>Regular Expression : </a:t>
+            </a:r>
+            <a:r>
+              <a:rPr lang="ko-KR" altLang="en-US" sz="1600" spc="-100" dirty="0" err="1">
                 <a:solidFill>
                   <a:schemeClr val="bg2">
                     <a:lumMod val="25000"/>
@@ -22116,10 +20340,10 @@
                 </a:solidFill>
                 <a:latin typeface="+mn-ea"/>
               </a:rPr>
-              <a:t>Expression : </a:t>
-            </a:r>
-            <a:r>
-              <a:rPr lang="ko-KR" altLang="en-US" sz="1600" spc="-100" dirty="0" err="1">
+              <a:t>불용어가</a:t>
+            </a:r>
+            <a:r>
+              <a:rPr lang="ko-KR" altLang="en-US" sz="1600" spc="-100" dirty="0">
                 <a:solidFill>
                   <a:schemeClr val="bg2">
                     <a:lumMod val="25000"/>
@@ -22127,10 +20351,10 @@
                 </a:solidFill>
                 <a:latin typeface="+mn-ea"/>
               </a:rPr>
-              <a:t>불용어가</a:t>
-            </a:r>
-            <a:r>
-              <a:rPr lang="ko-KR" altLang="en-US" sz="1600" spc="-100" dirty="0">
+              <a:t> 많아 필수 한글</a:t>
+            </a:r>
+            <a:r>
+              <a:rPr lang="en-US" altLang="ko-KR" sz="1600" spc="-100" dirty="0">
                 <a:solidFill>
                   <a:schemeClr val="bg2">
                     <a:lumMod val="25000"/>
@@ -22138,10 +20362,10 @@
                 </a:solidFill>
                 <a:latin typeface="+mn-ea"/>
               </a:rPr>
-              <a:t> 많아 필수 한글</a:t>
-            </a:r>
-            <a:r>
-              <a:rPr lang="en-US" altLang="ko-KR" sz="1600" spc="-100" dirty="0">
+              <a:t>, </a:t>
+            </a:r>
+            <a:r>
+              <a:rPr lang="ko-KR" altLang="en-US" sz="1600" spc="-100" dirty="0">
                 <a:solidFill>
                   <a:schemeClr val="bg2">
                     <a:lumMod val="25000"/>
@@ -22149,10 +20373,10 @@
                 </a:solidFill>
                 <a:latin typeface="+mn-ea"/>
               </a:rPr>
-              <a:t>, </a:t>
-            </a:r>
-            <a:r>
-              <a:rPr lang="ko-KR" altLang="en-US" sz="1600" spc="-100" dirty="0">
+              <a:t>영어</a:t>
+            </a:r>
+            <a:r>
+              <a:rPr lang="en-US" altLang="ko-KR" sz="1600" spc="-100" dirty="0">
                 <a:solidFill>
                   <a:schemeClr val="bg2">
                     <a:lumMod val="25000"/>
@@ -22160,10 +20384,10 @@
                 </a:solidFill>
                 <a:latin typeface="+mn-ea"/>
               </a:rPr>
-              <a:t>영어</a:t>
-            </a:r>
-            <a:r>
-              <a:rPr lang="en-US" altLang="ko-KR" sz="1600" spc="-100" dirty="0">
+              <a:t>, </a:t>
+            </a:r>
+            <a:r>
+              <a:rPr lang="ko-KR" altLang="en-US" sz="1600" spc="-100" dirty="0">
                 <a:solidFill>
                   <a:schemeClr val="bg2">
                     <a:lumMod val="25000"/>
@@ -22171,31 +20395,9 @@
                 </a:solidFill>
                 <a:latin typeface="+mn-ea"/>
               </a:rPr>
-              <a:t>, </a:t>
-            </a:r>
-            <a:r>
-              <a:rPr lang="ko-KR" altLang="en-US" sz="1600" spc="-100" dirty="0">
-                <a:solidFill>
-                  <a:schemeClr val="bg2">
-                    <a:lumMod val="25000"/>
-                  </a:schemeClr>
-                </a:solidFill>
-                <a:latin typeface="+mn-ea"/>
-              </a:rPr>
-              <a:t>숫자만 </a:t>
-            </a:r>
-            <a:r>
-              <a:rPr lang="ko-KR" altLang="en-US" sz="1600" spc="-100" dirty="0" smtClean="0">
-                <a:solidFill>
-                  <a:schemeClr val="bg2">
-                    <a:lumMod val="25000"/>
-                  </a:schemeClr>
-                </a:solidFill>
-                <a:latin typeface="+mn-ea"/>
-              </a:rPr>
-              <a:t>추출</a:t>
-            </a:r>
-            <a:endParaRPr lang="en-US" altLang="ko-KR" sz="1600" spc="-100" dirty="0" smtClean="0">
+              <a:t>숫자만 추출</a:t>
+            </a:r>
+            <a:endParaRPr lang="en-US" altLang="ko-KR" sz="1600" spc="-100" dirty="0">
               <a:solidFill>
                 <a:schemeClr val="bg2">
                   <a:lumMod val="25000"/>
@@ -22214,7 +20416,7 @@
               <a:defRPr/>
             </a:pPr>
             <a:r>
-              <a:rPr lang="en-US" altLang="ko-KR" sz="1600" spc="-100" dirty="0" smtClean="0">
+              <a:rPr lang="en-US" altLang="ko-KR" sz="1600" spc="-100" dirty="0">
                 <a:solidFill>
                   <a:schemeClr val="bg2">
                     <a:lumMod val="25000"/>
@@ -22222,10 +20424,10 @@
                 </a:solidFill>
                 <a:latin typeface="+mn-ea"/>
               </a:rPr>
-              <a:t>Embedding </a:t>
-            </a:r>
-            <a:r>
-              <a:rPr lang="en-US" altLang="ko-KR" sz="1600" spc="-100" dirty="0">
+              <a:t>Embedding : </a:t>
+            </a:r>
+            <a:r>
+              <a:rPr lang="ko-KR" altLang="en-US" sz="1600" spc="-100" dirty="0">
                 <a:solidFill>
                   <a:schemeClr val="bg2">
                     <a:lumMod val="25000"/>
@@ -22233,10 +20435,10 @@
                 </a:solidFill>
                 <a:latin typeface="+mn-ea"/>
               </a:rPr>
-              <a:t>: </a:t>
-            </a:r>
-            <a:r>
-              <a:rPr lang="ko-KR" altLang="en-US" sz="1600" spc="-100" dirty="0">
+              <a:t>단어 </a:t>
+            </a:r>
+            <a:r>
+              <a:rPr lang="ko-KR" altLang="en-US" sz="1600" spc="-100" dirty="0" err="1">
                 <a:solidFill>
                   <a:schemeClr val="bg2">
                     <a:lumMod val="25000"/>
@@ -22244,10 +20446,10 @@
                 </a:solidFill>
                 <a:latin typeface="+mn-ea"/>
               </a:rPr>
-              <a:t>단어 </a:t>
-            </a:r>
-            <a:r>
-              <a:rPr lang="ko-KR" altLang="en-US" sz="1600" spc="-100" dirty="0" err="1">
+              <a:t>임베딩</a:t>
+            </a:r>
+            <a:r>
+              <a:rPr lang="en-US" altLang="ko-KR" sz="1600" spc="-100" dirty="0">
                 <a:solidFill>
                   <a:schemeClr val="bg2">
                     <a:lumMod val="25000"/>
@@ -22255,10 +20457,10 @@
                 </a:solidFill>
                 <a:latin typeface="+mn-ea"/>
               </a:rPr>
-              <a:t>임베딩</a:t>
-            </a:r>
-            <a:r>
-              <a:rPr lang="en-US" altLang="ko-KR" sz="1600" spc="-100" dirty="0">
+              <a:t>(Glove) – </a:t>
+            </a:r>
+            <a:r>
+              <a:rPr lang="ko-KR" altLang="en-US" sz="1600" spc="-100" dirty="0">
                 <a:solidFill>
                   <a:schemeClr val="bg2">
                     <a:lumMod val="25000"/>
@@ -22266,64 +20468,9 @@
                 </a:solidFill>
                 <a:latin typeface="+mn-ea"/>
               </a:rPr>
-              <a:t>(</a:t>
-            </a:r>
-            <a:r>
-              <a:rPr lang="en-US" altLang="ko-KR" sz="1600" spc="-100" dirty="0" smtClean="0">
-                <a:solidFill>
-                  <a:schemeClr val="bg2">
-                    <a:lumMod val="25000"/>
-                  </a:schemeClr>
-                </a:solidFill>
-                <a:latin typeface="+mn-ea"/>
-              </a:rPr>
-              <a:t>Glove) </a:t>
-            </a:r>
-            <a:r>
-              <a:rPr lang="en-US" altLang="ko-KR" sz="1600" spc="-100" dirty="0">
-                <a:solidFill>
-                  <a:schemeClr val="bg2">
-                    <a:lumMod val="25000"/>
-                  </a:schemeClr>
-                </a:solidFill>
-                <a:latin typeface="+mn-ea"/>
-              </a:rPr>
-              <a:t>– </a:t>
-            </a:r>
-            <a:r>
-              <a:rPr lang="ko-KR" altLang="en-US" sz="1600" spc="-100" dirty="0" smtClean="0">
-                <a:solidFill>
-                  <a:schemeClr val="bg2">
-                    <a:lumMod val="25000"/>
-                  </a:schemeClr>
-                </a:solidFill>
-                <a:latin typeface="+mn-ea"/>
-              </a:rPr>
-              <a:t>단어 사이 </a:t>
-            </a:r>
-            <a:r>
-              <a:rPr lang="ko-KR" altLang="en-US" sz="1600" spc="-100" dirty="0">
-                <a:solidFill>
-                  <a:schemeClr val="bg2">
-                    <a:lumMod val="25000"/>
-                  </a:schemeClr>
-                </a:solidFill>
-                <a:latin typeface="+mn-ea"/>
-              </a:rPr>
-              <a:t>문맥상 유사성 </a:t>
-            </a:r>
-            <a:r>
-              <a:rPr lang="ko-KR" altLang="en-US" sz="1600" spc="-100" dirty="0" smtClean="0">
-                <a:solidFill>
-                  <a:schemeClr val="bg2">
-                    <a:lumMod val="25000"/>
-                  </a:schemeClr>
-                </a:solidFill>
-                <a:latin typeface="+mn-ea"/>
-              </a:rPr>
-              <a:t>이해</a:t>
-            </a:r>
-            <a:endParaRPr lang="en-US" altLang="ko-KR" sz="1600" spc="-100" dirty="0" smtClean="0">
+              <a:t>단어 사이 문맥상 유사성 이해</a:t>
+            </a:r>
+            <a:endParaRPr lang="en-US" altLang="ko-KR" sz="1600" spc="-100" dirty="0">
               <a:solidFill>
                 <a:schemeClr val="bg2">
                   <a:lumMod val="25000"/>
@@ -22342,7 +20489,7 @@
               <a:defRPr/>
             </a:pPr>
             <a:r>
-              <a:rPr lang="en-US" altLang="ko-KR" sz="1600" spc="-100" dirty="0" smtClean="0">
+              <a:rPr lang="en-US" altLang="ko-KR" sz="1600" spc="-100" dirty="0">
                 <a:solidFill>
                   <a:schemeClr val="bg2">
                     <a:lumMod val="25000"/>
@@ -22396,10 +20543,10 @@
                 <a:latin typeface="+mn-ea"/>
                 <a:ea typeface="+mn-ea"/>
               </a:rPr>
-              <a:t>결과 제시 </a:t>
-            </a:r>
-            <a:r>
-              <a:rPr lang="ko-KR" altLang="en-US" sz="1400" b="1" spc="-100" dirty="0" smtClean="0">
+              <a:t>결과 제시 ①</a:t>
+            </a:r>
+            <a:r>
+              <a:rPr lang="en-US" altLang="ko-KR" sz="1400" b="1" spc="-100" dirty="0">
                 <a:solidFill>
                   <a:schemeClr val="bg2">
                     <a:lumMod val="25000"/>
@@ -22408,10 +20555,10 @@
                 <a:latin typeface="+mn-ea"/>
                 <a:ea typeface="+mn-ea"/>
               </a:rPr>
-              <a:t>①</a:t>
-            </a:r>
-            <a:r>
-              <a:rPr lang="en-US" altLang="ko-KR" sz="1400" b="1" spc="-100" dirty="0" smtClean="0">
+              <a:t> </a:t>
+            </a:r>
+            <a:r>
+              <a:rPr lang="ko-KR" altLang="en-US" sz="1400" b="1" spc="-100" dirty="0">
                 <a:solidFill>
                   <a:schemeClr val="bg2">
                     <a:lumMod val="25000"/>
@@ -22420,29 +20567,8 @@
                 <a:latin typeface="+mn-ea"/>
                 <a:ea typeface="+mn-ea"/>
               </a:rPr>
-              <a:t> </a:t>
-            </a:r>
-            <a:r>
-              <a:rPr lang="ko-KR" altLang="en-US" sz="1400" b="1" spc="-100" dirty="0" smtClean="0">
-                <a:solidFill>
-                  <a:schemeClr val="bg2">
-                    <a:lumMod val="25000"/>
-                  </a:schemeClr>
-                </a:solidFill>
-                <a:latin typeface="+mn-ea"/>
-                <a:ea typeface="+mn-ea"/>
-              </a:rPr>
               <a:t>탐색적 분석 및 전처리</a:t>
             </a:r>
-            <a:endParaRPr lang="ko-KR" altLang="en-US" sz="1400" b="1" spc="-100" dirty="0">
-              <a:solidFill>
-                <a:schemeClr val="bg2">
-                  <a:lumMod val="25000"/>
-                </a:schemeClr>
-              </a:solidFill>
-              <a:latin typeface="+mn-ea"/>
-              <a:ea typeface="+mn-ea"/>
-            </a:endParaRPr>
           </a:p>
         </p:txBody>
       </p:sp>
@@ -22662,7 +20788,7 @@
           <a:lstStyle/>
           <a:p>
             <a:r>
-              <a:rPr lang="ko-KR" altLang="en-US" sz="2800" b="1" dirty="0" smtClean="0">
+              <a:rPr lang="ko-KR" altLang="en-US" sz="2800" b="1" dirty="0">
                 <a:ln w="12700">
                   <a:solidFill>
                     <a:srgbClr val="939597"/>
@@ -22689,31 +20815,6 @@
               </a:rPr>
               <a:t>▶</a:t>
             </a:r>
-            <a:endParaRPr lang="ko-KR" altLang="en-US" sz="2800" b="1" dirty="0">
-              <a:ln w="12700">
-                <a:solidFill>
-                  <a:srgbClr val="939597"/>
-                </a:solidFill>
-                <a:prstDash val="solid"/>
-              </a:ln>
-              <a:pattFill prst="dkUpDiag">
-                <a:fgClr>
-                  <a:srgbClr val="939597"/>
-                </a:fgClr>
-                <a:bgClr>
-                  <a:schemeClr val="bg2">
-                    <a:lumMod val="90000"/>
-                  </a:schemeClr>
-                </a:bgClr>
-              </a:pattFill>
-              <a:effectLst>
-                <a:outerShdw dist="38100" dir="2640000" algn="bl" rotWithShape="0">
-                  <a:srgbClr val="939597"/>
-                </a:outerShdw>
-              </a:effectLst>
-              <a:latin typeface="HY견고딕" panose="02030600000101010101" pitchFamily="18" charset="-127"/>
-              <a:ea typeface="HY견고딕" panose="02030600000101010101" pitchFamily="18" charset="-127"/>
-            </a:endParaRPr>
           </a:p>
         </p:txBody>
       </p:sp>
@@ -22938,7 +21039,7 @@
               <a:t>04</a:t>
             </a:r>
             <a:r>
-              <a:rPr lang="en-US" altLang="ko-KR" sz="4000" b="1" dirty="0" smtClean="0">
+              <a:rPr lang="en-US" altLang="ko-KR" sz="4000" b="1" dirty="0">
                 <a:solidFill>
                   <a:srgbClr val="445569"/>
                 </a:solidFill>
@@ -23043,7 +21144,7 @@
               <a:defRPr/>
             </a:pPr>
             <a:r>
-              <a:rPr lang="en-US" altLang="ko-KR" sz="1600" spc="-100" dirty="0" smtClean="0">
+              <a:rPr lang="en-US" altLang="ko-KR" sz="1600" spc="-100" dirty="0">
                 <a:solidFill>
                   <a:schemeClr val="bg2">
                     <a:lumMod val="25000"/>
@@ -23051,10 +21152,10 @@
                 </a:solidFill>
                 <a:latin typeface="+mn-ea"/>
               </a:rPr>
-              <a:t>LG </a:t>
-            </a:r>
-            <a:r>
-              <a:rPr lang="en-US" altLang="ko-KR" sz="1600" spc="-100" dirty="0">
+              <a:t>LG CNS KORQUAD </a:t>
+            </a:r>
+            <a:r>
+              <a:rPr lang="ko-KR" altLang="en-US" sz="1600" spc="-100" dirty="0">
                 <a:solidFill>
                   <a:schemeClr val="bg2">
                     <a:lumMod val="25000"/>
@@ -23062,31 +21163,9 @@
                 </a:solidFill>
                 <a:latin typeface="+mn-ea"/>
               </a:rPr>
-              <a:t>CNS KORQUAD </a:t>
-            </a:r>
-            <a:r>
-              <a:rPr lang="ko-KR" altLang="en-US" sz="1600" spc="-100" dirty="0">
-                <a:solidFill>
-                  <a:schemeClr val="bg2">
-                    <a:lumMod val="25000"/>
-                  </a:schemeClr>
-                </a:solidFill>
-                <a:latin typeface="+mn-ea"/>
-              </a:rPr>
-              <a:t>질의응답 </a:t>
-            </a:r>
-            <a:r>
-              <a:rPr lang="ko-KR" altLang="en-US" sz="1600" spc="-100" dirty="0" smtClean="0">
-                <a:solidFill>
-                  <a:schemeClr val="bg2">
-                    <a:lumMod val="25000"/>
-                  </a:schemeClr>
-                </a:solidFill>
-                <a:latin typeface="+mn-ea"/>
-              </a:rPr>
-              <a:t>형식</a:t>
-            </a:r>
-            <a:endParaRPr lang="en-US" altLang="ko-KR" sz="1600" spc="-100" dirty="0" smtClean="0">
+              <a:t>질의응답 형식</a:t>
+            </a:r>
+            <a:endParaRPr lang="en-US" altLang="ko-KR" sz="1600" spc="-100" dirty="0">
               <a:solidFill>
                 <a:schemeClr val="bg2">
                   <a:lumMod val="25000"/>
@@ -23103,7 +21182,7 @@
               <a:defRPr/>
             </a:pPr>
             <a:r>
-              <a:rPr lang="en-US" altLang="ko-KR" sz="1600" spc="-100" dirty="0" smtClean="0">
+              <a:rPr lang="en-US" altLang="ko-KR" sz="1600" spc="-100" dirty="0">
                 <a:solidFill>
                   <a:schemeClr val="bg2">
                     <a:lumMod val="25000"/>
@@ -23111,18 +21190,7 @@
                 </a:solidFill>
                 <a:latin typeface="+mn-ea"/>
               </a:rPr>
-              <a:t>  ·  Context </a:t>
-            </a:r>
-            <a:r>
-              <a:rPr lang="en-US" altLang="ko-KR" sz="1600" spc="-100" dirty="0">
-                <a:solidFill>
-                  <a:schemeClr val="bg2">
-                    <a:lumMod val="25000"/>
-                  </a:schemeClr>
-                </a:solidFill>
-                <a:latin typeface="+mn-ea"/>
-              </a:rPr>
-              <a:t>: 10,645</a:t>
+              <a:t>  ·  Context : 10,645</a:t>
             </a:r>
             <a:r>
               <a:rPr lang="ko-KR" altLang="en-US" sz="1600" spc="-100" dirty="0">
@@ -23144,7 +21212,7 @@
               <a:defRPr/>
             </a:pPr>
             <a:r>
-              <a:rPr lang="en-US" altLang="ko-KR" sz="1600" spc="-100" dirty="0" smtClean="0">
+              <a:rPr lang="en-US" altLang="ko-KR" sz="1600" spc="-100" dirty="0">
                 <a:solidFill>
                   <a:schemeClr val="bg2">
                     <a:lumMod val="25000"/>
@@ -23195,13 +21263,6 @@
   <p:clrMapOvr>
     <a:masterClrMapping/>
   </p:clrMapOvr>
-  <p:timing>
-    <p:tnLst>
-      <p:par>
-        <p:cTn id="1" dur="indefinite" restart="never" nodeType="tmRoot"/>
-      </p:par>
-    </p:tnLst>
-  </p:timing>
 </p:sld>
 </file>
 
@@ -23330,7 +21391,7 @@
               <a:defRPr/>
             </a:pPr>
             <a:r>
-              <a:rPr lang="en-US" altLang="ko-KR" b="1" dirty="0" smtClean="0">
+              <a:rPr lang="en-US" altLang="ko-KR" b="1" dirty="0">
                 <a:solidFill>
                   <a:schemeClr val="tx2">
                     <a:lumMod val="75000"/>
@@ -23403,7 +21464,7 @@
           <a:lstStyle/>
           <a:p>
             <a:r>
-              <a:rPr lang="ko-KR" altLang="en-US" sz="2800" b="1" dirty="0" smtClean="0">
+              <a:rPr lang="ko-KR" altLang="en-US" sz="2800" b="1" dirty="0">
                 <a:ln w="12700">
                   <a:solidFill>
                     <a:srgbClr val="939597"/>
@@ -23430,31 +21491,6 @@
               </a:rPr>
               <a:t>▶</a:t>
             </a:r>
-            <a:endParaRPr lang="ko-KR" altLang="en-US" sz="2800" b="1" dirty="0">
-              <a:ln w="12700">
-                <a:solidFill>
-                  <a:srgbClr val="939597"/>
-                </a:solidFill>
-                <a:prstDash val="solid"/>
-              </a:ln>
-              <a:pattFill prst="dkUpDiag">
-                <a:fgClr>
-                  <a:srgbClr val="939597"/>
-                </a:fgClr>
-                <a:bgClr>
-                  <a:schemeClr val="bg2">
-                    <a:lumMod val="90000"/>
-                  </a:schemeClr>
-                </a:bgClr>
-              </a:pattFill>
-              <a:effectLst>
-                <a:outerShdw dist="38100" dir="2640000" algn="bl" rotWithShape="0">
-                  <a:srgbClr val="939597"/>
-                </a:outerShdw>
-              </a:effectLst>
-              <a:latin typeface="HY견고딕" panose="02030600000101010101" pitchFamily="18" charset="-127"/>
-              <a:ea typeface="HY견고딕" panose="02030600000101010101" pitchFamily="18" charset="-127"/>
-            </a:endParaRPr>
           </a:p>
         </p:txBody>
       </p:sp>
@@ -23599,10 +21635,10 @@
                 <a:latin typeface="+mn-ea"/>
                 <a:ea typeface="+mn-ea"/>
               </a:rPr>
-              <a:t>결과 제시 </a:t>
-            </a:r>
-            <a:r>
-              <a:rPr lang="ko-KR" altLang="en-US" sz="1400" b="1" spc="-100" dirty="0" smtClean="0">
+              <a:t>결과 제시 ②</a:t>
+            </a:r>
+            <a:r>
+              <a:rPr lang="en-US" altLang="ko-KR" sz="1400" b="1" spc="-100" dirty="0">
                 <a:solidFill>
                   <a:schemeClr val="bg2">
                     <a:lumMod val="25000"/>
@@ -23611,10 +21647,10 @@
                 <a:latin typeface="+mn-ea"/>
                 <a:ea typeface="+mn-ea"/>
               </a:rPr>
-              <a:t>②</a:t>
-            </a:r>
-            <a:r>
-              <a:rPr lang="en-US" altLang="ko-KR" sz="1400" b="1" spc="-100" dirty="0" smtClean="0">
+              <a:t> </a:t>
+            </a:r>
+            <a:r>
+              <a:rPr lang="ko-KR" altLang="en-US" sz="1400" b="1" spc="-100" dirty="0">
                 <a:solidFill>
                   <a:schemeClr val="bg2">
                     <a:lumMod val="25000"/>
@@ -23623,29 +21659,8 @@
                 <a:latin typeface="+mn-ea"/>
                 <a:ea typeface="+mn-ea"/>
               </a:rPr>
-              <a:t> </a:t>
-            </a:r>
-            <a:r>
-              <a:rPr lang="ko-KR" altLang="en-US" sz="1400" b="1" spc="-100" dirty="0" smtClean="0">
-                <a:solidFill>
-                  <a:schemeClr val="bg2">
-                    <a:lumMod val="25000"/>
-                  </a:schemeClr>
-                </a:solidFill>
-                <a:latin typeface="+mn-ea"/>
-                <a:ea typeface="+mn-ea"/>
-              </a:rPr>
               <a:t>모델 개요</a:t>
             </a:r>
-            <a:endParaRPr lang="ko-KR" altLang="en-US" sz="1400" b="1" spc="-100" dirty="0">
-              <a:solidFill>
-                <a:schemeClr val="bg2">
-                  <a:lumMod val="25000"/>
-                </a:schemeClr>
-              </a:solidFill>
-              <a:latin typeface="+mn-ea"/>
-              <a:ea typeface="+mn-ea"/>
-            </a:endParaRPr>
           </a:p>
         </p:txBody>
       </p:sp>
@@ -23825,7 +21840,7 @@
               <a:t>04</a:t>
             </a:r>
             <a:r>
-              <a:rPr lang="en-US" altLang="ko-KR" sz="4000" b="1" dirty="0" smtClean="0">
+              <a:rPr lang="en-US" altLang="ko-KR" sz="4000" b="1" dirty="0">
                 <a:solidFill>
                   <a:srgbClr val="445569"/>
                 </a:solidFill>
@@ -23909,13 +21924,6 @@
   <p:clrMapOvr>
     <a:masterClrMapping/>
   </p:clrMapOvr>
-  <p:timing>
-    <p:tnLst>
-      <p:par>
-        <p:cTn id="1" dur="indefinite" restart="never" nodeType="tmRoot"/>
-      </p:par>
-    </p:tnLst>
-  </p:timing>
 </p:sld>
 </file>
 
